--- a/P04_Results/OHBM_Poster_Xiaochun.pptx
+++ b/P04_Results/OHBM_Poster_Xiaochun.pptx
@@ -2,7 +2,7 @@
 <file path=ppt/presentation.xml><?xml version="1.0" encoding="utf-8"?>
 <p:presentation xmlns:a="http://schemas.openxmlformats.org/drawingml/2006/main" xmlns:r="http://schemas.openxmlformats.org/officeDocument/2006/relationships" xmlns:p="http://schemas.openxmlformats.org/presentationml/2006/main" saveSubsetFonts="1" autoCompressPictures="0">
   <p:sldMasterIdLst>
-    <p:sldMasterId id="2147483732" r:id="rId1"/>
+    <p:sldMasterId id="2147483744" r:id="rId1"/>
   </p:sldMasterIdLst>
   <p:notesMasterIdLst>
     <p:notesMasterId r:id="rId3"/>
@@ -10,7 +10,7 @@
   <p:sldIdLst>
     <p:sldId id="257" r:id="rId2"/>
   </p:sldIdLst>
-  <p:sldSz cx="6858000" cy="16459200"/>
+  <p:sldSz cx="6858000" cy="14630400"/>
   <p:notesSz cx="6858000" cy="9144000"/>
   <p:defaultTextStyle>
     <a:defPPr>
@@ -197,7 +197,7 @@
           <a:p>
             <a:fld id="{06ADBE86-040D-484F-8A37-B2CC69801E9E}" type="datetimeFigureOut">
               <a:rPr lang="en-US" smtClean="0"/>
-              <a:t>6/12/20</a:t>
+              <a:t>6/15/20</a:t>
             </a:fld>
             <a:endParaRPr lang="en-US"/>
           </a:p>
@@ -215,8 +215,8 @@
         </p:nvSpPr>
         <p:spPr>
           <a:xfrm>
-            <a:off x="2786063" y="1143000"/>
-            <a:ext cx="1285875" cy="3086100"/>
+            <a:off x="2706688" y="1143000"/>
+            <a:ext cx="1444625" cy="3086100"/>
           </a:xfrm>
           <a:prstGeom prst="rect">
             <a:avLst/>
@@ -493,8 +493,8 @@
         </p:nvSpPr>
         <p:spPr>
           <a:xfrm>
-            <a:off x="2786063" y="1143000"/>
-            <a:ext cx="1285875" cy="3086100"/>
+            <a:off x="2706688" y="1143000"/>
+            <a:ext cx="1444625" cy="3086100"/>
           </a:xfrm>
         </p:spPr>
       </p:sp>
@@ -582,8 +582,8 @@
         </p:nvSpPr>
         <p:spPr>
           <a:xfrm>
-            <a:off x="514350" y="2693671"/>
-            <a:ext cx="5829300" cy="5730240"/>
+            <a:off x="514350" y="2394374"/>
+            <a:ext cx="5829300" cy="5093547"/>
           </a:xfrm>
         </p:spPr>
         <p:txBody>
@@ -614,8 +614,8 @@
         </p:nvSpPr>
         <p:spPr>
           <a:xfrm>
-            <a:off x="857250" y="8644891"/>
-            <a:ext cx="5143500" cy="3973829"/>
+            <a:off x="857250" y="7684348"/>
+            <a:ext cx="5143500" cy="3532292"/>
           </a:xfrm>
         </p:spPr>
         <p:txBody>
@@ -684,7 +684,7 @@
           <a:p>
             <a:fld id="{E9531435-89FE-C544-8695-5DEEEF6060EE}" type="datetimeFigureOut">
               <a:rPr lang="en-US" smtClean="0"/>
-              <a:t>6/12/20</a:t>
+              <a:t>6/15/20</a:t>
             </a:fld>
             <a:endParaRPr lang="en-US"/>
           </a:p>
@@ -735,7 +735,7 @@
     </p:spTree>
     <p:extLst>
       <p:ext uri="{BB962C8B-B14F-4D97-AF65-F5344CB8AC3E}">
-        <p14:creationId xmlns:p14="http://schemas.microsoft.com/office/powerpoint/2010/main" val="2413374851"/>
+        <p14:creationId xmlns:p14="http://schemas.microsoft.com/office/powerpoint/2010/main" val="4013185218"/>
       </p:ext>
     </p:extLst>
   </p:cSld>
@@ -854,7 +854,7 @@
           <a:p>
             <a:fld id="{E9531435-89FE-C544-8695-5DEEEF6060EE}" type="datetimeFigureOut">
               <a:rPr lang="en-US" smtClean="0"/>
-              <a:t>6/12/20</a:t>
+              <a:t>6/15/20</a:t>
             </a:fld>
             <a:endParaRPr lang="en-US"/>
           </a:p>
@@ -905,7 +905,7 @@
     </p:spTree>
     <p:extLst>
       <p:ext uri="{BB962C8B-B14F-4D97-AF65-F5344CB8AC3E}">
-        <p14:creationId xmlns:p14="http://schemas.microsoft.com/office/powerpoint/2010/main" val="3821250280"/>
+        <p14:creationId xmlns:p14="http://schemas.microsoft.com/office/powerpoint/2010/main" val="418281238"/>
       </p:ext>
     </p:extLst>
   </p:cSld>
@@ -944,8 +944,8 @@
         </p:nvSpPr>
         <p:spPr>
           <a:xfrm>
-            <a:off x="4907757" y="876300"/>
-            <a:ext cx="1478756" cy="13948411"/>
+            <a:off x="4907757" y="778933"/>
+            <a:ext cx="1478756" cy="12398588"/>
           </a:xfrm>
         </p:spPr>
         <p:txBody>
@@ -972,8 +972,8 @@
         </p:nvSpPr>
         <p:spPr>
           <a:xfrm>
-            <a:off x="471488" y="876300"/>
-            <a:ext cx="4350544" cy="13948411"/>
+            <a:off x="471488" y="778933"/>
+            <a:ext cx="4350544" cy="12398588"/>
           </a:xfrm>
         </p:spPr>
         <p:txBody>
@@ -1034,7 +1034,7 @@
           <a:p>
             <a:fld id="{E9531435-89FE-C544-8695-5DEEEF6060EE}" type="datetimeFigureOut">
               <a:rPr lang="en-US" smtClean="0"/>
-              <a:t>6/12/20</a:t>
+              <a:t>6/15/20</a:t>
             </a:fld>
             <a:endParaRPr lang="en-US"/>
           </a:p>
@@ -1085,7 +1085,7 @@
     </p:spTree>
     <p:extLst>
       <p:ext uri="{BB962C8B-B14F-4D97-AF65-F5344CB8AC3E}">
-        <p14:creationId xmlns:p14="http://schemas.microsoft.com/office/powerpoint/2010/main" val="3103294720"/>
+        <p14:creationId xmlns:p14="http://schemas.microsoft.com/office/powerpoint/2010/main" val="4041671521"/>
       </p:ext>
     </p:extLst>
   </p:cSld>
@@ -1204,7 +1204,7 @@
           <a:p>
             <a:fld id="{E9531435-89FE-C544-8695-5DEEEF6060EE}" type="datetimeFigureOut">
               <a:rPr lang="en-US" smtClean="0"/>
-              <a:t>6/12/20</a:t>
+              <a:t>6/15/20</a:t>
             </a:fld>
             <a:endParaRPr lang="en-US"/>
           </a:p>
@@ -1255,7 +1255,7 @@
     </p:spTree>
     <p:extLst>
       <p:ext uri="{BB962C8B-B14F-4D97-AF65-F5344CB8AC3E}">
-        <p14:creationId xmlns:p14="http://schemas.microsoft.com/office/powerpoint/2010/main" val="3211031313"/>
+        <p14:creationId xmlns:p14="http://schemas.microsoft.com/office/powerpoint/2010/main" val="3083018790"/>
       </p:ext>
     </p:extLst>
   </p:cSld>
@@ -1294,8 +1294,8 @@
         </p:nvSpPr>
         <p:spPr>
           <a:xfrm>
-            <a:off x="467916" y="4103375"/>
-            <a:ext cx="5915025" cy="6846569"/>
+            <a:off x="467916" y="3647444"/>
+            <a:ext cx="5915025" cy="6085839"/>
           </a:xfrm>
         </p:spPr>
         <p:txBody>
@@ -1326,8 +1326,8 @@
         </p:nvSpPr>
         <p:spPr>
           <a:xfrm>
-            <a:off x="467916" y="11014715"/>
-            <a:ext cx="5915025" cy="3600449"/>
+            <a:off x="467916" y="9790858"/>
+            <a:ext cx="5915025" cy="3200399"/>
           </a:xfrm>
         </p:spPr>
         <p:txBody>
@@ -1448,7 +1448,7 @@
           <a:p>
             <a:fld id="{E9531435-89FE-C544-8695-5DEEEF6060EE}" type="datetimeFigureOut">
               <a:rPr lang="en-US" smtClean="0"/>
-              <a:t>6/12/20</a:t>
+              <a:t>6/15/20</a:t>
             </a:fld>
             <a:endParaRPr lang="en-US"/>
           </a:p>
@@ -1499,7 +1499,7 @@
     </p:spTree>
     <p:extLst>
       <p:ext uri="{BB962C8B-B14F-4D97-AF65-F5344CB8AC3E}">
-        <p14:creationId xmlns:p14="http://schemas.microsoft.com/office/powerpoint/2010/main" val="4035141558"/>
+        <p14:creationId xmlns:p14="http://schemas.microsoft.com/office/powerpoint/2010/main" val="4102442858"/>
       </p:ext>
     </p:extLst>
   </p:cSld>
@@ -1561,8 +1561,8 @@
         </p:nvSpPr>
         <p:spPr>
           <a:xfrm>
-            <a:off x="471488" y="4381500"/>
-            <a:ext cx="2914650" cy="10443211"/>
+            <a:off x="471488" y="3894667"/>
+            <a:ext cx="2914650" cy="9282854"/>
           </a:xfrm>
         </p:spPr>
         <p:txBody>
@@ -1618,8 +1618,8 @@
         </p:nvSpPr>
         <p:spPr>
           <a:xfrm>
-            <a:off x="3471863" y="4381500"/>
-            <a:ext cx="2914650" cy="10443211"/>
+            <a:off x="3471863" y="3894667"/>
+            <a:ext cx="2914650" cy="9282854"/>
           </a:xfrm>
         </p:spPr>
         <p:txBody>
@@ -1680,7 +1680,7 @@
           <a:p>
             <a:fld id="{E9531435-89FE-C544-8695-5DEEEF6060EE}" type="datetimeFigureOut">
               <a:rPr lang="en-US" smtClean="0"/>
-              <a:t>6/12/20</a:t>
+              <a:t>6/15/20</a:t>
             </a:fld>
             <a:endParaRPr lang="en-US"/>
           </a:p>
@@ -1731,7 +1731,7 @@
     </p:spTree>
     <p:extLst>
       <p:ext uri="{BB962C8B-B14F-4D97-AF65-F5344CB8AC3E}">
-        <p14:creationId xmlns:p14="http://schemas.microsoft.com/office/powerpoint/2010/main" val="3696604598"/>
+        <p14:creationId xmlns:p14="http://schemas.microsoft.com/office/powerpoint/2010/main" val="1518251073"/>
       </p:ext>
     </p:extLst>
   </p:cSld>
@@ -1770,8 +1770,8 @@
         </p:nvSpPr>
         <p:spPr>
           <a:xfrm>
-            <a:off x="472381" y="876304"/>
-            <a:ext cx="5915025" cy="3181351"/>
+            <a:off x="472381" y="778936"/>
+            <a:ext cx="5915025" cy="2827868"/>
           </a:xfrm>
         </p:spPr>
         <p:txBody>
@@ -1798,8 +1798,8 @@
         </p:nvSpPr>
         <p:spPr>
           <a:xfrm>
-            <a:off x="472381" y="4034791"/>
-            <a:ext cx="2901255" cy="1977389"/>
+            <a:off x="472381" y="3586481"/>
+            <a:ext cx="2901255" cy="1757679"/>
           </a:xfrm>
         </p:spPr>
         <p:txBody>
@@ -1863,8 +1863,8 @@
         </p:nvSpPr>
         <p:spPr>
           <a:xfrm>
-            <a:off x="472381" y="6012180"/>
-            <a:ext cx="2901255" cy="8843011"/>
+            <a:off x="472381" y="5344160"/>
+            <a:ext cx="2901255" cy="7860454"/>
           </a:xfrm>
         </p:spPr>
         <p:txBody>
@@ -1920,8 +1920,8 @@
         </p:nvSpPr>
         <p:spPr>
           <a:xfrm>
-            <a:off x="3471863" y="4034791"/>
-            <a:ext cx="2915543" cy="1977389"/>
+            <a:off x="3471863" y="3586481"/>
+            <a:ext cx="2915543" cy="1757679"/>
           </a:xfrm>
         </p:spPr>
         <p:txBody>
@@ -1985,8 +1985,8 @@
         </p:nvSpPr>
         <p:spPr>
           <a:xfrm>
-            <a:off x="3471863" y="6012180"/>
-            <a:ext cx="2915543" cy="8843011"/>
+            <a:off x="3471863" y="5344160"/>
+            <a:ext cx="2915543" cy="7860454"/>
           </a:xfrm>
         </p:spPr>
         <p:txBody>
@@ -2047,7 +2047,7 @@
           <a:p>
             <a:fld id="{E9531435-89FE-C544-8695-5DEEEF6060EE}" type="datetimeFigureOut">
               <a:rPr lang="en-US" smtClean="0"/>
-              <a:t>6/12/20</a:t>
+              <a:t>6/15/20</a:t>
             </a:fld>
             <a:endParaRPr lang="en-US"/>
           </a:p>
@@ -2098,7 +2098,7 @@
     </p:spTree>
     <p:extLst>
       <p:ext uri="{BB962C8B-B14F-4D97-AF65-F5344CB8AC3E}">
-        <p14:creationId xmlns:p14="http://schemas.microsoft.com/office/powerpoint/2010/main" val="4056140490"/>
+        <p14:creationId xmlns:p14="http://schemas.microsoft.com/office/powerpoint/2010/main" val="880464890"/>
       </p:ext>
     </p:extLst>
   </p:cSld>
@@ -2165,7 +2165,7 @@
           <a:p>
             <a:fld id="{E9531435-89FE-C544-8695-5DEEEF6060EE}" type="datetimeFigureOut">
               <a:rPr lang="en-US" smtClean="0"/>
-              <a:t>6/12/20</a:t>
+              <a:t>6/15/20</a:t>
             </a:fld>
             <a:endParaRPr lang="en-US"/>
           </a:p>
@@ -2216,7 +2216,7 @@
     </p:spTree>
     <p:extLst>
       <p:ext uri="{BB962C8B-B14F-4D97-AF65-F5344CB8AC3E}">
-        <p14:creationId xmlns:p14="http://schemas.microsoft.com/office/powerpoint/2010/main" val="384576099"/>
+        <p14:creationId xmlns:p14="http://schemas.microsoft.com/office/powerpoint/2010/main" val="1062269538"/>
       </p:ext>
     </p:extLst>
   </p:cSld>
@@ -2260,7 +2260,7 @@
           <a:p>
             <a:fld id="{E9531435-89FE-C544-8695-5DEEEF6060EE}" type="datetimeFigureOut">
               <a:rPr lang="en-US" smtClean="0"/>
-              <a:t>6/12/20</a:t>
+              <a:t>6/15/20</a:t>
             </a:fld>
             <a:endParaRPr lang="en-US"/>
           </a:p>
@@ -2311,7 +2311,7 @@
     </p:spTree>
     <p:extLst>
       <p:ext uri="{BB962C8B-B14F-4D97-AF65-F5344CB8AC3E}">
-        <p14:creationId xmlns:p14="http://schemas.microsoft.com/office/powerpoint/2010/main" val="1182613129"/>
+        <p14:creationId xmlns:p14="http://schemas.microsoft.com/office/powerpoint/2010/main" val="1084466150"/>
       </p:ext>
     </p:extLst>
   </p:cSld>
@@ -2350,8 +2350,8 @@
         </p:nvSpPr>
         <p:spPr>
           <a:xfrm>
-            <a:off x="472381" y="1097280"/>
-            <a:ext cx="2211884" cy="3840480"/>
+            <a:off x="472381" y="975360"/>
+            <a:ext cx="2211884" cy="3413760"/>
           </a:xfrm>
         </p:spPr>
         <p:txBody>
@@ -2382,8 +2382,8 @@
         </p:nvSpPr>
         <p:spPr>
           <a:xfrm>
-            <a:off x="2915543" y="2369824"/>
-            <a:ext cx="3471863" cy="11696700"/>
+            <a:off x="2915543" y="2106510"/>
+            <a:ext cx="3471863" cy="10397067"/>
           </a:xfrm>
         </p:spPr>
         <p:txBody>
@@ -2467,8 +2467,8 @@
         </p:nvSpPr>
         <p:spPr>
           <a:xfrm>
-            <a:off x="472381" y="4937760"/>
-            <a:ext cx="2211884" cy="9147811"/>
+            <a:off x="472381" y="4389120"/>
+            <a:ext cx="2211884" cy="8131388"/>
           </a:xfrm>
         </p:spPr>
         <p:txBody>
@@ -2537,7 +2537,7 @@
           <a:p>
             <a:fld id="{E9531435-89FE-C544-8695-5DEEEF6060EE}" type="datetimeFigureOut">
               <a:rPr lang="en-US" smtClean="0"/>
-              <a:t>6/12/20</a:t>
+              <a:t>6/15/20</a:t>
             </a:fld>
             <a:endParaRPr lang="en-US"/>
           </a:p>
@@ -2588,7 +2588,7 @@
     </p:spTree>
     <p:extLst>
       <p:ext uri="{BB962C8B-B14F-4D97-AF65-F5344CB8AC3E}">
-        <p14:creationId xmlns:p14="http://schemas.microsoft.com/office/powerpoint/2010/main" val="1840144080"/>
+        <p14:creationId xmlns:p14="http://schemas.microsoft.com/office/powerpoint/2010/main" val="3853562689"/>
       </p:ext>
     </p:extLst>
   </p:cSld>
@@ -2627,8 +2627,8 @@
         </p:nvSpPr>
         <p:spPr>
           <a:xfrm>
-            <a:off x="472381" y="1097280"/>
-            <a:ext cx="2211884" cy="3840480"/>
+            <a:off x="472381" y="975360"/>
+            <a:ext cx="2211884" cy="3413760"/>
           </a:xfrm>
         </p:spPr>
         <p:txBody>
@@ -2659,8 +2659,8 @@
         </p:nvSpPr>
         <p:spPr>
           <a:xfrm>
-            <a:off x="2915543" y="2369824"/>
-            <a:ext cx="3471863" cy="11696700"/>
+            <a:off x="2915543" y="2106510"/>
+            <a:ext cx="3471863" cy="10397067"/>
           </a:xfrm>
         </p:spPr>
         <p:txBody>
@@ -2724,8 +2724,8 @@
         </p:nvSpPr>
         <p:spPr>
           <a:xfrm>
-            <a:off x="472381" y="4937760"/>
-            <a:ext cx="2211884" cy="9147811"/>
+            <a:off x="472381" y="4389120"/>
+            <a:ext cx="2211884" cy="8131388"/>
           </a:xfrm>
         </p:spPr>
         <p:txBody>
@@ -2794,7 +2794,7 @@
           <a:p>
             <a:fld id="{E9531435-89FE-C544-8695-5DEEEF6060EE}" type="datetimeFigureOut">
               <a:rPr lang="en-US" smtClean="0"/>
-              <a:t>6/12/20</a:t>
+              <a:t>6/15/20</a:t>
             </a:fld>
             <a:endParaRPr lang="en-US"/>
           </a:p>
@@ -2845,7 +2845,7 @@
     </p:spTree>
     <p:extLst>
       <p:ext uri="{BB962C8B-B14F-4D97-AF65-F5344CB8AC3E}">
-        <p14:creationId xmlns:p14="http://schemas.microsoft.com/office/powerpoint/2010/main" val="3658596314"/>
+        <p14:creationId xmlns:p14="http://schemas.microsoft.com/office/powerpoint/2010/main" val="2771130604"/>
       </p:ext>
     </p:extLst>
   </p:cSld>
@@ -2889,8 +2889,8 @@
         </p:nvSpPr>
         <p:spPr>
           <a:xfrm>
-            <a:off x="471488" y="876304"/>
-            <a:ext cx="5915025" cy="3181351"/>
+            <a:off x="471488" y="778936"/>
+            <a:ext cx="5915025" cy="2827868"/>
           </a:xfrm>
           <a:prstGeom prst="rect">
             <a:avLst/>
@@ -2922,8 +2922,8 @@
         </p:nvSpPr>
         <p:spPr>
           <a:xfrm>
-            <a:off x="471488" y="4381500"/>
-            <a:ext cx="5915025" cy="10443211"/>
+            <a:off x="471488" y="3894667"/>
+            <a:ext cx="5915025" cy="9282854"/>
           </a:xfrm>
           <a:prstGeom prst="rect">
             <a:avLst/>
@@ -2984,8 +2984,8 @@
         </p:nvSpPr>
         <p:spPr>
           <a:xfrm>
-            <a:off x="471488" y="15255244"/>
-            <a:ext cx="1543050" cy="876300"/>
+            <a:off x="471488" y="13560217"/>
+            <a:ext cx="1543050" cy="778933"/>
           </a:xfrm>
           <a:prstGeom prst="rect">
             <a:avLst/>
@@ -3007,7 +3007,7 @@
           <a:p>
             <a:fld id="{E9531435-89FE-C544-8695-5DEEEF6060EE}" type="datetimeFigureOut">
               <a:rPr lang="en-US" smtClean="0"/>
-              <a:t>6/12/20</a:t>
+              <a:t>6/15/20</a:t>
             </a:fld>
             <a:endParaRPr lang="en-US"/>
           </a:p>
@@ -3025,8 +3025,8 @@
         </p:nvSpPr>
         <p:spPr>
           <a:xfrm>
-            <a:off x="2271713" y="15255244"/>
-            <a:ext cx="2314575" cy="876300"/>
+            <a:off x="2271713" y="13560217"/>
+            <a:ext cx="2314575" cy="778933"/>
           </a:xfrm>
           <a:prstGeom prst="rect">
             <a:avLst/>
@@ -3062,8 +3062,8 @@
         </p:nvSpPr>
         <p:spPr>
           <a:xfrm>
-            <a:off x="4843463" y="15255244"/>
-            <a:ext cx="1543050" cy="876300"/>
+            <a:off x="4843463" y="13560217"/>
+            <a:ext cx="1543050" cy="778933"/>
           </a:xfrm>
           <a:prstGeom prst="rect">
             <a:avLst/>
@@ -3094,23 +3094,23 @@
     </p:spTree>
     <p:extLst>
       <p:ext uri="{BB962C8B-B14F-4D97-AF65-F5344CB8AC3E}">
-        <p14:creationId xmlns:p14="http://schemas.microsoft.com/office/powerpoint/2010/main" val="98050176"/>
+        <p14:creationId xmlns:p14="http://schemas.microsoft.com/office/powerpoint/2010/main" val="1184320933"/>
       </p:ext>
     </p:extLst>
   </p:cSld>
   <p:clrMap bg1="lt1" tx1="dk1" bg2="lt2" tx2="dk2" accent1="accent1" accent2="accent2" accent3="accent3" accent4="accent4" accent5="accent5" accent6="accent6" hlink="hlink" folHlink="folHlink"/>
   <p:sldLayoutIdLst>
-    <p:sldLayoutId id="2147483733" r:id="rId1"/>
-    <p:sldLayoutId id="2147483734" r:id="rId2"/>
-    <p:sldLayoutId id="2147483735" r:id="rId3"/>
-    <p:sldLayoutId id="2147483736" r:id="rId4"/>
-    <p:sldLayoutId id="2147483737" r:id="rId5"/>
-    <p:sldLayoutId id="2147483738" r:id="rId6"/>
-    <p:sldLayoutId id="2147483739" r:id="rId7"/>
-    <p:sldLayoutId id="2147483740" r:id="rId8"/>
-    <p:sldLayoutId id="2147483741" r:id="rId9"/>
-    <p:sldLayoutId id="2147483742" r:id="rId10"/>
-    <p:sldLayoutId id="2147483743" r:id="rId11"/>
+    <p:sldLayoutId id="2147483745" r:id="rId1"/>
+    <p:sldLayoutId id="2147483746" r:id="rId2"/>
+    <p:sldLayoutId id="2147483747" r:id="rId3"/>
+    <p:sldLayoutId id="2147483748" r:id="rId4"/>
+    <p:sldLayoutId id="2147483749" r:id="rId5"/>
+    <p:sldLayoutId id="2147483750" r:id="rId6"/>
+    <p:sldLayoutId id="2147483751" r:id="rId7"/>
+    <p:sldLayoutId id="2147483752" r:id="rId8"/>
+    <p:sldLayoutId id="2147483753" r:id="rId9"/>
+    <p:sldLayoutId id="2147483754" r:id="rId10"/>
+    <p:sldLayoutId id="2147483755" r:id="rId11"/>
   </p:sldLayoutIdLst>
   <p:txStyles>
     <p:titleStyle>
@@ -3414,10 +3414,10 @@
       </p:grpSpPr>
       <p:pic>
         <p:nvPicPr>
-          <p:cNvPr id="165" name="Picture 164" descr="A screenshot of a cell phone&#10;&#10;Description automatically generated">
+          <p:cNvPr id="36" name="Picture 35" descr="A screenshot of a cell phone&#10;&#10;Description automatically generated">
             <a:extLst>
               <a:ext uri="{FF2B5EF4-FFF2-40B4-BE49-F238E27FC236}">
-                <a16:creationId xmlns:a16="http://schemas.microsoft.com/office/drawing/2014/main" id="{941E79FA-E6B7-7F49-83AB-6681E4B95849}"/>
+                <a16:creationId xmlns:a16="http://schemas.microsoft.com/office/drawing/2014/main" id="{C35CA650-52D9-B741-BFDF-DB19F8261172}"/>
               </a:ext>
             </a:extLst>
           </p:cNvPr>
@@ -3434,8 +3434,8 @@
         </p:blipFill>
         <p:spPr>
           <a:xfrm>
-            <a:off x="5390904" y="12332432"/>
-            <a:ext cx="1307802" cy="980851"/>
+            <a:off x="5371622" y="11408520"/>
+            <a:ext cx="1347974" cy="1010981"/>
           </a:xfrm>
           <a:prstGeom prst="rect">
             <a:avLst/>
@@ -3444,10 +3444,10 @@
       </p:pic>
       <p:pic>
         <p:nvPicPr>
-          <p:cNvPr id="144" name="Picture 143" descr="A screenshot of a map&#10;&#10;Description automatically generated">
+          <p:cNvPr id="11" name="Picture 10" descr="A screenshot of a cell phone&#10;&#10;Description automatically generated">
             <a:extLst>
               <a:ext uri="{FF2B5EF4-FFF2-40B4-BE49-F238E27FC236}">
-                <a16:creationId xmlns:a16="http://schemas.microsoft.com/office/drawing/2014/main" id="{606B660D-E24D-1245-A9B7-08E894FCB1CB}"/>
+                <a16:creationId xmlns:a16="http://schemas.microsoft.com/office/drawing/2014/main" id="{40E03CA6-B53E-1E49-A310-82354BFB025D}"/>
               </a:ext>
             </a:extLst>
           </p:cNvPr>
@@ -3464,8 +3464,8 @@
         </p:blipFill>
         <p:spPr>
           <a:xfrm>
-            <a:off x="-927873" y="11221299"/>
-            <a:ext cx="4426957" cy="981309"/>
+            <a:off x="246761" y="11413664"/>
+            <a:ext cx="1324853" cy="993640"/>
           </a:xfrm>
           <a:prstGeom prst="rect">
             <a:avLst/>
@@ -3494,7 +3494,7 @@
         </p:blipFill>
         <p:spPr>
           <a:xfrm>
-            <a:off x="3395469" y="8844210"/>
+            <a:off x="3395470" y="7909855"/>
             <a:ext cx="2040747" cy="2040747"/>
           </a:xfrm>
           <a:prstGeom prst="rect">
@@ -3504,10 +3504,10 @@
       </p:pic>
       <p:pic>
         <p:nvPicPr>
-          <p:cNvPr id="139" name="Picture 138" descr="A screenshot of a cell phone&#10;&#10;Description automatically generated">
+          <p:cNvPr id="3" name="Picture 2" descr="A screenshot of a cell phone&#10;&#10;Description automatically generated">
             <a:extLst>
               <a:ext uri="{FF2B5EF4-FFF2-40B4-BE49-F238E27FC236}">
-                <a16:creationId xmlns:a16="http://schemas.microsoft.com/office/drawing/2014/main" id="{08ECE9BD-E9CC-BD45-BD6B-7A8A03F93300}"/>
+                <a16:creationId xmlns:a16="http://schemas.microsoft.com/office/drawing/2014/main" id="{5841AF70-47CB-1A44-A2D3-305CA0A5612D}"/>
               </a:ext>
             </a:extLst>
           </p:cNvPr>
@@ -3524,8 +3524,38 @@
         </p:blipFill>
         <p:spPr>
           <a:xfrm>
-            <a:off x="5306047" y="8886428"/>
-            <a:ext cx="1420887" cy="1980358"/>
+            <a:off x="5311289" y="8050540"/>
+            <a:ext cx="1347974" cy="1713153"/>
+          </a:xfrm>
+          <a:prstGeom prst="rect">
+            <a:avLst/>
+          </a:prstGeom>
+        </p:spPr>
+      </p:pic>
+      <p:pic>
+        <p:nvPicPr>
+          <p:cNvPr id="144" name="Picture 143" descr="A screenshot of a map&#10;&#10;Description automatically generated">
+            <a:extLst>
+              <a:ext uri="{FF2B5EF4-FFF2-40B4-BE49-F238E27FC236}">
+                <a16:creationId xmlns:a16="http://schemas.microsoft.com/office/drawing/2014/main" id="{606B660D-E24D-1245-A9B7-08E894FCB1CB}"/>
+              </a:ext>
+            </a:extLst>
+          </p:cNvPr>
+          <p:cNvPicPr>
+            <a:picLocks noChangeAspect="1"/>
+          </p:cNvPicPr>
+          <p:nvPr/>
+        </p:nvPicPr>
+        <p:blipFill>
+          <a:blip r:embed="rId7"/>
+          <a:stretch>
+            <a:fillRect/>
+          </a:stretch>
+        </p:blipFill>
+        <p:spPr>
+          <a:xfrm>
+            <a:off x="-927873" y="10261305"/>
+            <a:ext cx="4426957" cy="981309"/>
           </a:xfrm>
           <a:prstGeom prst="rect">
             <a:avLst/>
@@ -3547,14 +3577,14 @@
           <p:nvPr/>
         </p:nvPicPr>
         <p:blipFill>
-          <a:blip r:embed="rId7"/>
+          <a:blip r:embed="rId8"/>
           <a:stretch>
             <a:fillRect/>
           </a:stretch>
         </p:blipFill>
         <p:spPr>
           <a:xfrm>
-            <a:off x="1418945" y="9025225"/>
+            <a:off x="1418945" y="8056686"/>
             <a:ext cx="1962782" cy="981391"/>
           </a:xfrm>
           <a:prstGeom prst="rect">
@@ -3576,7 +3606,7 @@
         </p:nvSpPr>
         <p:spPr>
           <a:xfrm>
-            <a:off x="928469" y="7855"/>
+            <a:off x="928469" y="76435"/>
             <a:ext cx="5668310" cy="284052"/>
           </a:xfrm>
           <a:prstGeom prst="rect">
@@ -3613,14 +3643,14 @@
           <p:nvPr/>
         </p:nvPicPr>
         <p:blipFill>
-          <a:blip r:embed="rId8"/>
+          <a:blip r:embed="rId9"/>
           <a:stretch>
             <a:fillRect/>
           </a:stretch>
         </p:blipFill>
         <p:spPr>
           <a:xfrm>
-            <a:off x="60962" y="32308"/>
+            <a:off x="60962" y="100888"/>
             <a:ext cx="844062" cy="637773"/>
           </a:xfrm>
           <a:prstGeom prst="rect">
@@ -3642,7 +3672,7 @@
         </p:nvSpPr>
         <p:spPr>
           <a:xfrm>
-            <a:off x="492002" y="204705"/>
+            <a:off x="492002" y="273285"/>
             <a:ext cx="6013938" cy="200055"/>
           </a:xfrm>
           <a:prstGeom prst="rect">
@@ -3826,7 +3856,7 @@
         </p:nvSpPr>
         <p:spPr>
           <a:xfrm>
-            <a:off x="930398" y="327168"/>
+            <a:off x="930398" y="395748"/>
             <a:ext cx="5796536" cy="400110"/>
           </a:xfrm>
           <a:prstGeom prst="rect">
@@ -4190,7 +4220,7 @@
         </p:nvSpPr>
         <p:spPr>
           <a:xfrm>
-            <a:off x="201195" y="759246"/>
+            <a:off x="201195" y="827826"/>
             <a:ext cx="6454364" cy="1320580"/>
           </a:xfrm>
           <a:prstGeom prst="roundRect">
@@ -4242,7 +4272,7 @@
         </p:nvSpPr>
         <p:spPr>
           <a:xfrm>
-            <a:off x="360422" y="740518"/>
+            <a:off x="360422" y="809098"/>
             <a:ext cx="5668310" cy="246221"/>
           </a:xfrm>
           <a:prstGeom prst="rect">
@@ -4278,7 +4308,7 @@
         </p:nvGrpSpPr>
         <p:grpSpPr>
           <a:xfrm>
-            <a:off x="5158856" y="1047832"/>
+            <a:off x="5158857" y="1116412"/>
             <a:ext cx="1172137" cy="996186"/>
             <a:chOff x="4404796" y="192959"/>
             <a:chExt cx="4239113" cy="3685117"/>
@@ -4319,7 +4349,7 @@
               <p:nvPr/>
             </p:nvPicPr>
             <p:blipFill>
-              <a:blip r:embed="rId9">
+              <a:blip r:embed="rId10">
                 <a:clrChange>
                   <a:clrFrom>
                     <a:srgbClr val="FFFFFF"/>
@@ -4370,7 +4400,7 @@
               <p:nvPr/>
             </p:nvPicPr>
             <p:blipFill>
-              <a:blip r:embed="rId10">
+              <a:blip r:embed="rId11">
                 <a:clrChange>
                   <a:clrFrom>
                     <a:srgbClr val="FFFFFF"/>
@@ -4692,7 +4722,7 @@
             <p:nvPr/>
           </p:nvPicPr>
           <p:blipFill>
-            <a:blip r:embed="rId11">
+            <a:blip r:embed="rId12">
               <a:clrChange>
                 <a:clrFrom>
                   <a:srgbClr val="FFFFFF"/>
@@ -5005,7 +5035,7 @@
             <p:nvPr/>
           </p:nvPicPr>
           <p:blipFill>
-            <a:blip r:embed="rId12">
+            <a:blip r:embed="rId13">
               <a:extLst>
                 <a:ext uri="{28A0092B-C50C-407E-A947-70E740481C1C}">
                   <a14:useLocalDpi xmlns:a14="http://schemas.microsoft.com/office/drawing/2010/main" val="0"/>
@@ -5041,7 +5071,7 @@
         </p:nvSpPr>
         <p:spPr>
           <a:xfrm>
-            <a:off x="4891294" y="758472"/>
+            <a:off x="4891294" y="827052"/>
             <a:ext cx="1616148" cy="215444"/>
           </a:xfrm>
           <a:prstGeom prst="rect">
@@ -5103,7 +5133,7 @@
         </p:nvCxnSpPr>
         <p:spPr>
           <a:xfrm flipV="1">
-            <a:off x="4942386" y="970469"/>
+            <a:off x="4942386" y="1039050"/>
             <a:ext cx="1542340" cy="1"/>
           </a:xfrm>
           <a:prstGeom prst="line">
@@ -5144,7 +5174,7 @@
         </p:nvSpPr>
         <p:spPr>
           <a:xfrm>
-            <a:off x="364971" y="883602"/>
+            <a:off x="364971" y="952182"/>
             <a:ext cx="4496576" cy="1200329"/>
           </a:xfrm>
           <a:prstGeom prst="rect">
@@ -5237,7 +5267,7 @@
         </p:nvSpPr>
         <p:spPr>
           <a:xfrm>
-            <a:off x="329815" y="2196465"/>
+            <a:off x="329815" y="2265046"/>
             <a:ext cx="5668310" cy="246221"/>
           </a:xfrm>
           <a:prstGeom prst="rect">
@@ -5273,7 +5303,7 @@
         </p:nvSpPr>
         <p:spPr>
           <a:xfrm>
-            <a:off x="5148270" y="2367657"/>
+            <a:off x="5148271" y="2436237"/>
             <a:ext cx="1058303" cy="215444"/>
           </a:xfrm>
           <a:prstGeom prst="rect">
@@ -5319,7 +5349,7 @@
         </p:nvCxnSpPr>
         <p:spPr>
           <a:xfrm flipV="1">
-            <a:off x="4954940" y="2578367"/>
+            <a:off x="4954940" y="2646948"/>
             <a:ext cx="1542340" cy="1"/>
           </a:xfrm>
           <a:prstGeom prst="line">
@@ -5361,14 +5391,14 @@
           <p:nvPr/>
         </p:nvPicPr>
         <p:blipFill>
-          <a:blip r:embed="rId13"/>
+          <a:blip r:embed="rId14"/>
           <a:stretch>
             <a:fillRect/>
           </a:stretch>
         </p:blipFill>
         <p:spPr>
           <a:xfrm>
-            <a:off x="5237914" y="2830655"/>
+            <a:off x="5237915" y="2899236"/>
             <a:ext cx="893703" cy="819485"/>
           </a:xfrm>
           <a:prstGeom prst="rect">
@@ -5390,7 +5420,7 @@
         </p:nvSpPr>
         <p:spPr>
           <a:xfrm>
-            <a:off x="5150771" y="3655797"/>
+            <a:off x="5150771" y="3724378"/>
             <a:ext cx="1221808" cy="461665"/>
           </a:xfrm>
           <a:prstGeom prst="rect">
@@ -5477,7 +5507,7 @@
         </p:nvSpPr>
         <p:spPr>
           <a:xfrm>
-            <a:off x="5351832" y="2753533"/>
+            <a:off x="5351832" y="2822114"/>
             <a:ext cx="518856" cy="169277"/>
           </a:xfrm>
           <a:prstGeom prst="rect">
@@ -5517,7 +5547,7 @@
         </p:nvSpPr>
         <p:spPr>
           <a:xfrm>
-            <a:off x="5779745" y="2787937"/>
+            <a:off x="5779745" y="2856518"/>
             <a:ext cx="428854" cy="169277"/>
           </a:xfrm>
           <a:prstGeom prst="rect">
@@ -5557,7 +5587,7 @@
         </p:nvSpPr>
         <p:spPr>
           <a:xfrm>
-            <a:off x="5970151" y="2976967"/>
+            <a:off x="5970151" y="3045548"/>
             <a:ext cx="428854" cy="169277"/>
           </a:xfrm>
           <a:prstGeom prst="rect">
@@ -5597,7 +5627,7 @@
         </p:nvSpPr>
         <p:spPr>
           <a:xfrm>
-            <a:off x="5986452" y="3209405"/>
+            <a:off x="5986452" y="3277986"/>
             <a:ext cx="428854" cy="169277"/>
           </a:xfrm>
           <a:prstGeom prst="rect">
@@ -5637,7 +5667,7 @@
         </p:nvSpPr>
         <p:spPr>
           <a:xfrm>
-            <a:off x="5863149" y="3413363"/>
+            <a:off x="5863149" y="3481944"/>
             <a:ext cx="428854" cy="169277"/>
           </a:xfrm>
           <a:prstGeom prst="rect">
@@ -5677,7 +5707,7 @@
         </p:nvSpPr>
         <p:spPr>
           <a:xfrm>
-            <a:off x="5635071" y="3539936"/>
+            <a:off x="5635071" y="3608517"/>
             <a:ext cx="428854" cy="169277"/>
           </a:xfrm>
           <a:prstGeom prst="rect">
@@ -5717,7 +5747,7 @@
         </p:nvSpPr>
         <p:spPr>
           <a:xfrm>
-            <a:off x="5397140" y="3518138"/>
+            <a:off x="5397141" y="3586719"/>
             <a:ext cx="318799" cy="169277"/>
           </a:xfrm>
           <a:prstGeom prst="rect">
@@ -5757,7 +5787,7 @@
         </p:nvSpPr>
         <p:spPr>
           <a:xfrm>
-            <a:off x="4928097" y="3266460"/>
+            <a:off x="4928098" y="3335041"/>
             <a:ext cx="508119" cy="169277"/>
           </a:xfrm>
           <a:prstGeom prst="rect">
@@ -5797,7 +5827,7 @@
         </p:nvSpPr>
         <p:spPr>
           <a:xfrm>
-            <a:off x="5062006" y="2951664"/>
+            <a:off x="5062007" y="3020245"/>
             <a:ext cx="443113" cy="169277"/>
           </a:xfrm>
           <a:prstGeom prst="rect">
@@ -5837,8 +5867,8 @@
         </p:nvSpPr>
         <p:spPr>
           <a:xfrm>
-            <a:off x="201195" y="2203310"/>
-            <a:ext cx="6454364" cy="3514692"/>
+            <a:off x="201195" y="2271891"/>
+            <a:ext cx="6454364" cy="3056581"/>
           </a:xfrm>
           <a:prstGeom prst="roundRect">
             <a:avLst>
@@ -5891,8 +5921,8 @@
         </p:nvSpPr>
         <p:spPr>
           <a:xfrm>
-            <a:off x="342613" y="2359908"/>
-            <a:ext cx="4490501" cy="2062103"/>
+            <a:off x="342614" y="2428488"/>
+            <a:ext cx="4490501" cy="1569660"/>
           </a:xfrm>
           <a:prstGeom prst="rect">
             <a:avLst/>
@@ -5972,13 +6002,631 @@
           </a:p>
           <a:p>
             <a:r>
+              <a:rPr lang="zh-CN" altLang="en-US" sz="800" dirty="0">
+                <a:latin typeface="Times New Roman" panose="02020603050405020304" pitchFamily="18" charset="0"/>
+                <a:ea typeface="DengXian" panose="02010600030101010101" pitchFamily="2" charset="-122"/>
+                <a:cs typeface="Times New Roman" panose="02020603050405020304" pitchFamily="18" charset="0"/>
+              </a:rPr>
+              <a:t>       * </a:t>
+            </a:r>
+            <a:r>
+              <a:rPr lang="en-US" altLang="zh-CN" sz="800" dirty="0">
+                <a:latin typeface="Times New Roman" panose="02020603050405020304" pitchFamily="18" charset="0"/>
+                <a:ea typeface="DengXian" panose="02010600030101010101" pitchFamily="2" charset="-122"/>
+                <a:cs typeface="Times New Roman" panose="02020603050405020304" pitchFamily="18" charset="0"/>
+              </a:rPr>
+              <a:t>N=</a:t>
+            </a:r>
+            <a:r>
+              <a:rPr lang="zh-CN" altLang="en-US" sz="800" dirty="0">
+                <a:latin typeface="Times New Roman" panose="02020603050405020304" pitchFamily="18" charset="0"/>
+                <a:ea typeface="DengXian" panose="02010600030101010101" pitchFamily="2" charset="-122"/>
+                <a:cs typeface="Times New Roman" panose="02020603050405020304" pitchFamily="18" charset="0"/>
+              </a:rPr>
+              <a:t> </a:t>
+            </a:r>
+            <a:r>
+              <a:rPr lang="en-US" altLang="zh-CN" sz="800" dirty="0">
+                <a:latin typeface="Times New Roman" panose="02020603050405020304" pitchFamily="18" charset="0"/>
+                <a:ea typeface="DengXian" panose="02010600030101010101" pitchFamily="2" charset="-122"/>
+                <a:cs typeface="Times New Roman" panose="02020603050405020304" pitchFamily="18" charset="0"/>
+              </a:rPr>
+              <a:t>305,</a:t>
+            </a:r>
+            <a:r>
+              <a:rPr lang="zh-CN" altLang="en-US" sz="800" dirty="0">
+                <a:latin typeface="Times New Roman" panose="02020603050405020304" pitchFamily="18" charset="0"/>
+                <a:ea typeface="DengXian" panose="02010600030101010101" pitchFamily="2" charset="-122"/>
+                <a:cs typeface="Times New Roman" panose="02020603050405020304" pitchFamily="18" charset="0"/>
+              </a:rPr>
+              <a:t> </a:t>
+            </a:r>
+            <a:r>
+              <a:rPr lang="en-US" altLang="zh-CN" sz="800" dirty="0">
+                <a:latin typeface="Times New Roman" panose="02020603050405020304" pitchFamily="18" charset="0"/>
+                <a:ea typeface="DengXian" panose="02010600030101010101" pitchFamily="2" charset="-122"/>
+                <a:cs typeface="Times New Roman" panose="02020603050405020304" pitchFamily="18" charset="0"/>
+              </a:rPr>
+              <a:t>9</a:t>
+            </a:r>
+            <a:r>
+              <a:rPr lang="zh-CN" altLang="en-US" sz="800" dirty="0">
+                <a:latin typeface="Times New Roman" panose="02020603050405020304" pitchFamily="18" charset="0"/>
+                <a:ea typeface="DengXian" panose="02010600030101010101" pitchFamily="2" charset="-122"/>
+                <a:cs typeface="Times New Roman" panose="02020603050405020304" pitchFamily="18" charset="0"/>
+              </a:rPr>
+              <a:t> </a:t>
+            </a:r>
+            <a:r>
+              <a:rPr lang="en-US" altLang="zh-CN" sz="800" dirty="0">
+                <a:latin typeface="Times New Roman" panose="02020603050405020304" pitchFamily="18" charset="0"/>
+                <a:ea typeface="DengXian" panose="02010600030101010101" pitchFamily="2" charset="-122"/>
+                <a:cs typeface="Times New Roman" panose="02020603050405020304" pitchFamily="18" charset="0"/>
+              </a:rPr>
+              <a:t>studies,</a:t>
+            </a:r>
+            <a:r>
+              <a:rPr lang="zh-CN" altLang="en-US" sz="800" dirty="0">
+                <a:latin typeface="Times New Roman" panose="02020603050405020304" pitchFamily="18" charset="0"/>
+                <a:ea typeface="DengXian" panose="02010600030101010101" pitchFamily="2" charset="-122"/>
+                <a:cs typeface="Times New Roman" panose="02020603050405020304" pitchFamily="18" charset="0"/>
+              </a:rPr>
+              <a:t> </a:t>
+            </a:r>
+            <a:r>
+              <a:rPr lang="en-US" altLang="zh-CN" sz="800" dirty="0">
+                <a:latin typeface="Times New Roman" panose="02020603050405020304" pitchFamily="18" charset="0"/>
+                <a:ea typeface="DengXian" panose="02010600030101010101" pitchFamily="2" charset="-122"/>
+                <a:cs typeface="Times New Roman" panose="02020603050405020304" pitchFamily="18" charset="0"/>
+              </a:rPr>
+              <a:t>&gt;</a:t>
+            </a:r>
+            <a:r>
+              <a:rPr lang="zh-CN" altLang="en-US" sz="800" dirty="0">
+                <a:latin typeface="Times New Roman" panose="02020603050405020304" pitchFamily="18" charset="0"/>
+                <a:ea typeface="DengXian" panose="02010600030101010101" pitchFamily="2" charset="-122"/>
+                <a:cs typeface="Times New Roman" panose="02020603050405020304" pitchFamily="18" charset="0"/>
+              </a:rPr>
+              <a:t> </a:t>
+            </a:r>
+            <a:r>
+              <a:rPr lang="en-US" altLang="zh-CN" sz="800" dirty="0">
+                <a:latin typeface="Times New Roman" panose="02020603050405020304" pitchFamily="18" charset="0"/>
+                <a:ea typeface="DengXian" panose="02010600030101010101" pitchFamily="2" charset="-122"/>
+                <a:cs typeface="Times New Roman" panose="02020603050405020304" pitchFamily="18" charset="0"/>
+              </a:rPr>
+              <a:t>16,000</a:t>
+            </a:r>
+            <a:r>
+              <a:rPr lang="zh-CN" altLang="en-US" sz="800" dirty="0">
+                <a:latin typeface="Times New Roman" panose="02020603050405020304" pitchFamily="18" charset="0"/>
+                <a:ea typeface="DengXian" panose="02010600030101010101" pitchFamily="2" charset="-122"/>
+                <a:cs typeface="Times New Roman" panose="02020603050405020304" pitchFamily="18" charset="0"/>
+              </a:rPr>
+              <a:t> </a:t>
+            </a:r>
+            <a:r>
+              <a:rPr lang="en-US" altLang="zh-CN" sz="800" dirty="0">
+                <a:latin typeface="Times New Roman" panose="02020603050405020304" pitchFamily="18" charset="0"/>
+                <a:ea typeface="DengXian" panose="02010600030101010101" pitchFamily="2" charset="-122"/>
+                <a:cs typeface="Times New Roman" panose="02020603050405020304" pitchFamily="18" charset="0"/>
+              </a:rPr>
+              <a:t>single-trial</a:t>
+            </a:r>
+            <a:r>
+              <a:rPr lang="zh-CN" altLang="en-US" sz="800" dirty="0">
+                <a:latin typeface="Times New Roman" panose="02020603050405020304" pitchFamily="18" charset="0"/>
+                <a:ea typeface="DengXian" panose="02010600030101010101" pitchFamily="2" charset="-122"/>
+                <a:cs typeface="Times New Roman" panose="02020603050405020304" pitchFamily="18" charset="0"/>
+              </a:rPr>
+              <a:t> </a:t>
+            </a:r>
+            <a:r>
+              <a:rPr lang="en-US" altLang="zh-CN" sz="800" dirty="0">
+                <a:latin typeface="Times New Roman" panose="02020603050405020304" pitchFamily="18" charset="0"/>
+                <a:ea typeface="DengXian" panose="02010600030101010101" pitchFamily="2" charset="-122"/>
+                <a:cs typeface="Times New Roman" panose="02020603050405020304" pitchFamily="18" charset="0"/>
+              </a:rPr>
+              <a:t>fMRI</a:t>
+            </a:r>
+            <a:r>
+              <a:rPr lang="zh-CN" altLang="en-US" sz="800" dirty="0">
+                <a:latin typeface="Times New Roman" panose="02020603050405020304" pitchFamily="18" charset="0"/>
+                <a:ea typeface="DengXian" panose="02010600030101010101" pitchFamily="2" charset="-122"/>
+                <a:cs typeface="Times New Roman" panose="02020603050405020304" pitchFamily="18" charset="0"/>
+              </a:rPr>
+              <a:t> </a:t>
+            </a:r>
+            <a:r>
+              <a:rPr lang="en-US" altLang="zh-CN" sz="800" dirty="0">
+                <a:latin typeface="Times New Roman" panose="02020603050405020304" pitchFamily="18" charset="0"/>
+                <a:ea typeface="DengXian" panose="02010600030101010101" pitchFamily="2" charset="-122"/>
+                <a:cs typeface="Times New Roman" panose="02020603050405020304" pitchFamily="18" charset="0"/>
+              </a:rPr>
+              <a:t>images</a:t>
+            </a:r>
+            <a:r>
               <a:rPr lang="en-US" sz="800" dirty="0">
                 <a:latin typeface="Times New Roman" panose="02020603050405020304" pitchFamily="18" charset="0"/>
                 <a:ea typeface="DengXian" panose="02010600030101010101" pitchFamily="2" charset="-122"/>
                 <a:cs typeface="Times New Roman" panose="02020603050405020304" pitchFamily="18" charset="0"/>
               </a:rPr>
-              <a:t>The data used for this study are based on a single trial database on healthy subjects during pain tasks, including comprehensive behavioral and fMRI data. Overall, the data set included 16,294 single-trial images of fMRI activity associated with multiple levels of noxious heat and pain ratings across over health 305 participants from 9 studies. In each study, thermal stimulations were delivered to multiple skin sites with temperatures ranging from 41 °C to 50 °C and durations from 1.85 to 16 seconds. On each trial, after the offset of stimulation, participants rated the magnitude of pain they experienced. Quantification of single-trial response magnitudes was done by constructing a GLM design matrix with separate regressors for each trial.</a:t>
-            </a:r>
+              <a:t> </a:t>
+            </a:r>
+          </a:p>
+          <a:p>
+            <a:r>
+              <a:rPr lang="zh-CN" altLang="en-US" sz="800" dirty="0">
+                <a:latin typeface="Times New Roman" panose="02020603050405020304" pitchFamily="18" charset="0"/>
+                <a:ea typeface="DengXian" panose="02010600030101010101" pitchFamily="2" charset="-122"/>
+                <a:cs typeface="Times New Roman" panose="02020603050405020304" pitchFamily="18" charset="0"/>
+              </a:rPr>
+              <a:t>       * </a:t>
+            </a:r>
+            <a:r>
+              <a:rPr lang="en-US" altLang="zh-CN" sz="800" dirty="0">
+                <a:latin typeface="Times New Roman" panose="02020603050405020304" pitchFamily="18" charset="0"/>
+                <a:ea typeface="DengXian" panose="02010600030101010101" pitchFamily="2" charset="-122"/>
+                <a:cs typeface="Times New Roman" panose="02020603050405020304" pitchFamily="18" charset="0"/>
+              </a:rPr>
+              <a:t>datasets</a:t>
+            </a:r>
+            <a:r>
+              <a:rPr lang="zh-CN" altLang="en-US" sz="800" dirty="0">
+                <a:latin typeface="Times New Roman" panose="02020603050405020304" pitchFamily="18" charset="0"/>
+                <a:ea typeface="DengXian" panose="02010600030101010101" pitchFamily="2" charset="-122"/>
+                <a:cs typeface="Times New Roman" panose="02020603050405020304" pitchFamily="18" charset="0"/>
+              </a:rPr>
+              <a:t> </a:t>
+            </a:r>
+            <a:r>
+              <a:rPr lang="en-US" altLang="zh-CN" sz="800" dirty="0">
+                <a:latin typeface="Times New Roman" panose="02020603050405020304" pitchFamily="18" charset="0"/>
+                <a:ea typeface="DengXian" panose="02010600030101010101" pitchFamily="2" charset="-122"/>
+                <a:cs typeface="Times New Roman" panose="02020603050405020304" pitchFamily="18" charset="0"/>
+              </a:rPr>
+              <a:t>for</a:t>
+            </a:r>
+            <a:r>
+              <a:rPr lang="zh-CN" altLang="en-US" sz="800" dirty="0">
+                <a:latin typeface="Times New Roman" panose="02020603050405020304" pitchFamily="18" charset="0"/>
+                <a:ea typeface="DengXian" panose="02010600030101010101" pitchFamily="2" charset="-122"/>
+                <a:cs typeface="Times New Roman" panose="02020603050405020304" pitchFamily="18" charset="0"/>
+              </a:rPr>
+              <a:t> </a:t>
+            </a:r>
+            <a:r>
+              <a:rPr lang="en-US" altLang="zh-CN" sz="800" dirty="0">
+                <a:latin typeface="Times New Roman" panose="02020603050405020304" pitchFamily="18" charset="0"/>
+                <a:ea typeface="DengXian" panose="02010600030101010101" pitchFamily="2" charset="-122"/>
+                <a:cs typeface="Times New Roman" panose="02020603050405020304" pitchFamily="18" charset="0"/>
+              </a:rPr>
+              <a:t>generalization:</a:t>
+            </a:r>
+            <a:r>
+              <a:rPr lang="zh-CN" altLang="en-US" sz="800" dirty="0">
+                <a:latin typeface="Times New Roman" panose="02020603050405020304" pitchFamily="18" charset="0"/>
+                <a:ea typeface="DengXian" panose="02010600030101010101" pitchFamily="2" charset="-122"/>
+                <a:cs typeface="Times New Roman" panose="02020603050405020304" pitchFamily="18" charset="0"/>
+              </a:rPr>
+              <a:t> </a:t>
+            </a:r>
+            <a:endParaRPr lang="en-US" altLang="zh-CN" sz="800" dirty="0">
+              <a:latin typeface="Times New Roman" panose="02020603050405020304" pitchFamily="18" charset="0"/>
+              <a:ea typeface="DengXian" panose="02010600030101010101" pitchFamily="2" charset="-122"/>
+              <a:cs typeface="Times New Roman" panose="02020603050405020304" pitchFamily="18" charset="0"/>
+            </a:endParaRPr>
+          </a:p>
+          <a:p>
+            <a:r>
+              <a:rPr lang="zh-CN" altLang="en-US" sz="800" dirty="0">
+                <a:latin typeface="Times New Roman" panose="02020603050405020304" pitchFamily="18" charset="0"/>
+                <a:ea typeface="DengXian" panose="02010600030101010101" pitchFamily="2" charset="-122"/>
+                <a:cs typeface="Times New Roman" panose="02020603050405020304" pitchFamily="18" charset="0"/>
+              </a:rPr>
+              <a:t>              </a:t>
+            </a:r>
+            <a:r>
+              <a:rPr lang="en-US" altLang="zh-CN" sz="800" dirty="0">
+                <a:latin typeface="Times New Roman" panose="02020603050405020304" pitchFamily="18" charset="0"/>
+                <a:ea typeface="DengXian" panose="02010600030101010101" pitchFamily="2" charset="-122"/>
+                <a:cs typeface="Times New Roman" panose="02020603050405020304" pitchFamily="18" charset="0"/>
+              </a:rPr>
+              <a:t>-</a:t>
+            </a:r>
+            <a:r>
+              <a:rPr lang="zh-CN" altLang="en-US" sz="800" dirty="0">
+                <a:latin typeface="Times New Roman" panose="02020603050405020304" pitchFamily="18" charset="0"/>
+                <a:ea typeface="DengXian" panose="02010600030101010101" pitchFamily="2" charset="-122"/>
+                <a:cs typeface="Times New Roman" panose="02020603050405020304" pitchFamily="18" charset="0"/>
+              </a:rPr>
+              <a:t> </a:t>
+            </a:r>
+            <a:r>
+              <a:rPr lang="en-US" altLang="zh-CN" sz="800" dirty="0">
+                <a:latin typeface="Times New Roman" panose="02020603050405020304" pitchFamily="18" charset="0"/>
+                <a:ea typeface="DengXian" panose="02010600030101010101" pitchFamily="2" charset="-122"/>
+                <a:cs typeface="Times New Roman" panose="02020603050405020304" pitchFamily="18" charset="0"/>
+              </a:rPr>
+              <a:t>various</a:t>
+            </a:r>
+            <a:r>
+              <a:rPr lang="zh-CN" altLang="en-US" sz="800" dirty="0">
+                <a:latin typeface="Times New Roman" panose="02020603050405020304" pitchFamily="18" charset="0"/>
+                <a:ea typeface="DengXian" panose="02010600030101010101" pitchFamily="2" charset="-122"/>
+                <a:cs typeface="Times New Roman" panose="02020603050405020304" pitchFamily="18" charset="0"/>
+              </a:rPr>
+              <a:t> </a:t>
+            </a:r>
+            <a:r>
+              <a:rPr lang="en-US" altLang="zh-CN" sz="800" dirty="0">
+                <a:latin typeface="Times New Roman" panose="02020603050405020304" pitchFamily="18" charset="0"/>
+                <a:ea typeface="DengXian" panose="02010600030101010101" pitchFamily="2" charset="-122"/>
+                <a:cs typeface="Times New Roman" panose="02020603050405020304" pitchFamily="18" charset="0"/>
+              </a:rPr>
+              <a:t>heat</a:t>
+            </a:r>
+            <a:r>
+              <a:rPr lang="zh-CN" altLang="en-US" sz="800" dirty="0">
+                <a:latin typeface="Times New Roman" panose="02020603050405020304" pitchFamily="18" charset="0"/>
+                <a:ea typeface="DengXian" panose="02010600030101010101" pitchFamily="2" charset="-122"/>
+                <a:cs typeface="Times New Roman" panose="02020603050405020304" pitchFamily="18" charset="0"/>
+              </a:rPr>
+              <a:t> </a:t>
+            </a:r>
+            <a:r>
+              <a:rPr lang="en-US" altLang="zh-CN" sz="800" dirty="0">
+                <a:latin typeface="Times New Roman" panose="02020603050405020304" pitchFamily="18" charset="0"/>
+                <a:ea typeface="DengXian" panose="02010600030101010101" pitchFamily="2" charset="-122"/>
+                <a:cs typeface="Times New Roman" panose="02020603050405020304" pitchFamily="18" charset="0"/>
+              </a:rPr>
+              <a:t>intensities:</a:t>
+            </a:r>
+            <a:r>
+              <a:rPr lang="zh-CN" altLang="en-US" sz="800" dirty="0">
+                <a:latin typeface="Times New Roman" panose="02020603050405020304" pitchFamily="18" charset="0"/>
+                <a:ea typeface="DengXian" panose="02010600030101010101" pitchFamily="2" charset="-122"/>
+                <a:cs typeface="Times New Roman" panose="02020603050405020304" pitchFamily="18" charset="0"/>
+              </a:rPr>
+              <a:t> </a:t>
+            </a:r>
+            <a:r>
+              <a:rPr lang="en-US" sz="800" dirty="0">
+                <a:latin typeface="Times New Roman" panose="02020603050405020304" pitchFamily="18" charset="0"/>
+                <a:ea typeface="DengXian" panose="02010600030101010101" pitchFamily="2" charset="-122"/>
+                <a:cs typeface="Times New Roman" panose="02020603050405020304" pitchFamily="18" charset="0"/>
+              </a:rPr>
+              <a:t>41 °C to 50 °C</a:t>
+            </a:r>
+            <a:r>
+              <a:rPr lang="en-US" altLang="zh-CN" sz="800" dirty="0">
+                <a:latin typeface="Times New Roman" panose="02020603050405020304" pitchFamily="18" charset="0"/>
+                <a:ea typeface="DengXian" panose="02010600030101010101" pitchFamily="2" charset="-122"/>
+                <a:cs typeface="Times New Roman" panose="02020603050405020304" pitchFamily="18" charset="0"/>
+              </a:rPr>
+              <a:t>;</a:t>
+            </a:r>
+            <a:r>
+              <a:rPr lang="en-US" sz="800" dirty="0">
+                <a:latin typeface="Times New Roman" panose="02020603050405020304" pitchFamily="18" charset="0"/>
+                <a:ea typeface="DengXian" panose="02010600030101010101" pitchFamily="2" charset="-122"/>
+                <a:cs typeface="Times New Roman" panose="02020603050405020304" pitchFamily="18" charset="0"/>
+              </a:rPr>
+              <a:t> 1.85 to 16 seconds</a:t>
+            </a:r>
+          </a:p>
+          <a:p>
+            <a:r>
+              <a:rPr lang="zh-CN" altLang="en-US" sz="800" dirty="0">
+                <a:latin typeface="Times New Roman" panose="02020603050405020304" pitchFamily="18" charset="0"/>
+                <a:ea typeface="DengXian" panose="02010600030101010101" pitchFamily="2" charset="-122"/>
+                <a:cs typeface="Times New Roman" panose="02020603050405020304" pitchFamily="18" charset="0"/>
+              </a:rPr>
+              <a:t>              </a:t>
+            </a:r>
+            <a:r>
+              <a:rPr lang="en-US" altLang="zh-CN" sz="800" dirty="0">
+                <a:latin typeface="Times New Roman" panose="02020603050405020304" pitchFamily="18" charset="0"/>
+                <a:ea typeface="DengXian" panose="02010600030101010101" pitchFamily="2" charset="-122"/>
+                <a:cs typeface="Times New Roman" panose="02020603050405020304" pitchFamily="18" charset="0"/>
+              </a:rPr>
+              <a:t>-</a:t>
+            </a:r>
+            <a:r>
+              <a:rPr lang="zh-CN" altLang="en-US" sz="800" dirty="0">
+                <a:latin typeface="Times New Roman" panose="02020603050405020304" pitchFamily="18" charset="0"/>
+                <a:ea typeface="DengXian" panose="02010600030101010101" pitchFamily="2" charset="-122"/>
+                <a:cs typeface="Times New Roman" panose="02020603050405020304" pitchFamily="18" charset="0"/>
+              </a:rPr>
+              <a:t> </a:t>
+            </a:r>
+            <a:r>
+              <a:rPr lang="en-US" altLang="zh-CN" sz="800" dirty="0">
+                <a:latin typeface="Times New Roman" panose="02020603050405020304" pitchFamily="18" charset="0"/>
+                <a:ea typeface="DengXian" panose="02010600030101010101" pitchFamily="2" charset="-122"/>
+                <a:cs typeface="Times New Roman" panose="02020603050405020304" pitchFamily="18" charset="0"/>
+              </a:rPr>
+              <a:t>multiple</a:t>
+            </a:r>
+            <a:r>
+              <a:rPr lang="zh-CN" altLang="en-US" sz="800" dirty="0">
+                <a:latin typeface="Times New Roman" panose="02020603050405020304" pitchFamily="18" charset="0"/>
+                <a:ea typeface="DengXian" panose="02010600030101010101" pitchFamily="2" charset="-122"/>
+                <a:cs typeface="Times New Roman" panose="02020603050405020304" pitchFamily="18" charset="0"/>
+              </a:rPr>
+              <a:t> </a:t>
+            </a:r>
+            <a:r>
+              <a:rPr lang="en-US" altLang="zh-CN" sz="800" dirty="0">
+                <a:latin typeface="Times New Roman" panose="02020603050405020304" pitchFamily="18" charset="0"/>
+                <a:ea typeface="DengXian" panose="02010600030101010101" pitchFamily="2" charset="-122"/>
+                <a:cs typeface="Times New Roman" panose="02020603050405020304" pitchFamily="18" charset="0"/>
+              </a:rPr>
+              <a:t>skin</a:t>
+            </a:r>
+            <a:r>
+              <a:rPr lang="zh-CN" altLang="en-US" sz="800" dirty="0">
+                <a:latin typeface="Times New Roman" panose="02020603050405020304" pitchFamily="18" charset="0"/>
+                <a:ea typeface="DengXian" panose="02010600030101010101" pitchFamily="2" charset="-122"/>
+                <a:cs typeface="Times New Roman" panose="02020603050405020304" pitchFamily="18" charset="0"/>
+              </a:rPr>
+              <a:t> </a:t>
+            </a:r>
+            <a:r>
+              <a:rPr lang="en-US" altLang="zh-CN" sz="800" dirty="0">
+                <a:latin typeface="Times New Roman" panose="02020603050405020304" pitchFamily="18" charset="0"/>
+                <a:ea typeface="DengXian" panose="02010600030101010101" pitchFamily="2" charset="-122"/>
+                <a:cs typeface="Times New Roman" panose="02020603050405020304" pitchFamily="18" charset="0"/>
+              </a:rPr>
+              <a:t>sites:</a:t>
+            </a:r>
+            <a:r>
+              <a:rPr lang="zh-CN" altLang="en-US" sz="800" dirty="0">
+                <a:latin typeface="Times New Roman" panose="02020603050405020304" pitchFamily="18" charset="0"/>
+                <a:ea typeface="DengXian" panose="02010600030101010101" pitchFamily="2" charset="-122"/>
+                <a:cs typeface="Times New Roman" panose="02020603050405020304" pitchFamily="18" charset="0"/>
+              </a:rPr>
+              <a:t> </a:t>
+            </a:r>
+            <a:r>
+              <a:rPr lang="en-US" altLang="zh-CN" sz="800" dirty="0">
+                <a:latin typeface="Times New Roman" panose="02020603050405020304" pitchFamily="18" charset="0"/>
+                <a:ea typeface="DengXian" panose="02010600030101010101" pitchFamily="2" charset="-122"/>
+                <a:cs typeface="Times New Roman" panose="02020603050405020304" pitchFamily="18" charset="0"/>
+              </a:rPr>
+              <a:t>upper</a:t>
+            </a:r>
+            <a:r>
+              <a:rPr lang="zh-CN" altLang="en-US" sz="800" dirty="0">
+                <a:latin typeface="Times New Roman" panose="02020603050405020304" pitchFamily="18" charset="0"/>
+                <a:ea typeface="DengXian" panose="02010600030101010101" pitchFamily="2" charset="-122"/>
+                <a:cs typeface="Times New Roman" panose="02020603050405020304" pitchFamily="18" charset="0"/>
+              </a:rPr>
+              <a:t> </a:t>
+            </a:r>
+            <a:r>
+              <a:rPr lang="en-US" altLang="zh-CN" sz="800" dirty="0">
+                <a:latin typeface="Times New Roman" panose="02020603050405020304" pitchFamily="18" charset="0"/>
+                <a:ea typeface="DengXian" panose="02010600030101010101" pitchFamily="2" charset="-122"/>
+                <a:cs typeface="Times New Roman" panose="02020603050405020304" pitchFamily="18" charset="0"/>
+              </a:rPr>
+              <a:t>and</a:t>
+            </a:r>
+            <a:r>
+              <a:rPr lang="zh-CN" altLang="en-US" sz="800" dirty="0">
+                <a:latin typeface="Times New Roman" panose="02020603050405020304" pitchFamily="18" charset="0"/>
+                <a:ea typeface="DengXian" panose="02010600030101010101" pitchFamily="2" charset="-122"/>
+                <a:cs typeface="Times New Roman" panose="02020603050405020304" pitchFamily="18" charset="0"/>
+              </a:rPr>
+              <a:t> </a:t>
+            </a:r>
+            <a:r>
+              <a:rPr lang="en-US" altLang="zh-CN" sz="800" dirty="0">
+                <a:latin typeface="Times New Roman" panose="02020603050405020304" pitchFamily="18" charset="0"/>
+                <a:ea typeface="DengXian" panose="02010600030101010101" pitchFamily="2" charset="-122"/>
+                <a:cs typeface="Times New Roman" panose="02020603050405020304" pitchFamily="18" charset="0"/>
+              </a:rPr>
+              <a:t>lower</a:t>
+            </a:r>
+            <a:r>
+              <a:rPr lang="zh-CN" altLang="en-US" sz="800" dirty="0">
+                <a:latin typeface="Times New Roman" panose="02020603050405020304" pitchFamily="18" charset="0"/>
+                <a:ea typeface="DengXian" panose="02010600030101010101" pitchFamily="2" charset="-122"/>
+                <a:cs typeface="Times New Roman" panose="02020603050405020304" pitchFamily="18" charset="0"/>
+              </a:rPr>
+              <a:t> </a:t>
+            </a:r>
+            <a:r>
+              <a:rPr lang="en-US" altLang="zh-CN" sz="800" dirty="0">
+                <a:latin typeface="Times New Roman" panose="02020603050405020304" pitchFamily="18" charset="0"/>
+                <a:ea typeface="DengXian" panose="02010600030101010101" pitchFamily="2" charset="-122"/>
+                <a:cs typeface="Times New Roman" panose="02020603050405020304" pitchFamily="18" charset="0"/>
+              </a:rPr>
+              <a:t>limb</a:t>
+            </a:r>
+          </a:p>
+          <a:p>
+            <a:r>
+              <a:rPr lang="zh-CN" altLang="en-US" sz="800" dirty="0">
+                <a:latin typeface="Times New Roman" panose="02020603050405020304" pitchFamily="18" charset="0"/>
+                <a:ea typeface="DengXian" panose="02010600030101010101" pitchFamily="2" charset="-122"/>
+                <a:cs typeface="Times New Roman" panose="02020603050405020304" pitchFamily="18" charset="0"/>
+              </a:rPr>
+              <a:t>              </a:t>
+            </a:r>
+            <a:r>
+              <a:rPr lang="en-US" altLang="zh-CN" sz="800" dirty="0">
+                <a:latin typeface="Times New Roman" panose="02020603050405020304" pitchFamily="18" charset="0"/>
+                <a:ea typeface="DengXian" panose="02010600030101010101" pitchFamily="2" charset="-122"/>
+                <a:cs typeface="Times New Roman" panose="02020603050405020304" pitchFamily="18" charset="0"/>
+              </a:rPr>
+              <a:t>-</a:t>
+            </a:r>
+            <a:r>
+              <a:rPr lang="zh-CN" altLang="en-US" sz="800" dirty="0">
+                <a:latin typeface="Times New Roman" panose="02020603050405020304" pitchFamily="18" charset="0"/>
+                <a:ea typeface="DengXian" panose="02010600030101010101" pitchFamily="2" charset="-122"/>
+                <a:cs typeface="Times New Roman" panose="02020603050405020304" pitchFamily="18" charset="0"/>
+              </a:rPr>
+              <a:t> </a:t>
+            </a:r>
+            <a:r>
+              <a:rPr lang="en-US" altLang="zh-CN" sz="800" dirty="0">
+                <a:latin typeface="Times New Roman" panose="02020603050405020304" pitchFamily="18" charset="0"/>
+                <a:ea typeface="DengXian" panose="02010600030101010101" pitchFamily="2" charset="-122"/>
+                <a:cs typeface="Times New Roman" panose="02020603050405020304" pitchFamily="18" charset="0"/>
+              </a:rPr>
+              <a:t>various</a:t>
+            </a:r>
+            <a:r>
+              <a:rPr lang="zh-CN" altLang="en-US" sz="800" dirty="0">
+                <a:latin typeface="Times New Roman" panose="02020603050405020304" pitchFamily="18" charset="0"/>
+                <a:ea typeface="DengXian" panose="02010600030101010101" pitchFamily="2" charset="-122"/>
+                <a:cs typeface="Times New Roman" panose="02020603050405020304" pitchFamily="18" charset="0"/>
+              </a:rPr>
+              <a:t> </a:t>
+            </a:r>
+            <a:r>
+              <a:rPr lang="en-US" altLang="zh-CN" sz="800" dirty="0">
+                <a:latin typeface="Times New Roman" panose="02020603050405020304" pitchFamily="18" charset="0"/>
+                <a:ea typeface="DengXian" panose="02010600030101010101" pitchFamily="2" charset="-122"/>
+                <a:cs typeface="Times New Roman" panose="02020603050405020304" pitchFamily="18" charset="0"/>
+              </a:rPr>
+              <a:t>scanners:</a:t>
+            </a:r>
+            <a:r>
+              <a:rPr lang="zh-CN" altLang="en-US" sz="800" dirty="0">
+                <a:latin typeface="Times New Roman" panose="02020603050405020304" pitchFamily="18" charset="0"/>
+                <a:ea typeface="DengXian" panose="02010600030101010101" pitchFamily="2" charset="-122"/>
+                <a:cs typeface="Times New Roman" panose="02020603050405020304" pitchFamily="18" charset="0"/>
+              </a:rPr>
+              <a:t> </a:t>
+            </a:r>
+            <a:r>
+              <a:rPr lang="en-US" altLang="zh-CN" sz="800" dirty="0">
+                <a:latin typeface="Times New Roman" panose="02020603050405020304" pitchFamily="18" charset="0"/>
+                <a:ea typeface="DengXian" panose="02010600030101010101" pitchFamily="2" charset="-122"/>
+                <a:cs typeface="Times New Roman" panose="02020603050405020304" pitchFamily="18" charset="0"/>
+              </a:rPr>
+              <a:t>multiple</a:t>
+            </a:r>
+            <a:r>
+              <a:rPr lang="zh-CN" altLang="en-US" sz="800" dirty="0">
+                <a:latin typeface="Times New Roman" panose="02020603050405020304" pitchFamily="18" charset="0"/>
+                <a:ea typeface="DengXian" panose="02010600030101010101" pitchFamily="2" charset="-122"/>
+                <a:cs typeface="Times New Roman" panose="02020603050405020304" pitchFamily="18" charset="0"/>
+              </a:rPr>
+              <a:t> </a:t>
+            </a:r>
+            <a:r>
+              <a:rPr lang="en-US" altLang="zh-CN" sz="800" dirty="0">
+                <a:latin typeface="Times New Roman" panose="02020603050405020304" pitchFamily="18" charset="0"/>
+                <a:ea typeface="DengXian" panose="02010600030101010101" pitchFamily="2" charset="-122"/>
+                <a:cs typeface="Times New Roman" panose="02020603050405020304" pitchFamily="18" charset="0"/>
+              </a:rPr>
+              <a:t>sites,</a:t>
+            </a:r>
+            <a:r>
+              <a:rPr lang="zh-CN" altLang="en-US" sz="800" dirty="0">
+                <a:latin typeface="Times New Roman" panose="02020603050405020304" pitchFamily="18" charset="0"/>
+                <a:ea typeface="DengXian" panose="02010600030101010101" pitchFamily="2" charset="-122"/>
+                <a:cs typeface="Times New Roman" panose="02020603050405020304" pitchFamily="18" charset="0"/>
+              </a:rPr>
+              <a:t> </a:t>
+            </a:r>
+            <a:r>
+              <a:rPr lang="en-US" altLang="zh-CN" sz="800" dirty="0">
+                <a:latin typeface="Times New Roman" panose="02020603050405020304" pitchFamily="18" charset="0"/>
+                <a:ea typeface="DengXian" panose="02010600030101010101" pitchFamily="2" charset="-122"/>
+                <a:cs typeface="Times New Roman" panose="02020603050405020304" pitchFamily="18" charset="0"/>
+              </a:rPr>
+              <a:t>GE</a:t>
+            </a:r>
+            <a:r>
+              <a:rPr lang="zh-CN" altLang="en-US" sz="800" dirty="0">
+                <a:latin typeface="Times New Roman" panose="02020603050405020304" pitchFamily="18" charset="0"/>
+                <a:ea typeface="DengXian" panose="02010600030101010101" pitchFamily="2" charset="-122"/>
+                <a:cs typeface="Times New Roman" panose="02020603050405020304" pitchFamily="18" charset="0"/>
+              </a:rPr>
+              <a:t> </a:t>
+            </a:r>
+            <a:r>
+              <a:rPr lang="en-US" altLang="zh-CN" sz="800" dirty="0">
+                <a:latin typeface="Times New Roman" panose="02020603050405020304" pitchFamily="18" charset="0"/>
+                <a:ea typeface="DengXian" panose="02010600030101010101" pitchFamily="2" charset="-122"/>
+                <a:cs typeface="Times New Roman" panose="02020603050405020304" pitchFamily="18" charset="0"/>
+              </a:rPr>
+              <a:t>vs.</a:t>
+            </a:r>
+            <a:r>
+              <a:rPr lang="zh-CN" altLang="en-US" sz="800" dirty="0">
+                <a:latin typeface="Times New Roman" panose="02020603050405020304" pitchFamily="18" charset="0"/>
+                <a:ea typeface="DengXian" panose="02010600030101010101" pitchFamily="2" charset="-122"/>
+                <a:cs typeface="Times New Roman" panose="02020603050405020304" pitchFamily="18" charset="0"/>
+              </a:rPr>
+              <a:t> </a:t>
+            </a:r>
+            <a:r>
+              <a:rPr lang="en-US" altLang="zh-CN" sz="800" dirty="0">
+                <a:latin typeface="Times New Roman" panose="02020603050405020304" pitchFamily="18" charset="0"/>
+                <a:ea typeface="DengXian" panose="02010600030101010101" pitchFamily="2" charset="-122"/>
+                <a:cs typeface="Times New Roman" panose="02020603050405020304" pitchFamily="18" charset="0"/>
+              </a:rPr>
+              <a:t>Siemens,</a:t>
+            </a:r>
+            <a:r>
+              <a:rPr lang="zh-CN" altLang="en-US" sz="800" dirty="0">
+                <a:latin typeface="Times New Roman" panose="02020603050405020304" pitchFamily="18" charset="0"/>
+                <a:ea typeface="DengXian" panose="02010600030101010101" pitchFamily="2" charset="-122"/>
+                <a:cs typeface="Times New Roman" panose="02020603050405020304" pitchFamily="18" charset="0"/>
+              </a:rPr>
+              <a:t> </a:t>
+            </a:r>
+            <a:r>
+              <a:rPr lang="en-US" altLang="zh-CN" sz="800" dirty="0">
+                <a:latin typeface="Times New Roman" panose="02020603050405020304" pitchFamily="18" charset="0"/>
+                <a:ea typeface="DengXian" panose="02010600030101010101" pitchFamily="2" charset="-122"/>
+                <a:cs typeface="Times New Roman" panose="02020603050405020304" pitchFamily="18" charset="0"/>
+              </a:rPr>
+              <a:t>1.5T</a:t>
+            </a:r>
+            <a:r>
+              <a:rPr lang="zh-CN" altLang="en-US" sz="800" dirty="0">
+                <a:latin typeface="Times New Roman" panose="02020603050405020304" pitchFamily="18" charset="0"/>
+                <a:ea typeface="DengXian" panose="02010600030101010101" pitchFamily="2" charset="-122"/>
+                <a:cs typeface="Times New Roman" panose="02020603050405020304" pitchFamily="18" charset="0"/>
+              </a:rPr>
+              <a:t> </a:t>
+            </a:r>
+            <a:r>
+              <a:rPr lang="en-US" altLang="zh-CN" sz="800" dirty="0">
+                <a:latin typeface="Times New Roman" panose="02020603050405020304" pitchFamily="18" charset="0"/>
+                <a:ea typeface="DengXian" panose="02010600030101010101" pitchFamily="2" charset="-122"/>
+                <a:cs typeface="Times New Roman" panose="02020603050405020304" pitchFamily="18" charset="0"/>
+              </a:rPr>
+              <a:t>vs.</a:t>
+            </a:r>
+            <a:r>
+              <a:rPr lang="zh-CN" altLang="en-US" sz="800" dirty="0">
+                <a:latin typeface="Times New Roman" panose="02020603050405020304" pitchFamily="18" charset="0"/>
+                <a:ea typeface="DengXian" panose="02010600030101010101" pitchFamily="2" charset="-122"/>
+                <a:cs typeface="Times New Roman" panose="02020603050405020304" pitchFamily="18" charset="0"/>
+              </a:rPr>
+              <a:t> </a:t>
+            </a:r>
+            <a:r>
+              <a:rPr lang="en-US" altLang="zh-CN" sz="800" dirty="0">
+                <a:latin typeface="Times New Roman" panose="02020603050405020304" pitchFamily="18" charset="0"/>
+                <a:ea typeface="DengXian" panose="02010600030101010101" pitchFamily="2" charset="-122"/>
+                <a:cs typeface="Times New Roman" panose="02020603050405020304" pitchFamily="18" charset="0"/>
+              </a:rPr>
+              <a:t>3T</a:t>
+            </a:r>
+            <a:endParaRPr lang="en-US" sz="800" dirty="0">
+              <a:latin typeface="Times New Roman" panose="02020603050405020304" pitchFamily="18" charset="0"/>
+              <a:ea typeface="DengXian" panose="02010600030101010101" pitchFamily="2" charset="-122"/>
+              <a:cs typeface="Times New Roman" panose="02020603050405020304" pitchFamily="18" charset="0"/>
+            </a:endParaRPr>
           </a:p>
           <a:p>
             <a:pPr marL="171450" indent="-171450">
@@ -6011,294 +6659,17 @@
             </a:r>
           </a:p>
           <a:p>
-            <a:r>
-              <a:rPr lang="en-US" altLang="zh-CN" sz="800" dirty="0">
-                <a:latin typeface="Times New Roman" panose="02020603050405020304" pitchFamily="18" charset="0"/>
-                <a:ea typeface="DengXian" panose="02010600030101010101" pitchFamily="2" charset="-122"/>
-                <a:cs typeface="Times New Roman" panose="02020603050405020304" pitchFamily="18" charset="0"/>
-              </a:rPr>
-              <a:t>We</a:t>
-            </a:r>
-            <a:r>
-              <a:rPr lang="zh-CN" altLang="en-US" sz="800" dirty="0">
-                <a:latin typeface="Times New Roman" panose="02020603050405020304" pitchFamily="18" charset="0"/>
-                <a:ea typeface="DengXian" panose="02010600030101010101" pitchFamily="2" charset="-122"/>
-                <a:cs typeface="Times New Roman" panose="02020603050405020304" pitchFamily="18" charset="0"/>
-              </a:rPr>
-              <a:t> </a:t>
-            </a:r>
-            <a:r>
-              <a:rPr lang="en-US" altLang="zh-CN" sz="800" dirty="0">
-                <a:latin typeface="Times New Roman" panose="02020603050405020304" pitchFamily="18" charset="0"/>
-                <a:ea typeface="DengXian" panose="02010600030101010101" pitchFamily="2" charset="-122"/>
-                <a:cs typeface="Times New Roman" panose="02020603050405020304" pitchFamily="18" charset="0"/>
-              </a:rPr>
-              <a:t>calculated</a:t>
-            </a:r>
-            <a:r>
-              <a:rPr lang="zh-CN" altLang="en-US" sz="800" dirty="0">
-                <a:latin typeface="Times New Roman" panose="02020603050405020304" pitchFamily="18" charset="0"/>
-                <a:ea typeface="DengXian" panose="02010600030101010101" pitchFamily="2" charset="-122"/>
-                <a:cs typeface="Times New Roman" panose="02020603050405020304" pitchFamily="18" charset="0"/>
-              </a:rPr>
-              <a:t> </a:t>
-            </a:r>
-            <a:r>
-              <a:rPr lang="en-US" altLang="zh-CN" sz="800" dirty="0">
-                <a:latin typeface="Times New Roman" panose="02020603050405020304" pitchFamily="18" charset="0"/>
-                <a:ea typeface="DengXian" panose="02010600030101010101" pitchFamily="2" charset="-122"/>
-                <a:cs typeface="Times New Roman" panose="02020603050405020304" pitchFamily="18" charset="0"/>
-              </a:rPr>
-              <a:t>four</a:t>
-            </a:r>
-            <a:r>
-              <a:rPr lang="zh-CN" altLang="en-US" sz="800" dirty="0">
-                <a:latin typeface="Times New Roman" panose="02020603050405020304" pitchFamily="18" charset="0"/>
-                <a:ea typeface="DengXian" panose="02010600030101010101" pitchFamily="2" charset="-122"/>
-                <a:cs typeface="Times New Roman" panose="02020603050405020304" pitchFamily="18" charset="0"/>
-              </a:rPr>
-              <a:t> </a:t>
-            </a:r>
-            <a:r>
-              <a:rPr lang="en-US" altLang="zh-CN" sz="800" dirty="0">
-                <a:latin typeface="Times New Roman" panose="02020603050405020304" pitchFamily="18" charset="0"/>
-                <a:ea typeface="DengXian" panose="02010600030101010101" pitchFamily="2" charset="-122"/>
-                <a:cs typeface="Times New Roman" panose="02020603050405020304" pitchFamily="18" charset="0"/>
-              </a:rPr>
-              <a:t>types</a:t>
-            </a:r>
-            <a:r>
-              <a:rPr lang="zh-CN" altLang="en-US" sz="800" dirty="0">
-                <a:latin typeface="Times New Roman" panose="02020603050405020304" pitchFamily="18" charset="0"/>
-                <a:ea typeface="DengXian" panose="02010600030101010101" pitchFamily="2" charset="-122"/>
-                <a:cs typeface="Times New Roman" panose="02020603050405020304" pitchFamily="18" charset="0"/>
-              </a:rPr>
-              <a:t> </a:t>
-            </a:r>
-            <a:r>
-              <a:rPr lang="en-US" altLang="zh-CN" sz="800" dirty="0">
-                <a:latin typeface="Times New Roman" panose="02020603050405020304" pitchFamily="18" charset="0"/>
-                <a:ea typeface="DengXian" panose="02010600030101010101" pitchFamily="2" charset="-122"/>
-                <a:cs typeface="Times New Roman" panose="02020603050405020304" pitchFamily="18" charset="0"/>
-              </a:rPr>
-              <a:t>of</a:t>
-            </a:r>
-            <a:r>
-              <a:rPr lang="zh-CN" altLang="en-US" sz="800" dirty="0">
-                <a:latin typeface="Times New Roman" panose="02020603050405020304" pitchFamily="18" charset="0"/>
-                <a:ea typeface="DengXian" panose="02010600030101010101" pitchFamily="2" charset="-122"/>
-                <a:cs typeface="Times New Roman" panose="02020603050405020304" pitchFamily="18" charset="0"/>
-              </a:rPr>
-              <a:t> </a:t>
-            </a:r>
-            <a:r>
-              <a:rPr lang="en-US" altLang="zh-CN" sz="800" dirty="0">
-                <a:latin typeface="Times New Roman" panose="02020603050405020304" pitchFamily="18" charset="0"/>
-                <a:ea typeface="DengXian" panose="02010600030101010101" pitchFamily="2" charset="-122"/>
-                <a:cs typeface="Times New Roman" panose="02020603050405020304" pitchFamily="18" charset="0"/>
-              </a:rPr>
-              <a:t>effect</a:t>
-            </a:r>
-            <a:r>
-              <a:rPr lang="zh-CN" altLang="en-US" sz="800" dirty="0">
-                <a:latin typeface="Times New Roman" panose="02020603050405020304" pitchFamily="18" charset="0"/>
-                <a:ea typeface="DengXian" panose="02010600030101010101" pitchFamily="2" charset="-122"/>
-                <a:cs typeface="Times New Roman" panose="02020603050405020304" pitchFamily="18" charset="0"/>
-              </a:rPr>
-              <a:t> </a:t>
-            </a:r>
-            <a:r>
-              <a:rPr lang="en-US" altLang="zh-CN" sz="800" dirty="0">
-                <a:latin typeface="Times New Roman" panose="02020603050405020304" pitchFamily="18" charset="0"/>
-                <a:ea typeface="DengXian" panose="02010600030101010101" pitchFamily="2" charset="-122"/>
-                <a:cs typeface="Times New Roman" panose="02020603050405020304" pitchFamily="18" charset="0"/>
-              </a:rPr>
-              <a:t>size</a:t>
-            </a:r>
-            <a:r>
-              <a:rPr lang="zh-CN" altLang="en-US" sz="800" dirty="0">
-                <a:latin typeface="Times New Roman" panose="02020603050405020304" pitchFamily="18" charset="0"/>
-                <a:ea typeface="DengXian" panose="02010600030101010101" pitchFamily="2" charset="-122"/>
-                <a:cs typeface="Times New Roman" panose="02020603050405020304" pitchFamily="18" charset="0"/>
-              </a:rPr>
-              <a:t> </a:t>
-            </a:r>
-            <a:r>
-              <a:rPr lang="en-US" altLang="zh-CN" sz="800" dirty="0">
-                <a:latin typeface="Times New Roman" panose="02020603050405020304" pitchFamily="18" charset="0"/>
-                <a:ea typeface="DengXian" panose="02010600030101010101" pitchFamily="2" charset="-122"/>
-                <a:cs typeface="Times New Roman" panose="02020603050405020304" pitchFamily="18" charset="0"/>
-              </a:rPr>
-              <a:t>to</a:t>
-            </a:r>
-            <a:r>
-              <a:rPr lang="zh-CN" altLang="en-US" sz="800" dirty="0">
-                <a:latin typeface="Times New Roman" panose="02020603050405020304" pitchFamily="18" charset="0"/>
-                <a:ea typeface="DengXian" panose="02010600030101010101" pitchFamily="2" charset="-122"/>
-                <a:cs typeface="Times New Roman" panose="02020603050405020304" pitchFamily="18" charset="0"/>
-              </a:rPr>
-              <a:t> </a:t>
-            </a:r>
-            <a:r>
-              <a:rPr lang="en-US" altLang="zh-CN" sz="800" dirty="0">
-                <a:latin typeface="Times New Roman" panose="02020603050405020304" pitchFamily="18" charset="0"/>
-                <a:ea typeface="DengXian" panose="02010600030101010101" pitchFamily="2" charset="-122"/>
-                <a:cs typeface="Times New Roman" panose="02020603050405020304" pitchFamily="18" charset="0"/>
-              </a:rPr>
-              <a:t>quantify</a:t>
-            </a:r>
-            <a:r>
-              <a:rPr lang="zh-CN" altLang="en-US" sz="800" dirty="0">
-                <a:latin typeface="Times New Roman" panose="02020603050405020304" pitchFamily="18" charset="0"/>
-                <a:ea typeface="DengXian" panose="02010600030101010101" pitchFamily="2" charset="-122"/>
-                <a:cs typeface="Times New Roman" panose="02020603050405020304" pitchFamily="18" charset="0"/>
-              </a:rPr>
-              <a:t> </a:t>
-            </a:r>
-            <a:r>
-              <a:rPr lang="en-US" altLang="zh-CN" sz="800" dirty="0">
-                <a:latin typeface="Times New Roman" panose="02020603050405020304" pitchFamily="18" charset="0"/>
-                <a:ea typeface="DengXian" panose="02010600030101010101" pitchFamily="2" charset="-122"/>
-                <a:cs typeface="Times New Roman" panose="02020603050405020304" pitchFamily="18" charset="0"/>
-              </a:rPr>
-              <a:t>the</a:t>
-            </a:r>
-            <a:r>
-              <a:rPr lang="zh-CN" altLang="en-US" sz="800" dirty="0">
-                <a:latin typeface="Times New Roman" panose="02020603050405020304" pitchFamily="18" charset="0"/>
-                <a:ea typeface="DengXian" panose="02010600030101010101" pitchFamily="2" charset="-122"/>
-                <a:cs typeface="Times New Roman" panose="02020603050405020304" pitchFamily="18" charset="0"/>
-              </a:rPr>
-              <a:t> </a:t>
-            </a:r>
-            <a:r>
-              <a:rPr lang="en-US" altLang="zh-CN" sz="800" dirty="0">
-                <a:latin typeface="Times New Roman" panose="02020603050405020304" pitchFamily="18" charset="0"/>
-                <a:ea typeface="DengXian" panose="02010600030101010101" pitchFamily="2" charset="-122"/>
-                <a:cs typeface="Times New Roman" panose="02020603050405020304" pitchFamily="18" charset="0"/>
-              </a:rPr>
-              <a:t>performance</a:t>
-            </a:r>
-            <a:r>
-              <a:rPr lang="zh-CN" altLang="en-US" sz="800" dirty="0">
-                <a:latin typeface="Times New Roman" panose="02020603050405020304" pitchFamily="18" charset="0"/>
-                <a:ea typeface="DengXian" panose="02010600030101010101" pitchFamily="2" charset="-122"/>
-                <a:cs typeface="Times New Roman" panose="02020603050405020304" pitchFamily="18" charset="0"/>
-              </a:rPr>
-              <a:t> </a:t>
-            </a:r>
-            <a:r>
-              <a:rPr lang="en-US" altLang="zh-CN" sz="800" dirty="0">
-                <a:latin typeface="Times New Roman" panose="02020603050405020304" pitchFamily="18" charset="0"/>
-                <a:ea typeface="DengXian" panose="02010600030101010101" pitchFamily="2" charset="-122"/>
-                <a:cs typeface="Times New Roman" panose="02020603050405020304" pitchFamily="18" charset="0"/>
-              </a:rPr>
-              <a:t>of</a:t>
-            </a:r>
-            <a:r>
-              <a:rPr lang="zh-CN" altLang="en-US" sz="800" dirty="0">
-                <a:latin typeface="Times New Roman" panose="02020603050405020304" pitchFamily="18" charset="0"/>
-                <a:ea typeface="DengXian" panose="02010600030101010101" pitchFamily="2" charset="-122"/>
-                <a:cs typeface="Times New Roman" panose="02020603050405020304" pitchFamily="18" charset="0"/>
-              </a:rPr>
-              <a:t> </a:t>
-            </a:r>
-            <a:r>
-              <a:rPr lang="en-US" altLang="zh-CN" sz="800" dirty="0">
-                <a:latin typeface="Times New Roman" panose="02020603050405020304" pitchFamily="18" charset="0"/>
-                <a:ea typeface="DengXian" panose="02010600030101010101" pitchFamily="2" charset="-122"/>
-                <a:cs typeface="Times New Roman" panose="02020603050405020304" pitchFamily="18" charset="0"/>
-              </a:rPr>
-              <a:t>NPS</a:t>
-            </a:r>
-            <a:r>
-              <a:rPr lang="zh-CN" altLang="en-US" sz="800" dirty="0">
-                <a:latin typeface="Times New Roman" panose="02020603050405020304" pitchFamily="18" charset="0"/>
-                <a:ea typeface="DengXian" panose="02010600030101010101" pitchFamily="2" charset="-122"/>
-                <a:cs typeface="Times New Roman" panose="02020603050405020304" pitchFamily="18" charset="0"/>
-              </a:rPr>
-              <a:t> </a:t>
-            </a:r>
-            <a:r>
-              <a:rPr lang="en-US" altLang="zh-CN" sz="800" dirty="0">
-                <a:latin typeface="Times New Roman" panose="02020603050405020304" pitchFamily="18" charset="0"/>
-                <a:ea typeface="DengXian" panose="02010600030101010101" pitchFamily="2" charset="-122"/>
-                <a:cs typeface="Times New Roman" panose="02020603050405020304" pitchFamily="18" charset="0"/>
-              </a:rPr>
-              <a:t>in</a:t>
-            </a:r>
-            <a:r>
-              <a:rPr lang="zh-CN" altLang="en-US" sz="800" dirty="0">
-                <a:latin typeface="Times New Roman" panose="02020603050405020304" pitchFamily="18" charset="0"/>
-                <a:ea typeface="DengXian" panose="02010600030101010101" pitchFamily="2" charset="-122"/>
-                <a:cs typeface="Times New Roman" panose="02020603050405020304" pitchFamily="18" charset="0"/>
-              </a:rPr>
-              <a:t> </a:t>
-            </a:r>
-            <a:r>
-              <a:rPr lang="en-US" altLang="zh-CN" sz="800" dirty="0">
-                <a:latin typeface="Times New Roman" panose="02020603050405020304" pitchFamily="18" charset="0"/>
-                <a:ea typeface="DengXian" panose="02010600030101010101" pitchFamily="2" charset="-122"/>
-                <a:cs typeface="Times New Roman" panose="02020603050405020304" pitchFamily="18" charset="0"/>
-              </a:rPr>
-              <a:t>response</a:t>
-            </a:r>
-            <a:r>
-              <a:rPr lang="zh-CN" altLang="en-US" sz="800" dirty="0">
-                <a:latin typeface="Times New Roman" panose="02020603050405020304" pitchFamily="18" charset="0"/>
-                <a:ea typeface="DengXian" panose="02010600030101010101" pitchFamily="2" charset="-122"/>
-                <a:cs typeface="Times New Roman" panose="02020603050405020304" pitchFamily="18" charset="0"/>
-              </a:rPr>
-              <a:t> </a:t>
-            </a:r>
-            <a:r>
-              <a:rPr lang="en-US" altLang="zh-CN" sz="800" dirty="0">
-                <a:latin typeface="Times New Roman" panose="02020603050405020304" pitchFamily="18" charset="0"/>
-                <a:ea typeface="DengXian" panose="02010600030101010101" pitchFamily="2" charset="-122"/>
-                <a:cs typeface="Times New Roman" panose="02020603050405020304" pitchFamily="18" charset="0"/>
-              </a:rPr>
-              <a:t>to</a:t>
-            </a:r>
-            <a:r>
-              <a:rPr lang="zh-CN" altLang="en-US" sz="800" dirty="0">
-                <a:latin typeface="Times New Roman" panose="02020603050405020304" pitchFamily="18" charset="0"/>
-                <a:ea typeface="DengXian" panose="02010600030101010101" pitchFamily="2" charset="-122"/>
-                <a:cs typeface="Times New Roman" panose="02020603050405020304" pitchFamily="18" charset="0"/>
-              </a:rPr>
-              <a:t> </a:t>
-            </a:r>
-            <a:r>
-              <a:rPr lang="en-US" altLang="zh-CN" sz="800" dirty="0">
-                <a:latin typeface="Times New Roman" panose="02020603050405020304" pitchFamily="18" charset="0"/>
-                <a:ea typeface="DengXian" panose="02010600030101010101" pitchFamily="2" charset="-122"/>
-                <a:cs typeface="Times New Roman" panose="02020603050405020304" pitchFamily="18" charset="0"/>
-              </a:rPr>
-              <a:t>heat</a:t>
-            </a:r>
-            <a:r>
-              <a:rPr lang="zh-CN" altLang="en-US" sz="800" dirty="0">
-                <a:latin typeface="Times New Roman" panose="02020603050405020304" pitchFamily="18" charset="0"/>
-                <a:ea typeface="DengXian" panose="02010600030101010101" pitchFamily="2" charset="-122"/>
-                <a:cs typeface="Times New Roman" panose="02020603050405020304" pitchFamily="18" charset="0"/>
-              </a:rPr>
-              <a:t> </a:t>
-            </a:r>
-            <a:r>
-              <a:rPr lang="en-US" altLang="zh-CN" sz="800" dirty="0">
-                <a:latin typeface="Times New Roman" panose="02020603050405020304" pitchFamily="18" charset="0"/>
-                <a:ea typeface="DengXian" panose="02010600030101010101" pitchFamily="2" charset="-122"/>
-                <a:cs typeface="Times New Roman" panose="02020603050405020304" pitchFamily="18" charset="0"/>
-              </a:rPr>
-              <a:t>pain:</a:t>
-            </a:r>
-          </a:p>
-          <a:p>
-            <a:pPr marL="171450" indent="-171450">
+            <a:pPr>
               <a:buSzPct val="50000"/>
-              <a:buFont typeface="Wingdings" pitchFamily="2" charset="2"/>
-              <a:buChar char="Ø"/>
             </a:pPr>
             <a:r>
+              <a:rPr lang="zh-CN" altLang="en-US" sz="800" dirty="0">
+                <a:latin typeface="Times New Roman" panose="02020603050405020304" pitchFamily="18" charset="0"/>
+                <a:cs typeface="Times New Roman" panose="02020603050405020304" pitchFamily="18" charset="0"/>
+              </a:rPr>
+              <a:t>       * </a:t>
+            </a:r>
+            <a:r>
               <a:rPr lang="en-US" sz="800" dirty="0">
                 <a:latin typeface="Times New Roman" panose="02020603050405020304" pitchFamily="18" charset="0"/>
                 <a:cs typeface="Times New Roman" panose="02020603050405020304" pitchFamily="18" charset="0"/>
@@ -6331,21 +6702,21 @@
                 <a:latin typeface="Times New Roman" panose="02020603050405020304" pitchFamily="18" charset="0"/>
                 <a:cs typeface="Times New Roman" panose="02020603050405020304" pitchFamily="18" charset="0"/>
               </a:rPr>
-              <a:t>each</a:t>
-            </a:r>
-            <a:r>
-              <a:rPr lang="zh-CN" altLang="en-US" sz="800" dirty="0">
-                <a:latin typeface="Times New Roman" panose="02020603050405020304" pitchFamily="18" charset="0"/>
-                <a:cs typeface="Times New Roman" panose="02020603050405020304" pitchFamily="18" charset="0"/>
-              </a:rPr>
-              <a:t> </a:t>
-            </a:r>
-            <a:r>
-              <a:rPr lang="en-US" altLang="zh-CN" sz="800" dirty="0">
-                <a:latin typeface="Times New Roman" panose="02020603050405020304" pitchFamily="18" charset="0"/>
-                <a:cs typeface="Times New Roman" panose="02020603050405020304" pitchFamily="18" charset="0"/>
-              </a:rPr>
-              <a:t>subject</a:t>
+              <a:t>within</a:t>
+            </a:r>
+            <a:r>
+              <a:rPr lang="zh-CN" altLang="en-US" sz="800" dirty="0">
+                <a:latin typeface="Times New Roman" panose="02020603050405020304" pitchFamily="18" charset="0"/>
+                <a:cs typeface="Times New Roman" panose="02020603050405020304" pitchFamily="18" charset="0"/>
+              </a:rPr>
+              <a:t> </a:t>
+            </a:r>
+            <a:r>
+              <a:rPr lang="en-US" altLang="zh-CN" sz="800" dirty="0">
+                <a:latin typeface="Times New Roman" panose="02020603050405020304" pitchFamily="18" charset="0"/>
+                <a:cs typeface="Times New Roman" panose="02020603050405020304" pitchFamily="18" charset="0"/>
+              </a:rPr>
+              <a:t>participants</a:t>
             </a:r>
             <a:endParaRPr lang="en-US" sz="800" dirty="0">
               <a:latin typeface="Times New Roman" panose="02020603050405020304" pitchFamily="18" charset="0"/>
@@ -6353,12 +6724,17 @@
             </a:endParaRPr>
           </a:p>
           <a:p>
-            <a:pPr marL="171450" indent="-171450">
+            <a:pPr>
               <a:buSzPct val="50000"/>
-              <a:buFont typeface="Wingdings" pitchFamily="2" charset="2"/>
-              <a:buChar char="Ø"/>
             </a:pPr>
             <a:r>
+              <a:rPr lang="zh-CN" altLang="en-US" sz="800" dirty="0">
+                <a:latin typeface="Times New Roman" panose="02020603050405020304" pitchFamily="18" charset="0"/>
+                <a:cs typeface="Times New Roman" panose="02020603050405020304" pitchFamily="18" charset="0"/>
+              </a:rPr>
+              <a:t>       * </a:t>
+            </a:r>
+            <a:r>
               <a:rPr lang="en-US" altLang="zh-CN" sz="800" dirty="0">
                 <a:latin typeface="Times New Roman" panose="02020603050405020304" pitchFamily="18" charset="0"/>
                 <a:cs typeface="Times New Roman" panose="02020603050405020304" pitchFamily="18" charset="0"/>
@@ -6461,30 +6837,21 @@
                 <a:latin typeface="Times New Roman" panose="02020603050405020304" pitchFamily="18" charset="0"/>
                 <a:cs typeface="Times New Roman" panose="02020603050405020304" pitchFamily="18" charset="0"/>
               </a:rPr>
-              <a:t>each</a:t>
-            </a:r>
-            <a:r>
-              <a:rPr lang="zh-CN" altLang="en-US" sz="800" dirty="0">
-                <a:latin typeface="Times New Roman" panose="02020603050405020304" pitchFamily="18" charset="0"/>
-                <a:cs typeface="Times New Roman" panose="02020603050405020304" pitchFamily="18" charset="0"/>
-              </a:rPr>
-              <a:t> </a:t>
-            </a:r>
-            <a:r>
-              <a:rPr lang="en-US" altLang="zh-CN" sz="800" dirty="0">
-                <a:latin typeface="Times New Roman" panose="02020603050405020304" pitchFamily="18" charset="0"/>
-                <a:cs typeface="Times New Roman" panose="02020603050405020304" pitchFamily="18" charset="0"/>
-              </a:rPr>
-              <a:t>subject</a:t>
-            </a:r>
-          </a:p>
-          <a:p>
-            <a:pPr marL="171450" indent="-171450">
+              <a:t>participants</a:t>
+            </a:r>
+          </a:p>
+          <a:p>
+            <a:pPr>
               <a:buSzPct val="50000"/>
-              <a:buFont typeface="Wingdings" pitchFamily="2" charset="2"/>
-              <a:buChar char="Ø"/>
             </a:pPr>
             <a:r>
+              <a:rPr lang="zh-CN" altLang="en-US" sz="800" dirty="0">
+                <a:latin typeface="Times New Roman" panose="02020603050405020304" pitchFamily="18" charset="0"/>
+                <a:cs typeface="Times New Roman" panose="02020603050405020304" pitchFamily="18" charset="0"/>
+              </a:rPr>
+              <a:t>       * </a:t>
+            </a:r>
+            <a:r>
               <a:rPr lang="en-US" altLang="zh-CN" sz="800" dirty="0">
                 <a:latin typeface="Times New Roman" panose="02020603050405020304" pitchFamily="18" charset="0"/>
                 <a:cs typeface="Times New Roman" panose="02020603050405020304" pitchFamily="18" charset="0"/>
@@ -6615,30 +6982,21 @@
                 <a:latin typeface="Times New Roman" panose="02020603050405020304" pitchFamily="18" charset="0"/>
                 <a:cs typeface="Times New Roman" panose="02020603050405020304" pitchFamily="18" charset="0"/>
               </a:rPr>
-              <a:t>each</a:t>
-            </a:r>
-            <a:r>
-              <a:rPr lang="zh-CN" altLang="en-US" sz="800" dirty="0">
-                <a:latin typeface="Times New Roman" panose="02020603050405020304" pitchFamily="18" charset="0"/>
-                <a:cs typeface="Times New Roman" panose="02020603050405020304" pitchFamily="18" charset="0"/>
-              </a:rPr>
-              <a:t> </a:t>
-            </a:r>
-            <a:r>
-              <a:rPr lang="en-US" altLang="zh-CN" sz="800" dirty="0">
-                <a:latin typeface="Times New Roman" panose="02020603050405020304" pitchFamily="18" charset="0"/>
-                <a:cs typeface="Times New Roman" panose="02020603050405020304" pitchFamily="18" charset="0"/>
-              </a:rPr>
-              <a:t>subject</a:t>
-            </a:r>
-          </a:p>
-          <a:p>
-            <a:pPr marL="171450" indent="-171450">
+              <a:t>participants</a:t>
+            </a:r>
+          </a:p>
+          <a:p>
+            <a:pPr>
               <a:buSzPct val="50000"/>
-              <a:buFont typeface="Wingdings" pitchFamily="2" charset="2"/>
-              <a:buChar char="Ø"/>
             </a:pPr>
             <a:r>
+              <a:rPr lang="zh-CN" altLang="en-US" sz="800" dirty="0">
+                <a:latin typeface="Times New Roman" panose="02020603050405020304" pitchFamily="18" charset="0"/>
+                <a:cs typeface="Times New Roman" panose="02020603050405020304" pitchFamily="18" charset="0"/>
+              </a:rPr>
+              <a:t>       * </a:t>
+            </a:r>
+            <a:r>
               <a:rPr lang="en-US" altLang="zh-CN" sz="800" dirty="0">
                 <a:latin typeface="Times New Roman" panose="02020603050405020304" pitchFamily="18" charset="0"/>
                 <a:cs typeface="Times New Roman" panose="02020603050405020304" pitchFamily="18" charset="0"/>
@@ -6755,35 +7113,63 @@
                 <a:latin typeface="Times New Roman" panose="02020603050405020304" pitchFamily="18" charset="0"/>
                 <a:cs typeface="Times New Roman" panose="02020603050405020304" pitchFamily="18" charset="0"/>
               </a:rPr>
-              <a:t>across</a:t>
-            </a:r>
-            <a:r>
-              <a:rPr lang="zh-CN" altLang="en-US" sz="800" dirty="0">
-                <a:latin typeface="Times New Roman" panose="02020603050405020304" pitchFamily="18" charset="0"/>
-                <a:cs typeface="Times New Roman" panose="02020603050405020304" pitchFamily="18" charset="0"/>
-              </a:rPr>
-              <a:t> </a:t>
-            </a:r>
-            <a:r>
-              <a:rPr lang="en-US" altLang="zh-CN" sz="800" dirty="0">
-                <a:latin typeface="Times New Roman" panose="02020603050405020304" pitchFamily="18" charset="0"/>
-                <a:cs typeface="Times New Roman" panose="02020603050405020304" pitchFamily="18" charset="0"/>
-              </a:rPr>
-              <a:t>different</a:t>
-            </a:r>
-            <a:r>
-              <a:rPr lang="zh-CN" altLang="en-US" sz="800" dirty="0">
-                <a:latin typeface="Times New Roman" panose="02020603050405020304" pitchFamily="18" charset="0"/>
-                <a:cs typeface="Times New Roman" panose="02020603050405020304" pitchFamily="18" charset="0"/>
-              </a:rPr>
-              <a:t> </a:t>
-            </a:r>
-            <a:r>
-              <a:rPr lang="en-US" altLang="zh-CN" sz="800" dirty="0">
-                <a:latin typeface="Times New Roman" panose="02020603050405020304" pitchFamily="18" charset="0"/>
-                <a:cs typeface="Times New Roman" panose="02020603050405020304" pitchFamily="18" charset="0"/>
-              </a:rPr>
-              <a:t>subjects</a:t>
+              <a:t>between</a:t>
+            </a:r>
+            <a:r>
+              <a:rPr lang="zh-CN" altLang="en-US" sz="800" dirty="0">
+                <a:latin typeface="Times New Roman" panose="02020603050405020304" pitchFamily="18" charset="0"/>
+                <a:cs typeface="Times New Roman" panose="02020603050405020304" pitchFamily="18" charset="0"/>
+              </a:rPr>
+              <a:t> </a:t>
+            </a:r>
+            <a:r>
+              <a:rPr lang="en-US" altLang="zh-CN" sz="800" dirty="0">
+                <a:latin typeface="Times New Roman" panose="02020603050405020304" pitchFamily="18" charset="0"/>
+                <a:cs typeface="Times New Roman" panose="02020603050405020304" pitchFamily="18" charset="0"/>
+              </a:rPr>
+              <a:t>participants,</a:t>
+            </a:r>
+            <a:r>
+              <a:rPr lang="zh-CN" altLang="en-US" sz="800" dirty="0">
+                <a:latin typeface="Times New Roman" panose="02020603050405020304" pitchFamily="18" charset="0"/>
+                <a:cs typeface="Times New Roman" panose="02020603050405020304" pitchFamily="18" charset="0"/>
+              </a:rPr>
+              <a:t> </a:t>
+            </a:r>
+            <a:r>
+              <a:rPr lang="en-US" altLang="zh-CN" sz="800" dirty="0">
+                <a:latin typeface="Times New Roman" panose="02020603050405020304" pitchFamily="18" charset="0"/>
+                <a:cs typeface="Times New Roman" panose="02020603050405020304" pitchFamily="18" charset="0"/>
+              </a:rPr>
+              <a:t>e.g.,</a:t>
+            </a:r>
+            <a:r>
+              <a:rPr lang="zh-CN" altLang="en-US" sz="800" dirty="0">
+                <a:latin typeface="Times New Roman" panose="02020603050405020304" pitchFamily="18" charset="0"/>
+                <a:cs typeface="Times New Roman" panose="02020603050405020304" pitchFamily="18" charset="0"/>
+              </a:rPr>
+              <a:t> </a:t>
+            </a:r>
+            <a:r>
+              <a:rPr lang="en-US" altLang="zh-CN" sz="800" dirty="0">
+                <a:latin typeface="Times New Roman" panose="02020603050405020304" pitchFamily="18" charset="0"/>
+                <a:cs typeface="Times New Roman" panose="02020603050405020304" pitchFamily="18" charset="0"/>
+              </a:rPr>
+              <a:t>individual</a:t>
+            </a:r>
+            <a:r>
+              <a:rPr lang="zh-CN" altLang="en-US" sz="800" dirty="0">
+                <a:latin typeface="Times New Roman" panose="02020603050405020304" pitchFamily="18" charset="0"/>
+                <a:cs typeface="Times New Roman" panose="02020603050405020304" pitchFamily="18" charset="0"/>
+              </a:rPr>
+              <a:t> </a:t>
+            </a:r>
+            <a:r>
+              <a:rPr lang="en-US" altLang="zh-CN" sz="800" dirty="0">
+                <a:latin typeface="Times New Roman" panose="02020603050405020304" pitchFamily="18" charset="0"/>
+                <a:cs typeface="Times New Roman" panose="02020603050405020304" pitchFamily="18" charset="0"/>
+              </a:rPr>
+              <a:t>difference</a:t>
             </a:r>
             <a:endParaRPr lang="en-US" sz="800" dirty="0">
               <a:latin typeface="Times New Roman" panose="02020603050405020304" pitchFamily="18" charset="0"/>
@@ -6817,8 +7203,8 @@
         </p:nvSpPr>
         <p:spPr>
           <a:xfrm>
-            <a:off x="201818" y="5839014"/>
-            <a:ext cx="6454364" cy="7604965"/>
+            <a:off x="201818" y="5460137"/>
+            <a:ext cx="6454364" cy="7110941"/>
           </a:xfrm>
           <a:prstGeom prst="roundRect">
             <a:avLst>
@@ -6871,7 +7257,7 @@
         </p:nvSpPr>
         <p:spPr>
           <a:xfrm>
-            <a:off x="402101" y="5840783"/>
+            <a:off x="402101" y="5461906"/>
             <a:ext cx="5668310" cy="246221"/>
           </a:xfrm>
           <a:prstGeom prst="rect">
@@ -6907,8 +7293,8 @@
         </p:nvSpPr>
         <p:spPr>
           <a:xfrm>
-            <a:off x="354367" y="6034588"/>
-            <a:ext cx="3074634" cy="830997"/>
+            <a:off x="354367" y="5655711"/>
+            <a:ext cx="3074634" cy="584775"/>
           </a:xfrm>
           <a:prstGeom prst="rect">
             <a:avLst/>
@@ -6934,11 +7320,25 @@
           </a:p>
           <a:p>
             <a:r>
+              <a:rPr lang="zh-CN" altLang="en-US" sz="800" dirty="0">
+                <a:latin typeface="Times New Roman" panose="02020603050405020304" pitchFamily="18" charset="0"/>
+                <a:cs typeface="Times New Roman" panose="02020603050405020304" pitchFamily="18" charset="0"/>
+              </a:rPr>
+              <a:t>      * </a:t>
+            </a:r>
+            <a:r>
+              <a:rPr lang="en-US" altLang="zh-CN" sz="800" dirty="0">
+                <a:latin typeface="Times New Roman" panose="02020603050405020304" pitchFamily="18" charset="0"/>
+                <a:cs typeface="Times New Roman" panose="02020603050405020304" pitchFamily="18" charset="0"/>
+              </a:rPr>
+              <a:t>S</a:t>
+            </a:r>
+            <a:r>
               <a:rPr lang="en-US" sz="800" dirty="0">
                 <a:latin typeface="Times New Roman" panose="02020603050405020304" pitchFamily="18" charset="0"/>
                 <a:cs typeface="Times New Roman" panose="02020603050405020304" pitchFamily="18" charset="0"/>
               </a:rPr>
-              <a:t>The results showed that NPS responses in the contrast of [Pain minus Baseline] are signi</a:t>
+              <a:t>igni</a:t>
             </a:r>
             <a:r>
               <a:rPr lang="en-US" altLang="zh-CN" sz="800" dirty="0">
@@ -6994,7 +7394,30 @@
                 <a:latin typeface="Times New Roman" panose="02020603050405020304" pitchFamily="18" charset="0"/>
                 <a:cs typeface="Times New Roman" panose="02020603050405020304" pitchFamily="18" charset="0"/>
               </a:rPr>
-              <a:t> studies tested, with effect sizes ranging from Cohen‘s d = 1.</a:t>
+              <a:t> studies tested</a:t>
+            </a:r>
+          </a:p>
+          <a:p>
+            <a:r>
+              <a:rPr lang="zh-CN" altLang="en-US" sz="800" dirty="0">
+                <a:latin typeface="Times New Roman" panose="02020603050405020304" pitchFamily="18" charset="0"/>
+                <a:cs typeface="Times New Roman" panose="02020603050405020304" pitchFamily="18" charset="0"/>
+              </a:rPr>
+              <a:t>      * </a:t>
+            </a:r>
+            <a:r>
+              <a:rPr lang="en-US" altLang="zh-CN" sz="800" dirty="0">
+                <a:latin typeface="Times New Roman" panose="02020603050405020304" pitchFamily="18" charset="0"/>
+                <a:cs typeface="Times New Roman" panose="02020603050405020304" pitchFamily="18" charset="0"/>
+              </a:rPr>
+              <a:t>E</a:t>
+            </a:r>
+            <a:r>
+              <a:rPr lang="en-US" sz="800" dirty="0">
+                <a:latin typeface="Times New Roman" panose="02020603050405020304" pitchFamily="18" charset="0"/>
+                <a:cs typeface="Times New Roman" panose="02020603050405020304" pitchFamily="18" charset="0"/>
+              </a:rPr>
+              <a:t>ffect sizes ranging from Cohen‘s d = 1.</a:t>
             </a:r>
             <a:r>
               <a:rPr lang="en-US" altLang="zh-CN" sz="800" dirty="0">
@@ -7022,14 +7445,37 @@
                 <a:latin typeface="Times New Roman" panose="02020603050405020304" pitchFamily="18" charset="0"/>
                 <a:cs typeface="Times New Roman" panose="02020603050405020304" pitchFamily="18" charset="0"/>
               </a:rPr>
-              <a:t>. A</a:t>
-            </a:r>
-            <a:r>
-              <a:rPr lang="en-US" altLang="zh-CN" sz="800" dirty="0">
-                <a:latin typeface="Times New Roman" panose="02020603050405020304" pitchFamily="18" charset="0"/>
-                <a:cs typeface="Times New Roman" panose="02020603050405020304" pitchFamily="18" charset="0"/>
-              </a:rPr>
-              <a:t>mong</a:t>
+              <a:t> </a:t>
+            </a:r>
+          </a:p>
+          <a:p>
+            <a:r>
+              <a:rPr lang="zh-CN" altLang="en-US" sz="800" dirty="0">
+                <a:latin typeface="Times New Roman" panose="02020603050405020304" pitchFamily="18" charset="0"/>
+                <a:cs typeface="Times New Roman" panose="02020603050405020304" pitchFamily="18" charset="0"/>
+              </a:rPr>
+              <a:t>      * </a:t>
+            </a:r>
+            <a:r>
+              <a:rPr lang="en-US" altLang="zh-CN" sz="800" dirty="0" err="1">
+                <a:latin typeface="Times New Roman" panose="02020603050405020304" pitchFamily="18" charset="0"/>
+                <a:cs typeface="Times New Roman" panose="02020603050405020304" pitchFamily="18" charset="0"/>
+              </a:rPr>
+              <a:t>NPScorr</a:t>
+            </a:r>
+            <a:r>
+              <a:rPr lang="zh-CN" altLang="en-US" sz="800" dirty="0">
+                <a:latin typeface="Times New Roman" panose="02020603050405020304" pitchFamily="18" charset="0"/>
+                <a:cs typeface="Times New Roman" panose="02020603050405020304" pitchFamily="18" charset="0"/>
+              </a:rPr>
+              <a:t> </a:t>
+            </a:r>
+            <a:r>
+              <a:rPr lang="en-US" altLang="zh-CN" sz="800" dirty="0">
+                <a:latin typeface="Times New Roman" panose="02020603050405020304" pitchFamily="18" charset="0"/>
+                <a:cs typeface="Times New Roman" panose="02020603050405020304" pitchFamily="18" charset="0"/>
+              </a:rPr>
+              <a:t>has</a:t>
             </a:r>
             <a:r>
               <a:rPr lang="zh-CN" altLang="en-US" sz="800" dirty="0">
@@ -7057,104 +7503,6 @@
                 <a:latin typeface="Times New Roman" panose="02020603050405020304" pitchFamily="18" charset="0"/>
                 <a:cs typeface="Times New Roman" panose="02020603050405020304" pitchFamily="18" charset="0"/>
               </a:rPr>
-              <a:t>three</a:t>
-            </a:r>
-            <a:r>
-              <a:rPr lang="zh-CN" altLang="en-US" sz="800" dirty="0">
-                <a:latin typeface="Times New Roman" panose="02020603050405020304" pitchFamily="18" charset="0"/>
-                <a:cs typeface="Times New Roman" panose="02020603050405020304" pitchFamily="18" charset="0"/>
-              </a:rPr>
-              <a:t> </a:t>
-            </a:r>
-            <a:r>
-              <a:rPr lang="en-US" altLang="zh-CN" sz="800" dirty="0">
-                <a:latin typeface="Times New Roman" panose="02020603050405020304" pitchFamily="18" charset="0"/>
-                <a:cs typeface="Times New Roman" panose="02020603050405020304" pitchFamily="18" charset="0"/>
-              </a:rPr>
-              <a:t>pattern</a:t>
-            </a:r>
-            <a:r>
-              <a:rPr lang="zh-CN" altLang="en-US" sz="800" dirty="0">
-                <a:latin typeface="Times New Roman" panose="02020603050405020304" pitchFamily="18" charset="0"/>
-                <a:cs typeface="Times New Roman" panose="02020603050405020304" pitchFamily="18" charset="0"/>
-              </a:rPr>
-              <a:t> </a:t>
-            </a:r>
-            <a:r>
-              <a:rPr lang="en-US" altLang="zh-CN" sz="800" dirty="0">
-                <a:latin typeface="Times New Roman" panose="02020603050405020304" pitchFamily="18" charset="0"/>
-                <a:cs typeface="Times New Roman" panose="02020603050405020304" pitchFamily="18" charset="0"/>
-              </a:rPr>
-              <a:t>expression</a:t>
-            </a:r>
-            <a:r>
-              <a:rPr lang="zh-CN" altLang="en-US" sz="800" dirty="0">
-                <a:latin typeface="Times New Roman" panose="02020603050405020304" pitchFamily="18" charset="0"/>
-                <a:cs typeface="Times New Roman" panose="02020603050405020304" pitchFamily="18" charset="0"/>
-              </a:rPr>
-              <a:t> </a:t>
-            </a:r>
-            <a:r>
-              <a:rPr lang="en-US" altLang="zh-CN" sz="800" dirty="0">
-                <a:latin typeface="Times New Roman" panose="02020603050405020304" pitchFamily="18" charset="0"/>
-                <a:cs typeface="Times New Roman" panose="02020603050405020304" pitchFamily="18" charset="0"/>
-              </a:rPr>
-              <a:t>indexes,</a:t>
-            </a:r>
-            <a:r>
-              <a:rPr lang="zh-CN" altLang="en-US" sz="800" dirty="0">
-                <a:latin typeface="Times New Roman" panose="02020603050405020304" pitchFamily="18" charset="0"/>
-                <a:cs typeface="Times New Roman" panose="02020603050405020304" pitchFamily="18" charset="0"/>
-              </a:rPr>
-              <a:t> </a:t>
-            </a:r>
-            <a:r>
-              <a:rPr lang="en-US" altLang="zh-CN" sz="800" dirty="0" err="1">
-                <a:latin typeface="Times New Roman" panose="02020603050405020304" pitchFamily="18" charset="0"/>
-                <a:cs typeface="Times New Roman" panose="02020603050405020304" pitchFamily="18" charset="0"/>
-              </a:rPr>
-              <a:t>NPScorr</a:t>
-            </a:r>
-            <a:r>
-              <a:rPr lang="zh-CN" altLang="en-US" sz="800" dirty="0">
-                <a:latin typeface="Times New Roman" panose="02020603050405020304" pitchFamily="18" charset="0"/>
-                <a:cs typeface="Times New Roman" panose="02020603050405020304" pitchFamily="18" charset="0"/>
-              </a:rPr>
-              <a:t> </a:t>
-            </a:r>
-            <a:r>
-              <a:rPr lang="en-US" altLang="zh-CN" sz="800" dirty="0">
-                <a:latin typeface="Times New Roman" panose="02020603050405020304" pitchFamily="18" charset="0"/>
-                <a:cs typeface="Times New Roman" panose="02020603050405020304" pitchFamily="18" charset="0"/>
-              </a:rPr>
-              <a:t>has</a:t>
-            </a:r>
-            <a:r>
-              <a:rPr lang="zh-CN" altLang="en-US" sz="800" dirty="0">
-                <a:latin typeface="Times New Roman" panose="02020603050405020304" pitchFamily="18" charset="0"/>
-                <a:cs typeface="Times New Roman" panose="02020603050405020304" pitchFamily="18" charset="0"/>
-              </a:rPr>
-              <a:t> </a:t>
-            </a:r>
-            <a:r>
-              <a:rPr lang="en-US" altLang="zh-CN" sz="800" dirty="0">
-                <a:latin typeface="Times New Roman" panose="02020603050405020304" pitchFamily="18" charset="0"/>
-                <a:cs typeface="Times New Roman" panose="02020603050405020304" pitchFamily="18" charset="0"/>
-              </a:rPr>
-              <a:t>the</a:t>
-            </a:r>
-            <a:r>
-              <a:rPr lang="zh-CN" altLang="en-US" sz="800" dirty="0">
-                <a:latin typeface="Times New Roman" panose="02020603050405020304" pitchFamily="18" charset="0"/>
-                <a:cs typeface="Times New Roman" panose="02020603050405020304" pitchFamily="18" charset="0"/>
-              </a:rPr>
-              <a:t> </a:t>
-            </a:r>
-            <a:r>
-              <a:rPr lang="en-US" altLang="zh-CN" sz="800" dirty="0">
-                <a:latin typeface="Times New Roman" panose="02020603050405020304" pitchFamily="18" charset="0"/>
-                <a:cs typeface="Times New Roman" panose="02020603050405020304" pitchFamily="18" charset="0"/>
-              </a:rPr>
               <a:t>largest</a:t>
             </a:r>
             <a:r>
@@ -7211,7 +7559,7 @@
                 <a:latin typeface="Times New Roman" panose="02020603050405020304" pitchFamily="18" charset="0"/>
                 <a:cs typeface="Times New Roman" panose="02020603050405020304" pitchFamily="18" charset="0"/>
               </a:rPr>
-              <a:t>2.29).</a:t>
+              <a:t>2.29)</a:t>
             </a:r>
             <a:endParaRPr lang="en-US" sz="800" dirty="0">
               <a:latin typeface="Times New Roman" panose="02020603050405020304" pitchFamily="18" charset="0"/>
@@ -7234,8 +7582,8 @@
         </p:nvSpPr>
         <p:spPr>
           <a:xfrm>
-            <a:off x="342609" y="4208751"/>
-            <a:ext cx="6254170" cy="461665"/>
+            <a:off x="342610" y="3810635"/>
+            <a:ext cx="4719397" cy="461665"/>
           </a:xfrm>
           <a:prstGeom prst="rect">
             <a:avLst/>
@@ -7286,7 +7634,7 @@
         </p:nvSpPr>
         <p:spPr>
           <a:xfrm>
-            <a:off x="342609" y="4592507"/>
+            <a:off x="342609" y="4217744"/>
             <a:ext cx="6254170" cy="584775"/>
           </a:xfrm>
           <a:prstGeom prst="rect">
@@ -7325,7 +7673,7 @@
                 <a:ea typeface="DengXian" panose="02010600030101010101" pitchFamily="2" charset="-122"/>
                 <a:cs typeface="Times New Roman" panose="02020603050405020304" pitchFamily="18" charset="0"/>
               </a:rPr>
-              <a:t>types</a:t>
+              <a:t>pattern</a:t>
             </a:r>
             <a:r>
               <a:rPr lang="zh-CN" altLang="en-US" sz="800" b="1" dirty="0">
@@ -7341,7 +7689,7 @@
                 <a:ea typeface="DengXian" panose="02010600030101010101" pitchFamily="2" charset="-122"/>
                 <a:cs typeface="Times New Roman" panose="02020603050405020304" pitchFamily="18" charset="0"/>
               </a:rPr>
-              <a:t>of</a:t>
+              <a:t>response</a:t>
             </a:r>
             <a:r>
               <a:rPr lang="zh-CN" altLang="en-US" sz="800" b="1" dirty="0">
@@ -7357,39 +7705,7 @@
                 <a:ea typeface="DengXian" panose="02010600030101010101" pitchFamily="2" charset="-122"/>
                 <a:cs typeface="Times New Roman" panose="02020603050405020304" pitchFamily="18" charset="0"/>
               </a:rPr>
-              <a:t>pattern</a:t>
-            </a:r>
-            <a:r>
-              <a:rPr lang="zh-CN" altLang="en-US" sz="800" b="1" dirty="0">
-                <a:latin typeface="Times New Roman" panose="02020603050405020304" pitchFamily="18" charset="0"/>
-                <a:ea typeface="DengXian" panose="02010600030101010101" pitchFamily="2" charset="-122"/>
-                <a:cs typeface="Times New Roman" panose="02020603050405020304" pitchFamily="18" charset="0"/>
-              </a:rPr>
-              <a:t> </a:t>
-            </a:r>
-            <a:r>
-              <a:rPr lang="en-US" altLang="zh-CN" sz="800" b="1" dirty="0">
-                <a:latin typeface="Times New Roman" panose="02020603050405020304" pitchFamily="18" charset="0"/>
-                <a:ea typeface="DengXian" panose="02010600030101010101" pitchFamily="2" charset="-122"/>
-                <a:cs typeface="Times New Roman" panose="02020603050405020304" pitchFamily="18" charset="0"/>
-              </a:rPr>
-              <a:t>similarity</a:t>
-            </a:r>
-            <a:r>
-              <a:rPr lang="zh-CN" altLang="en-US" sz="800" b="1" dirty="0">
-                <a:latin typeface="Times New Roman" panose="02020603050405020304" pitchFamily="18" charset="0"/>
-                <a:ea typeface="DengXian" panose="02010600030101010101" pitchFamily="2" charset="-122"/>
-                <a:cs typeface="Times New Roman" panose="02020603050405020304" pitchFamily="18" charset="0"/>
-              </a:rPr>
-              <a:t> </a:t>
-            </a:r>
-            <a:r>
-              <a:rPr lang="en-US" altLang="zh-CN" sz="800" b="1" dirty="0">
-                <a:latin typeface="Times New Roman" panose="02020603050405020304" pitchFamily="18" charset="0"/>
-                <a:ea typeface="DengXian" panose="02010600030101010101" pitchFamily="2" charset="-122"/>
-                <a:cs typeface="Times New Roman" panose="02020603050405020304" pitchFamily="18" charset="0"/>
-              </a:rPr>
-              <a:t>representation</a:t>
+              <a:t>matrices</a:t>
             </a:r>
             <a:endParaRPr lang="en-US" sz="800" b="1" dirty="0">
               <a:latin typeface="Times New Roman" panose="02020603050405020304" pitchFamily="18" charset="0"/>
@@ -7404,7 +7720,55 @@
                 <a:ea typeface="DengXian" panose="02010600030101010101" pitchFamily="2" charset="-122"/>
                 <a:cs typeface="Times New Roman" panose="02020603050405020304" pitchFamily="18" charset="0"/>
               </a:rPr>
-              <a:t>We computed for each trial and each subject a single scalar value representing their expression of the NPS pattern. We also compared with the performance of three commonly used methods used to calculate the expression of the NPS pattern, e.g., dot-product (</a:t>
+              <a:t>We computed for each trial and each subject a single scalar value representing their NPS pattern</a:t>
+            </a:r>
+            <a:r>
+              <a:rPr lang="zh-CN" altLang="en-US" sz="800" dirty="0">
+                <a:latin typeface="Times New Roman" panose="02020603050405020304" pitchFamily="18" charset="0"/>
+                <a:ea typeface="DengXian" panose="02010600030101010101" pitchFamily="2" charset="-122"/>
+                <a:cs typeface="Times New Roman" panose="02020603050405020304" pitchFamily="18" charset="0"/>
+              </a:rPr>
+              <a:t> </a:t>
+            </a:r>
+            <a:r>
+              <a:rPr lang="en-US" altLang="zh-CN" sz="800" dirty="0">
+                <a:latin typeface="Times New Roman" panose="02020603050405020304" pitchFamily="18" charset="0"/>
+                <a:ea typeface="DengXian" panose="02010600030101010101" pitchFamily="2" charset="-122"/>
+                <a:cs typeface="Times New Roman" panose="02020603050405020304" pitchFamily="18" charset="0"/>
+              </a:rPr>
+              <a:t>response. There</a:t>
+            </a:r>
+            <a:r>
+              <a:rPr lang="zh-CN" altLang="en-US" sz="800" dirty="0">
+                <a:latin typeface="Times New Roman" panose="02020603050405020304" pitchFamily="18" charset="0"/>
+                <a:ea typeface="DengXian" panose="02010600030101010101" pitchFamily="2" charset="-122"/>
+                <a:cs typeface="Times New Roman" panose="02020603050405020304" pitchFamily="18" charset="0"/>
+              </a:rPr>
+              <a:t> </a:t>
+            </a:r>
+            <a:r>
+              <a:rPr lang="en-US" altLang="zh-CN" sz="800" dirty="0">
+                <a:latin typeface="Times New Roman" panose="02020603050405020304" pitchFamily="18" charset="0"/>
+                <a:ea typeface="DengXian" panose="02010600030101010101" pitchFamily="2" charset="-122"/>
+                <a:cs typeface="Times New Roman" panose="02020603050405020304" pitchFamily="18" charset="0"/>
+              </a:rPr>
+              <a:t>are three commonly used matrices used to calculate the NPS pattern</a:t>
+            </a:r>
+            <a:r>
+              <a:rPr lang="zh-CN" altLang="en-US" sz="800" dirty="0">
+                <a:latin typeface="Times New Roman" panose="02020603050405020304" pitchFamily="18" charset="0"/>
+                <a:ea typeface="DengXian" panose="02010600030101010101" pitchFamily="2" charset="-122"/>
+                <a:cs typeface="Times New Roman" panose="02020603050405020304" pitchFamily="18" charset="0"/>
+              </a:rPr>
+              <a:t> </a:t>
+            </a:r>
+            <a:r>
+              <a:rPr lang="en-US" altLang="zh-CN" sz="800" dirty="0">
+                <a:latin typeface="Times New Roman" panose="02020603050405020304" pitchFamily="18" charset="0"/>
+                <a:ea typeface="DengXian" panose="02010600030101010101" pitchFamily="2" charset="-122"/>
+                <a:cs typeface="Times New Roman" panose="02020603050405020304" pitchFamily="18" charset="0"/>
+              </a:rPr>
+              <a:t>responses, e.g., dot-product (</a:t>
             </a:r>
             <a:r>
               <a:rPr lang="en-US" altLang="zh-CN" sz="800" dirty="0" err="1">
@@ -7453,6 +7817,134 @@
                 <a:cs typeface="Times New Roman" panose="02020603050405020304" pitchFamily="18" charset="0"/>
               </a:rPr>
               <a:t>).</a:t>
+            </a:r>
+            <a:r>
+              <a:rPr lang="zh-CN" altLang="en-US" sz="800" dirty="0">
+                <a:latin typeface="Times New Roman" panose="02020603050405020304" pitchFamily="18" charset="0"/>
+                <a:ea typeface="DengXian" panose="02010600030101010101" pitchFamily="2" charset="-122"/>
+                <a:cs typeface="Times New Roman" panose="02020603050405020304" pitchFamily="18" charset="0"/>
+              </a:rPr>
+              <a:t> </a:t>
+            </a:r>
+            <a:r>
+              <a:rPr lang="en-US" altLang="zh-CN" sz="800" dirty="0">
+                <a:latin typeface="Times New Roman" panose="02020603050405020304" pitchFamily="18" charset="0"/>
+                <a:ea typeface="DengXian" panose="02010600030101010101" pitchFamily="2" charset="-122"/>
+                <a:cs typeface="Times New Roman" panose="02020603050405020304" pitchFamily="18" charset="0"/>
+              </a:rPr>
+              <a:t>We</a:t>
+            </a:r>
+            <a:r>
+              <a:rPr lang="zh-CN" altLang="en-US" sz="800" dirty="0">
+                <a:latin typeface="Times New Roman" panose="02020603050405020304" pitchFamily="18" charset="0"/>
+                <a:ea typeface="DengXian" panose="02010600030101010101" pitchFamily="2" charset="-122"/>
+                <a:cs typeface="Times New Roman" panose="02020603050405020304" pitchFamily="18" charset="0"/>
+              </a:rPr>
+              <a:t> </a:t>
+            </a:r>
+            <a:r>
+              <a:rPr lang="en-US" altLang="zh-CN" sz="800" dirty="0">
+                <a:latin typeface="Times New Roman" panose="02020603050405020304" pitchFamily="18" charset="0"/>
+                <a:ea typeface="DengXian" panose="02010600030101010101" pitchFamily="2" charset="-122"/>
+                <a:cs typeface="Times New Roman" panose="02020603050405020304" pitchFamily="18" charset="0"/>
+              </a:rPr>
+              <a:t>compared</a:t>
+            </a:r>
+            <a:r>
+              <a:rPr lang="zh-CN" altLang="en-US" sz="800" dirty="0">
+                <a:latin typeface="Times New Roman" panose="02020603050405020304" pitchFamily="18" charset="0"/>
+                <a:ea typeface="DengXian" panose="02010600030101010101" pitchFamily="2" charset="-122"/>
+                <a:cs typeface="Times New Roman" panose="02020603050405020304" pitchFamily="18" charset="0"/>
+              </a:rPr>
+              <a:t> </a:t>
+            </a:r>
+            <a:r>
+              <a:rPr lang="en-US" altLang="zh-CN" sz="800" dirty="0">
+                <a:latin typeface="Times New Roman" panose="02020603050405020304" pitchFamily="18" charset="0"/>
+                <a:ea typeface="DengXian" panose="02010600030101010101" pitchFamily="2" charset="-122"/>
+                <a:cs typeface="Times New Roman" panose="02020603050405020304" pitchFamily="18" charset="0"/>
+              </a:rPr>
+              <a:t>the</a:t>
+            </a:r>
+            <a:r>
+              <a:rPr lang="zh-CN" altLang="en-US" sz="800" dirty="0">
+                <a:latin typeface="Times New Roman" panose="02020603050405020304" pitchFamily="18" charset="0"/>
+                <a:ea typeface="DengXian" panose="02010600030101010101" pitchFamily="2" charset="-122"/>
+                <a:cs typeface="Times New Roman" panose="02020603050405020304" pitchFamily="18" charset="0"/>
+              </a:rPr>
+              <a:t> </a:t>
+            </a:r>
+            <a:r>
+              <a:rPr lang="en-US" altLang="zh-CN" sz="800" dirty="0">
+                <a:latin typeface="Times New Roman" panose="02020603050405020304" pitchFamily="18" charset="0"/>
+                <a:ea typeface="DengXian" panose="02010600030101010101" pitchFamily="2" charset="-122"/>
+                <a:cs typeface="Times New Roman" panose="02020603050405020304" pitchFamily="18" charset="0"/>
+              </a:rPr>
+              <a:t>performance</a:t>
+            </a:r>
+            <a:r>
+              <a:rPr lang="zh-CN" altLang="en-US" sz="800" dirty="0">
+                <a:latin typeface="Times New Roman" panose="02020603050405020304" pitchFamily="18" charset="0"/>
+                <a:ea typeface="DengXian" panose="02010600030101010101" pitchFamily="2" charset="-122"/>
+                <a:cs typeface="Times New Roman" panose="02020603050405020304" pitchFamily="18" charset="0"/>
+              </a:rPr>
+              <a:t> </a:t>
+            </a:r>
+            <a:r>
+              <a:rPr lang="en-US" altLang="zh-CN" sz="800" dirty="0">
+                <a:latin typeface="Times New Roman" panose="02020603050405020304" pitchFamily="18" charset="0"/>
+                <a:ea typeface="DengXian" panose="02010600030101010101" pitchFamily="2" charset="-122"/>
+                <a:cs typeface="Times New Roman" panose="02020603050405020304" pitchFamily="18" charset="0"/>
+              </a:rPr>
+              <a:t>of</a:t>
+            </a:r>
+            <a:r>
+              <a:rPr lang="zh-CN" altLang="en-US" sz="800" dirty="0">
+                <a:latin typeface="Times New Roman" panose="02020603050405020304" pitchFamily="18" charset="0"/>
+                <a:ea typeface="DengXian" panose="02010600030101010101" pitchFamily="2" charset="-122"/>
+                <a:cs typeface="Times New Roman" panose="02020603050405020304" pitchFamily="18" charset="0"/>
+              </a:rPr>
+              <a:t> </a:t>
+            </a:r>
+            <a:r>
+              <a:rPr lang="en-US" altLang="zh-CN" sz="800" dirty="0">
+                <a:latin typeface="Times New Roman" panose="02020603050405020304" pitchFamily="18" charset="0"/>
+                <a:ea typeface="DengXian" panose="02010600030101010101" pitchFamily="2" charset="-122"/>
+                <a:cs typeface="Times New Roman" panose="02020603050405020304" pitchFamily="18" charset="0"/>
+              </a:rPr>
+              <a:t>the</a:t>
+            </a:r>
+            <a:r>
+              <a:rPr lang="zh-CN" altLang="en-US" sz="800" dirty="0">
+                <a:latin typeface="Times New Roman" panose="02020603050405020304" pitchFamily="18" charset="0"/>
+                <a:ea typeface="DengXian" panose="02010600030101010101" pitchFamily="2" charset="-122"/>
+                <a:cs typeface="Times New Roman" panose="02020603050405020304" pitchFamily="18" charset="0"/>
+              </a:rPr>
+              <a:t> </a:t>
+            </a:r>
+            <a:r>
+              <a:rPr lang="en-US" altLang="zh-CN" sz="800" dirty="0">
+                <a:latin typeface="Times New Roman" panose="02020603050405020304" pitchFamily="18" charset="0"/>
+                <a:ea typeface="DengXian" panose="02010600030101010101" pitchFamily="2" charset="-122"/>
+                <a:cs typeface="Times New Roman" panose="02020603050405020304" pitchFamily="18" charset="0"/>
+              </a:rPr>
+              <a:t>three</a:t>
+            </a:r>
+            <a:r>
+              <a:rPr lang="zh-CN" altLang="en-US" sz="800" dirty="0">
+                <a:latin typeface="Times New Roman" panose="02020603050405020304" pitchFamily="18" charset="0"/>
+                <a:ea typeface="DengXian" panose="02010600030101010101" pitchFamily="2" charset="-122"/>
+                <a:cs typeface="Times New Roman" panose="02020603050405020304" pitchFamily="18" charset="0"/>
+              </a:rPr>
+              <a:t> </a:t>
+            </a:r>
+            <a:r>
+              <a:rPr lang="en-US" altLang="zh-CN" sz="800" dirty="0">
+                <a:latin typeface="Times New Roman" panose="02020603050405020304" pitchFamily="18" charset="0"/>
+                <a:ea typeface="DengXian" panose="02010600030101010101" pitchFamily="2" charset="-122"/>
+                <a:cs typeface="Times New Roman" panose="02020603050405020304" pitchFamily="18" charset="0"/>
+              </a:rPr>
+              <a:t>matrices.</a:t>
             </a:r>
             <a:endParaRPr lang="en-US" sz="800" dirty="0">
               <a:latin typeface="Times New Roman" panose="02020603050405020304" pitchFamily="18" charset="0"/>
@@ -7476,7 +7968,7 @@
         </p:nvSpPr>
         <p:spPr>
           <a:xfrm>
-            <a:off x="342609" y="5115301"/>
+            <a:off x="342609" y="4735919"/>
             <a:ext cx="6312950" cy="584775"/>
           </a:xfrm>
           <a:prstGeom prst="rect">
@@ -7601,7 +8093,7 @@
         </p:nvSpPr>
         <p:spPr>
           <a:xfrm>
-            <a:off x="5144572" y="2590682"/>
+            <a:off x="5144573" y="2659262"/>
             <a:ext cx="1109599" cy="215444"/>
           </a:xfrm>
           <a:prstGeom prst="rect">
@@ -7661,8 +8153,8 @@
         </p:nvSpPr>
         <p:spPr>
           <a:xfrm>
-            <a:off x="3427948" y="6023899"/>
-            <a:ext cx="3075689" cy="830997"/>
+            <a:off x="3427949" y="5645022"/>
+            <a:ext cx="3075689" cy="584775"/>
           </a:xfrm>
           <a:prstGeom prst="rect">
             <a:avLst/>
@@ -7748,11 +8240,25 @@
           </a:p>
           <a:p>
             <a:r>
+              <a:rPr lang="zh-CN" altLang="en-US" sz="800" dirty="0">
+                <a:latin typeface="Times New Roman" panose="02020603050405020304" pitchFamily="18" charset="0"/>
+                <a:cs typeface="Times New Roman" panose="02020603050405020304" pitchFamily="18" charset="0"/>
+              </a:rPr>
+              <a:t>       * </a:t>
+            </a:r>
+            <a:r>
+              <a:rPr lang="en-US" altLang="zh-CN" sz="800" dirty="0">
+                <a:latin typeface="Times New Roman" panose="02020603050405020304" pitchFamily="18" charset="0"/>
+                <a:cs typeface="Times New Roman" panose="02020603050405020304" pitchFamily="18" charset="0"/>
+              </a:rPr>
+              <a:t>S</a:t>
+            </a:r>
+            <a:r>
               <a:rPr lang="en-US" sz="800" dirty="0">
                 <a:latin typeface="Times New Roman" panose="02020603050405020304" pitchFamily="18" charset="0"/>
                 <a:cs typeface="Times New Roman" panose="02020603050405020304" pitchFamily="18" charset="0"/>
               </a:rPr>
-              <a:t>The results showed that the correlations of NPS responses with temperature are significantly </a:t>
+              <a:t>ignificantly </a:t>
             </a:r>
             <a:r>
               <a:rPr lang="en-US" altLang="zh-CN" sz="800" dirty="0">
@@ -7766,7 +8272,46 @@
                 <a:latin typeface="Times New Roman" panose="02020603050405020304" pitchFamily="18" charset="0"/>
                 <a:cs typeface="Times New Roman" panose="02020603050405020304" pitchFamily="18" charset="0"/>
               </a:rPr>
-              <a:t> than zero in 8 out of 9 studies tested, with effect sizes ranging from Cohen‘s d = 0.19 to 3.04. Among the three pattern expression indexes, </a:t>
+              <a:t> than zero in 8 out of 9 studies tested</a:t>
+            </a:r>
+          </a:p>
+          <a:p>
+            <a:r>
+              <a:rPr lang="zh-CN" altLang="en-US" sz="800" dirty="0">
+                <a:latin typeface="Times New Roman" panose="02020603050405020304" pitchFamily="18" charset="0"/>
+                <a:cs typeface="Times New Roman" panose="02020603050405020304" pitchFamily="18" charset="0"/>
+              </a:rPr>
+              <a:t>       * </a:t>
+            </a:r>
+            <a:r>
+              <a:rPr lang="en-US" altLang="zh-CN" sz="800" dirty="0">
+                <a:latin typeface="Times New Roman" panose="02020603050405020304" pitchFamily="18" charset="0"/>
+                <a:cs typeface="Times New Roman" panose="02020603050405020304" pitchFamily="18" charset="0"/>
+              </a:rPr>
+              <a:t>E</a:t>
+            </a:r>
+            <a:r>
+              <a:rPr lang="en-US" sz="800" dirty="0">
+                <a:latin typeface="Times New Roman" panose="02020603050405020304" pitchFamily="18" charset="0"/>
+                <a:cs typeface="Times New Roman" panose="02020603050405020304" pitchFamily="18" charset="0"/>
+              </a:rPr>
+              <a:t>ffect sizes ranging from Cohen‘s d = 0.19 to 3.04</a:t>
+            </a:r>
+          </a:p>
+          <a:p>
+            <a:r>
+              <a:rPr lang="zh-CN" altLang="en-US" sz="800" dirty="0">
+                <a:latin typeface="Times New Roman" panose="02020603050405020304" pitchFamily="18" charset="0"/>
+                <a:cs typeface="Times New Roman" panose="02020603050405020304" pitchFamily="18" charset="0"/>
+              </a:rPr>
+              <a:t>       *</a:t>
+            </a:r>
+            <a:r>
+              <a:rPr lang="en-US" sz="800" dirty="0">
+                <a:latin typeface="Times New Roman" panose="02020603050405020304" pitchFamily="18" charset="0"/>
+                <a:cs typeface="Times New Roman" panose="02020603050405020304" pitchFamily="18" charset="0"/>
+              </a:rPr>
+              <a:t> </a:t>
             </a:r>
             <a:r>
               <a:rPr lang="en-US" sz="800" dirty="0" err="1">
@@ -7780,92 +8325,71 @@
                 <a:latin typeface="Times New Roman" panose="02020603050405020304" pitchFamily="18" charset="0"/>
                 <a:cs typeface="Times New Roman" panose="02020603050405020304" pitchFamily="18" charset="0"/>
               </a:rPr>
-              <a:t> has the largest effect size (Cohen‘s d = 1.63).</a:t>
+              <a:t> has the largest effect size (Cohen‘s d = 1.63)</a:t>
             </a:r>
           </a:p>
         </p:txBody>
       </p:sp>
-      <p:grpSp>
-        <p:nvGrpSpPr>
-          <p:cNvPr id="121" name="Group 120">
+      <p:pic>
+        <p:nvPicPr>
+          <p:cNvPr id="120" name="Picture 119" descr="A screenshot of a video game&#10;&#10;Description automatically generated">
             <a:extLst>
               <a:ext uri="{FF2B5EF4-FFF2-40B4-BE49-F238E27FC236}">
-                <a16:creationId xmlns:a16="http://schemas.microsoft.com/office/drawing/2014/main" id="{E753797C-B974-404F-9675-9B8538C17E6F}"/>
+                <a16:creationId xmlns:a16="http://schemas.microsoft.com/office/drawing/2014/main" id="{FDA76875-36FC-0147-A543-84EAD3A93973}"/>
               </a:ext>
             </a:extLst>
           </p:cNvPr>
-          <p:cNvGrpSpPr/>
+          <p:cNvPicPr>
+            <a:picLocks noChangeAspect="1"/>
+          </p:cNvPicPr>
           <p:nvPr/>
-        </p:nvGrpSpPr>
-        <p:grpSpPr>
+        </p:nvPicPr>
+        <p:blipFill>
+          <a:blip r:embed="rId15"/>
+          <a:stretch>
+            <a:fillRect/>
+          </a:stretch>
+        </p:blipFill>
+        <p:spPr>
           <a:xfrm>
-            <a:off x="309099" y="6914517"/>
-            <a:ext cx="3118849" cy="991239"/>
-            <a:chOff x="309096" y="6931339"/>
-            <a:chExt cx="3454831" cy="1098022"/>
+            <a:off x="1457048" y="6267961"/>
+            <a:ext cx="1970900" cy="985450"/>
           </a:xfrm>
-        </p:grpSpPr>
-        <p:pic>
-          <p:nvPicPr>
-            <p:cNvPr id="120" name="Picture 119" descr="A screenshot of a video game&#10;&#10;Description automatically generated">
-              <a:extLst>
-                <a:ext uri="{FF2B5EF4-FFF2-40B4-BE49-F238E27FC236}">
-                  <a16:creationId xmlns:a16="http://schemas.microsoft.com/office/drawing/2014/main" id="{FDA76875-36FC-0147-A543-84EAD3A93973}"/>
-                </a:ext>
-              </a:extLst>
-            </p:cNvPr>
-            <p:cNvPicPr>
-              <a:picLocks noChangeAspect="1"/>
-            </p:cNvPicPr>
-            <p:nvPr/>
-          </p:nvPicPr>
-          <p:blipFill>
-            <a:blip r:embed="rId14"/>
-            <a:stretch>
-              <a:fillRect/>
-            </a:stretch>
-          </p:blipFill>
-          <p:spPr>
-            <a:xfrm>
-              <a:off x="1580709" y="6937752"/>
-              <a:ext cx="2183218" cy="1091609"/>
-            </a:xfrm>
-            <a:prstGeom prst="rect">
-              <a:avLst/>
-            </a:prstGeom>
-          </p:spPr>
-        </p:pic>
-        <p:pic>
-          <p:nvPicPr>
-            <p:cNvPr id="118" name="Picture 117" descr="A screenshot of a cell phone&#10;&#10;Description automatically generated">
-              <a:extLst>
-                <a:ext uri="{FF2B5EF4-FFF2-40B4-BE49-F238E27FC236}">
-                  <a16:creationId xmlns:a16="http://schemas.microsoft.com/office/drawing/2014/main" id="{4B3CE44A-CAD9-BC42-B243-7221937F4AC7}"/>
-                </a:ext>
-              </a:extLst>
-            </p:cNvPr>
-            <p:cNvPicPr>
-              <a:picLocks noChangeAspect="1"/>
-            </p:cNvPicPr>
-            <p:nvPr/>
-          </p:nvPicPr>
-          <p:blipFill>
-            <a:blip r:embed="rId15"/>
-            <a:stretch>
-              <a:fillRect/>
-            </a:stretch>
-          </p:blipFill>
-          <p:spPr>
-            <a:xfrm>
-              <a:off x="309096" y="6931339"/>
-              <a:ext cx="1453116" cy="1089837"/>
-            </a:xfrm>
-            <a:prstGeom prst="rect">
-              <a:avLst/>
-            </a:prstGeom>
-          </p:spPr>
-        </p:pic>
-      </p:grpSp>
+          <a:prstGeom prst="rect">
+            <a:avLst/>
+          </a:prstGeom>
+        </p:spPr>
+      </p:pic>
+      <p:pic>
+        <p:nvPicPr>
+          <p:cNvPr id="118" name="Picture 117" descr="A screenshot of a cell phone&#10;&#10;Description automatically generated">
+            <a:extLst>
+              <a:ext uri="{FF2B5EF4-FFF2-40B4-BE49-F238E27FC236}">
+                <a16:creationId xmlns:a16="http://schemas.microsoft.com/office/drawing/2014/main" id="{4B3CE44A-CAD9-BC42-B243-7221937F4AC7}"/>
+              </a:ext>
+            </a:extLst>
+          </p:cNvPr>
+          <p:cNvPicPr>
+            <a:picLocks noChangeAspect="1"/>
+          </p:cNvPicPr>
+          <p:nvPr/>
+        </p:nvPicPr>
+        <p:blipFill>
+          <a:blip r:embed="rId16"/>
+          <a:stretch>
+            <a:fillRect/>
+          </a:stretch>
+        </p:blipFill>
+        <p:spPr>
+          <a:xfrm>
+            <a:off x="309100" y="6262172"/>
+            <a:ext cx="1311801" cy="983850"/>
+          </a:xfrm>
+          <a:prstGeom prst="rect">
+            <a:avLst/>
+          </a:prstGeom>
+        </p:spPr>
+      </p:pic>
       <p:grpSp>
         <p:nvGrpSpPr>
           <p:cNvPr id="128" name="Group 127">
@@ -7880,7 +8404,7 @@
         </p:nvGrpSpPr>
         <p:grpSpPr>
           <a:xfrm>
-            <a:off x="3514096" y="6922907"/>
+            <a:off x="3514096" y="6270563"/>
             <a:ext cx="3113834" cy="992815"/>
             <a:chOff x="3514096" y="6953905"/>
             <a:chExt cx="3113834" cy="992815"/>
@@ -7901,7 +8425,7 @@
             <p:nvPr/>
           </p:nvPicPr>
           <p:blipFill>
-            <a:blip r:embed="rId16"/>
+            <a:blip r:embed="rId17"/>
             <a:stretch>
               <a:fillRect/>
             </a:stretch>
@@ -7931,7 +8455,7 @@
             <p:nvPr/>
           </p:nvPicPr>
           <p:blipFill>
-            <a:blip r:embed="rId17"/>
+            <a:blip r:embed="rId18"/>
             <a:stretch>
               <a:fillRect/>
             </a:stretch>
@@ -7961,8 +8485,8 @@
         </p:nvSpPr>
         <p:spPr>
           <a:xfrm>
-            <a:off x="353311" y="8078100"/>
-            <a:ext cx="3074634" cy="830997"/>
+            <a:off x="353311" y="7383029"/>
+            <a:ext cx="3074634" cy="584775"/>
           </a:xfrm>
           <a:prstGeom prst="rect">
             <a:avLst/>
@@ -8076,199 +8600,103 @@
           </a:p>
           <a:p>
             <a:r>
+              <a:rPr lang="zh-CN" altLang="en-US" sz="800" dirty="0">
+                <a:latin typeface="Times New Roman" panose="02020603050405020304" pitchFamily="18" charset="0"/>
+                <a:cs typeface="Times New Roman" panose="02020603050405020304" pitchFamily="18" charset="0"/>
+              </a:rPr>
+              <a:t>       * </a:t>
+            </a:r>
+            <a:r>
+              <a:rPr lang="en-US" altLang="zh-CN" sz="800" dirty="0">
+                <a:latin typeface="Times New Roman" panose="02020603050405020304" pitchFamily="18" charset="0"/>
+                <a:cs typeface="Times New Roman" panose="02020603050405020304" pitchFamily="18" charset="0"/>
+              </a:rPr>
+              <a:t>S</a:t>
+            </a:r>
+            <a:r>
               <a:rPr lang="en-US" sz="800" dirty="0">
                 <a:latin typeface="Times New Roman" panose="02020603050405020304" pitchFamily="18" charset="0"/>
                 <a:cs typeface="Times New Roman" panose="02020603050405020304" pitchFamily="18" charset="0"/>
               </a:rPr>
-              <a:t>The results showed that </a:t>
-            </a:r>
-            <a:r>
-              <a:rPr lang="en-US" altLang="zh-CN" sz="800" dirty="0">
-                <a:latin typeface="Times New Roman" panose="02020603050405020304" pitchFamily="18" charset="0"/>
-                <a:cs typeface="Times New Roman" panose="02020603050405020304" pitchFamily="18" charset="0"/>
-              </a:rPr>
-              <a:t>the</a:t>
-            </a:r>
-            <a:r>
-              <a:rPr lang="zh-CN" altLang="en-US" sz="800" dirty="0">
-                <a:latin typeface="Times New Roman" panose="02020603050405020304" pitchFamily="18" charset="0"/>
-                <a:cs typeface="Times New Roman" panose="02020603050405020304" pitchFamily="18" charset="0"/>
-              </a:rPr>
-              <a:t> </a:t>
-            </a:r>
-            <a:r>
-              <a:rPr lang="en-US" altLang="zh-CN" sz="800" dirty="0">
-                <a:latin typeface="Times New Roman" panose="02020603050405020304" pitchFamily="18" charset="0"/>
-                <a:cs typeface="Times New Roman" panose="02020603050405020304" pitchFamily="18" charset="0"/>
-              </a:rPr>
-              <a:t>within-subject</a:t>
-            </a:r>
-            <a:r>
-              <a:rPr lang="zh-CN" altLang="en-US" sz="800" dirty="0">
-                <a:latin typeface="Times New Roman" panose="02020603050405020304" pitchFamily="18" charset="0"/>
-                <a:cs typeface="Times New Roman" panose="02020603050405020304" pitchFamily="18" charset="0"/>
-              </a:rPr>
-              <a:t> </a:t>
-            </a:r>
-            <a:r>
-              <a:rPr lang="en-US" altLang="zh-CN" sz="800" dirty="0">
-                <a:latin typeface="Times New Roman" panose="02020603050405020304" pitchFamily="18" charset="0"/>
-                <a:cs typeface="Times New Roman" panose="02020603050405020304" pitchFamily="18" charset="0"/>
-              </a:rPr>
-              <a:t>correlations</a:t>
-            </a:r>
-            <a:r>
-              <a:rPr lang="zh-CN" altLang="en-US" sz="800" dirty="0">
-                <a:latin typeface="Times New Roman" panose="02020603050405020304" pitchFamily="18" charset="0"/>
-                <a:cs typeface="Times New Roman" panose="02020603050405020304" pitchFamily="18" charset="0"/>
-              </a:rPr>
-              <a:t> </a:t>
-            </a:r>
-            <a:r>
-              <a:rPr lang="en-US" altLang="zh-CN" sz="800" dirty="0">
-                <a:latin typeface="Times New Roman" panose="02020603050405020304" pitchFamily="18" charset="0"/>
-                <a:cs typeface="Times New Roman" panose="02020603050405020304" pitchFamily="18" charset="0"/>
-              </a:rPr>
-              <a:t>of</a:t>
-            </a:r>
-            <a:r>
-              <a:rPr lang="zh-CN" altLang="en-US" sz="800" dirty="0">
-                <a:latin typeface="Times New Roman" panose="02020603050405020304" pitchFamily="18" charset="0"/>
-                <a:cs typeface="Times New Roman" panose="02020603050405020304" pitchFamily="18" charset="0"/>
-              </a:rPr>
-              <a:t> </a:t>
+              <a:t>igni</a:t>
+            </a:r>
+            <a:r>
+              <a:rPr lang="en-US" altLang="zh-CN" sz="800" dirty="0">
+                <a:latin typeface="Times New Roman" panose="02020603050405020304" pitchFamily="18" charset="0"/>
+                <a:cs typeface="Times New Roman" panose="02020603050405020304" pitchFamily="18" charset="0"/>
+              </a:rPr>
+              <a:t>fi</a:t>
             </a:r>
             <a:r>
               <a:rPr lang="en-US" sz="800" dirty="0">
                 <a:latin typeface="Times New Roman" panose="02020603050405020304" pitchFamily="18" charset="0"/>
                 <a:cs typeface="Times New Roman" panose="02020603050405020304" pitchFamily="18" charset="0"/>
               </a:rPr>
-              <a:t>NPS responses </a:t>
-            </a:r>
-            <a:r>
-              <a:rPr lang="en-US" altLang="zh-CN" sz="800" dirty="0">
-                <a:latin typeface="Times New Roman" panose="02020603050405020304" pitchFamily="18" charset="0"/>
-                <a:cs typeface="Times New Roman" panose="02020603050405020304" pitchFamily="18" charset="0"/>
-              </a:rPr>
-              <a:t>with</a:t>
-            </a:r>
-            <a:r>
-              <a:rPr lang="zh-CN" altLang="en-US" sz="800" dirty="0">
-                <a:latin typeface="Times New Roman" panose="02020603050405020304" pitchFamily="18" charset="0"/>
-                <a:cs typeface="Times New Roman" panose="02020603050405020304" pitchFamily="18" charset="0"/>
-              </a:rPr>
-              <a:t> </a:t>
-            </a:r>
-            <a:r>
-              <a:rPr lang="en-US" altLang="zh-CN" sz="800" dirty="0">
-                <a:latin typeface="Times New Roman" panose="02020603050405020304" pitchFamily="18" charset="0"/>
-                <a:cs typeface="Times New Roman" panose="02020603050405020304" pitchFamily="18" charset="0"/>
-              </a:rPr>
-              <a:t>the</a:t>
-            </a:r>
-            <a:r>
-              <a:rPr lang="zh-CN" altLang="en-US" sz="800" dirty="0">
-                <a:latin typeface="Times New Roman" panose="02020603050405020304" pitchFamily="18" charset="0"/>
-                <a:cs typeface="Times New Roman" panose="02020603050405020304" pitchFamily="18" charset="0"/>
-              </a:rPr>
-              <a:t> </a:t>
-            </a:r>
-            <a:r>
-              <a:rPr lang="en-US" altLang="zh-CN" sz="800" dirty="0">
-                <a:latin typeface="Times New Roman" panose="02020603050405020304" pitchFamily="18" charset="0"/>
-                <a:cs typeface="Times New Roman" panose="02020603050405020304" pitchFamily="18" charset="0"/>
-              </a:rPr>
-              <a:t>subjective</a:t>
-            </a:r>
-            <a:r>
-              <a:rPr lang="zh-CN" altLang="en-US" sz="800" dirty="0">
-                <a:latin typeface="Times New Roman" panose="02020603050405020304" pitchFamily="18" charset="0"/>
-                <a:cs typeface="Times New Roman" panose="02020603050405020304" pitchFamily="18" charset="0"/>
-              </a:rPr>
-              <a:t> </a:t>
-            </a:r>
-            <a:r>
-              <a:rPr lang="en-US" altLang="zh-CN" sz="800" dirty="0">
-                <a:latin typeface="Times New Roman" panose="02020603050405020304" pitchFamily="18" charset="0"/>
-                <a:cs typeface="Times New Roman" panose="02020603050405020304" pitchFamily="18" charset="0"/>
-              </a:rPr>
-              <a:t>pain</a:t>
-            </a:r>
-            <a:r>
-              <a:rPr lang="zh-CN" altLang="en-US" sz="800" dirty="0">
-                <a:latin typeface="Times New Roman" panose="02020603050405020304" pitchFamily="18" charset="0"/>
-                <a:cs typeface="Times New Roman" panose="02020603050405020304" pitchFamily="18" charset="0"/>
-              </a:rPr>
-              <a:t> </a:t>
-            </a:r>
-            <a:r>
-              <a:rPr lang="en-US" altLang="zh-CN" sz="800" dirty="0">
-                <a:latin typeface="Times New Roman" panose="02020603050405020304" pitchFamily="18" charset="0"/>
-                <a:cs typeface="Times New Roman" panose="02020603050405020304" pitchFamily="18" charset="0"/>
-              </a:rPr>
-              <a:t>ratings</a:t>
+              <a:t>cantly greater than zero</a:t>
+            </a:r>
+            <a:r>
+              <a:rPr lang="zh-CN" altLang="en-US" sz="800" dirty="0">
+                <a:latin typeface="Times New Roman" panose="02020603050405020304" pitchFamily="18" charset="0"/>
+                <a:cs typeface="Times New Roman" panose="02020603050405020304" pitchFamily="18" charset="0"/>
+              </a:rPr>
+              <a:t> </a:t>
             </a:r>
             <a:r>
               <a:rPr lang="en-US" sz="800" dirty="0">
                 <a:latin typeface="Times New Roman" panose="02020603050405020304" pitchFamily="18" charset="0"/>
                 <a:cs typeface="Times New Roman" panose="02020603050405020304" pitchFamily="18" charset="0"/>
               </a:rPr>
-              <a:t> are signi</a:t>
-            </a:r>
-            <a:r>
-              <a:rPr lang="en-US" altLang="zh-CN" sz="800" dirty="0">
-                <a:latin typeface="Times New Roman" panose="02020603050405020304" pitchFamily="18" charset="0"/>
-                <a:cs typeface="Times New Roman" panose="02020603050405020304" pitchFamily="18" charset="0"/>
-              </a:rPr>
-              <a:t>fi</a:t>
+              <a:t>in each of </a:t>
+            </a:r>
+            <a:r>
+              <a:rPr lang="en-US" altLang="zh-CN" sz="800" dirty="0">
+                <a:latin typeface="Times New Roman" panose="02020603050405020304" pitchFamily="18" charset="0"/>
+                <a:cs typeface="Times New Roman" panose="02020603050405020304" pitchFamily="18" charset="0"/>
+              </a:rPr>
+              <a:t>9</a:t>
             </a:r>
             <a:r>
               <a:rPr lang="en-US" sz="800" dirty="0">
                 <a:latin typeface="Times New Roman" panose="02020603050405020304" pitchFamily="18" charset="0"/>
                 <a:cs typeface="Times New Roman" panose="02020603050405020304" pitchFamily="18" charset="0"/>
               </a:rPr>
-              <a:t>cantly greater than zero</a:t>
-            </a:r>
-            <a:r>
-              <a:rPr lang="zh-CN" altLang="en-US" sz="800" dirty="0">
-                <a:latin typeface="Times New Roman" panose="02020603050405020304" pitchFamily="18" charset="0"/>
-                <a:cs typeface="Times New Roman" panose="02020603050405020304" pitchFamily="18" charset="0"/>
-              </a:rPr>
-              <a:t> </a:t>
+              <a:t> studies tested</a:t>
+            </a:r>
+          </a:p>
+          <a:p>
+            <a:r>
+              <a:rPr lang="zh-CN" altLang="en-US" sz="800" dirty="0">
+                <a:latin typeface="Times New Roman" panose="02020603050405020304" pitchFamily="18" charset="0"/>
+                <a:cs typeface="Times New Roman" panose="02020603050405020304" pitchFamily="18" charset="0"/>
+              </a:rPr>
+              <a:t>       * </a:t>
+            </a:r>
+            <a:r>
+              <a:rPr lang="en-US" altLang="zh-CN" sz="800" dirty="0">
+                <a:latin typeface="Times New Roman" panose="02020603050405020304" pitchFamily="18" charset="0"/>
+                <a:cs typeface="Times New Roman" panose="02020603050405020304" pitchFamily="18" charset="0"/>
+              </a:rPr>
+              <a:t>E</a:t>
             </a:r>
             <a:r>
               <a:rPr lang="en-US" sz="800" dirty="0">
                 <a:latin typeface="Times New Roman" panose="02020603050405020304" pitchFamily="18" charset="0"/>
                 <a:cs typeface="Times New Roman" panose="02020603050405020304" pitchFamily="18" charset="0"/>
               </a:rPr>
-              <a:t>in each of </a:t>
-            </a:r>
-            <a:r>
-              <a:rPr lang="en-US" altLang="zh-CN" sz="800" dirty="0">
-                <a:latin typeface="Times New Roman" panose="02020603050405020304" pitchFamily="18" charset="0"/>
-                <a:cs typeface="Times New Roman" panose="02020603050405020304" pitchFamily="18" charset="0"/>
-              </a:rPr>
-              <a:t>9</a:t>
+              <a:t>ffect sizes ranging from Cohen‘s d = </a:t>
+            </a:r>
+            <a:r>
+              <a:rPr lang="en-US" altLang="zh-CN" sz="800" dirty="0">
+                <a:latin typeface="Times New Roman" panose="02020603050405020304" pitchFamily="18" charset="0"/>
+                <a:cs typeface="Times New Roman" panose="02020603050405020304" pitchFamily="18" charset="0"/>
+              </a:rPr>
+              <a:t>0.29</a:t>
             </a:r>
             <a:r>
               <a:rPr lang="en-US" sz="800" dirty="0">
                 <a:latin typeface="Times New Roman" panose="02020603050405020304" pitchFamily="18" charset="0"/>
                 <a:cs typeface="Times New Roman" panose="02020603050405020304" pitchFamily="18" charset="0"/>
               </a:rPr>
-              <a:t> studies tested, with effect sizes ranging from Cohen‘s d = </a:t>
-            </a:r>
-            <a:r>
-              <a:rPr lang="en-US" altLang="zh-CN" sz="800" dirty="0">
-                <a:latin typeface="Times New Roman" panose="02020603050405020304" pitchFamily="18" charset="0"/>
-                <a:cs typeface="Times New Roman" panose="02020603050405020304" pitchFamily="18" charset="0"/>
-              </a:rPr>
-              <a:t>0.29</a:t>
-            </a:r>
-            <a:r>
-              <a:rPr lang="en-US" sz="800" dirty="0">
-                <a:latin typeface="Times New Roman" panose="02020603050405020304" pitchFamily="18" charset="0"/>
-                <a:cs typeface="Times New Roman" panose="02020603050405020304" pitchFamily="18" charset="0"/>
-              </a:rPr>
               <a:t> to </a:t>
             </a:r>
             <a:r>
@@ -8278,96 +8706,14 @@
               </a:rPr>
               <a:t>2.13</a:t>
             </a:r>
-            <a:r>
-              <a:rPr lang="en-US" sz="800" dirty="0">
-                <a:latin typeface="Times New Roman" panose="02020603050405020304" pitchFamily="18" charset="0"/>
-                <a:cs typeface="Times New Roman" panose="02020603050405020304" pitchFamily="18" charset="0"/>
-              </a:rPr>
-              <a:t>. A</a:t>
-            </a:r>
-            <a:r>
-              <a:rPr lang="en-US" altLang="zh-CN" sz="800" dirty="0">
-                <a:latin typeface="Times New Roman" panose="02020603050405020304" pitchFamily="18" charset="0"/>
-                <a:cs typeface="Times New Roman" panose="02020603050405020304" pitchFamily="18" charset="0"/>
-              </a:rPr>
-              <a:t>mong</a:t>
-            </a:r>
-            <a:r>
-              <a:rPr lang="zh-CN" altLang="en-US" sz="800" dirty="0">
-                <a:latin typeface="Times New Roman" panose="02020603050405020304" pitchFamily="18" charset="0"/>
-                <a:cs typeface="Times New Roman" panose="02020603050405020304" pitchFamily="18" charset="0"/>
-              </a:rPr>
-              <a:t> </a:t>
-            </a:r>
-            <a:r>
-              <a:rPr lang="en-US" altLang="zh-CN" sz="800" dirty="0">
-                <a:latin typeface="Times New Roman" panose="02020603050405020304" pitchFamily="18" charset="0"/>
-                <a:cs typeface="Times New Roman" panose="02020603050405020304" pitchFamily="18" charset="0"/>
-              </a:rPr>
-              <a:t>the</a:t>
-            </a:r>
-            <a:r>
-              <a:rPr lang="zh-CN" altLang="en-US" sz="800" dirty="0">
-                <a:latin typeface="Times New Roman" panose="02020603050405020304" pitchFamily="18" charset="0"/>
-                <a:cs typeface="Times New Roman" panose="02020603050405020304" pitchFamily="18" charset="0"/>
-              </a:rPr>
-              <a:t> </a:t>
-            </a:r>
-            <a:r>
-              <a:rPr lang="en-US" altLang="zh-CN" sz="800" dirty="0">
-                <a:latin typeface="Times New Roman" panose="02020603050405020304" pitchFamily="18" charset="0"/>
-                <a:cs typeface="Times New Roman" panose="02020603050405020304" pitchFamily="18" charset="0"/>
-              </a:rPr>
-              <a:t>three</a:t>
-            </a:r>
-            <a:r>
-              <a:rPr lang="zh-CN" altLang="en-US" sz="800" dirty="0">
-                <a:latin typeface="Times New Roman" panose="02020603050405020304" pitchFamily="18" charset="0"/>
-                <a:cs typeface="Times New Roman" panose="02020603050405020304" pitchFamily="18" charset="0"/>
-              </a:rPr>
-              <a:t> </a:t>
-            </a:r>
-            <a:r>
-              <a:rPr lang="en-US" altLang="zh-CN" sz="800" dirty="0">
-                <a:latin typeface="Times New Roman" panose="02020603050405020304" pitchFamily="18" charset="0"/>
-                <a:cs typeface="Times New Roman" panose="02020603050405020304" pitchFamily="18" charset="0"/>
-              </a:rPr>
-              <a:t>pattern</a:t>
-            </a:r>
-            <a:r>
-              <a:rPr lang="zh-CN" altLang="en-US" sz="800" dirty="0">
-                <a:latin typeface="Times New Roman" panose="02020603050405020304" pitchFamily="18" charset="0"/>
-                <a:cs typeface="Times New Roman" panose="02020603050405020304" pitchFamily="18" charset="0"/>
-              </a:rPr>
-              <a:t> </a:t>
-            </a:r>
-            <a:r>
-              <a:rPr lang="en-US" altLang="zh-CN" sz="800" dirty="0">
-                <a:latin typeface="Times New Roman" panose="02020603050405020304" pitchFamily="18" charset="0"/>
-                <a:cs typeface="Times New Roman" panose="02020603050405020304" pitchFamily="18" charset="0"/>
-              </a:rPr>
-              <a:t>expression</a:t>
-            </a:r>
-            <a:r>
-              <a:rPr lang="zh-CN" altLang="en-US" sz="800" dirty="0">
-                <a:latin typeface="Times New Roman" panose="02020603050405020304" pitchFamily="18" charset="0"/>
-                <a:cs typeface="Times New Roman" panose="02020603050405020304" pitchFamily="18" charset="0"/>
-              </a:rPr>
-              <a:t> </a:t>
-            </a:r>
-            <a:r>
-              <a:rPr lang="en-US" altLang="zh-CN" sz="800" dirty="0">
-                <a:latin typeface="Times New Roman" panose="02020603050405020304" pitchFamily="18" charset="0"/>
-                <a:cs typeface="Times New Roman" panose="02020603050405020304" pitchFamily="18" charset="0"/>
-              </a:rPr>
-              <a:t>indexes,</a:t>
-            </a:r>
-            <a:r>
-              <a:rPr lang="zh-CN" altLang="en-US" sz="800" dirty="0">
-                <a:latin typeface="Times New Roman" panose="02020603050405020304" pitchFamily="18" charset="0"/>
-                <a:cs typeface="Times New Roman" panose="02020603050405020304" pitchFamily="18" charset="0"/>
-              </a:rPr>
-              <a:t> </a:t>
+          </a:p>
+          <a:p>
+            <a:r>
+              <a:rPr lang="zh-CN" altLang="en-US" sz="800" dirty="0">
+                <a:latin typeface="Times New Roman" panose="02020603050405020304" pitchFamily="18" charset="0"/>
+                <a:cs typeface="Times New Roman" panose="02020603050405020304" pitchFamily="18" charset="0"/>
+              </a:rPr>
+              <a:t>       * </a:t>
             </a:r>
             <a:r>
               <a:rPr lang="en-US" altLang="zh-CN" sz="800" dirty="0" err="1">
@@ -8496,14 +8842,14 @@
           <p:nvPr/>
         </p:nvPicPr>
         <p:blipFill>
-          <a:blip r:embed="rId18"/>
+          <a:blip r:embed="rId19"/>
           <a:stretch>
             <a:fillRect/>
           </a:stretch>
         </p:blipFill>
         <p:spPr>
           <a:xfrm>
-            <a:off x="272570" y="9031335"/>
+            <a:off x="272571" y="8062796"/>
             <a:ext cx="1311803" cy="983853"/>
           </a:xfrm>
           <a:prstGeom prst="rect">
@@ -8525,8 +8871,8 @@
         </p:nvSpPr>
         <p:spPr>
           <a:xfrm>
-            <a:off x="3429002" y="8078100"/>
-            <a:ext cx="3167779" cy="830997"/>
+            <a:off x="3429003" y="7383029"/>
+            <a:ext cx="3167779" cy="584775"/>
           </a:xfrm>
           <a:prstGeom prst="rect">
             <a:avLst/>
@@ -8668,214 +9014,125 @@
           </a:p>
           <a:p>
             <a:r>
+              <a:rPr lang="zh-CN" altLang="en-US" sz="800" dirty="0">
+                <a:latin typeface="Times New Roman" panose="02020603050405020304" pitchFamily="18" charset="0"/>
+                <a:cs typeface="Times New Roman" panose="02020603050405020304" pitchFamily="18" charset="0"/>
+              </a:rPr>
+              <a:t>       *</a:t>
+            </a:r>
+            <a:r>
               <a:rPr lang="en-US" sz="800" dirty="0">
                 <a:latin typeface="Times New Roman" panose="02020603050405020304" pitchFamily="18" charset="0"/>
                 <a:cs typeface="Times New Roman" panose="02020603050405020304" pitchFamily="18" charset="0"/>
               </a:rPr>
-              <a:t>The results showed that </a:t>
-            </a:r>
-            <a:r>
-              <a:rPr lang="en-US" altLang="zh-CN" sz="800" dirty="0">
-                <a:latin typeface="Times New Roman" panose="02020603050405020304" pitchFamily="18" charset="0"/>
-                <a:cs typeface="Times New Roman" panose="02020603050405020304" pitchFamily="18" charset="0"/>
-              </a:rPr>
-              <a:t>the</a:t>
-            </a:r>
-            <a:r>
-              <a:rPr lang="zh-CN" altLang="en-US" sz="800" dirty="0">
-                <a:latin typeface="Times New Roman" panose="02020603050405020304" pitchFamily="18" charset="0"/>
-                <a:cs typeface="Times New Roman" panose="02020603050405020304" pitchFamily="18" charset="0"/>
-              </a:rPr>
-              <a:t> </a:t>
-            </a:r>
-            <a:r>
-              <a:rPr lang="en-US" altLang="zh-CN" sz="800" dirty="0">
-                <a:latin typeface="Times New Roman" panose="02020603050405020304" pitchFamily="18" charset="0"/>
-                <a:cs typeface="Times New Roman" panose="02020603050405020304" pitchFamily="18" charset="0"/>
-              </a:rPr>
-              <a:t>between-subject</a:t>
-            </a:r>
-            <a:r>
-              <a:rPr lang="zh-CN" altLang="en-US" sz="800" dirty="0">
-                <a:latin typeface="Times New Roman" panose="02020603050405020304" pitchFamily="18" charset="0"/>
-                <a:cs typeface="Times New Roman" panose="02020603050405020304" pitchFamily="18" charset="0"/>
-              </a:rPr>
-              <a:t> </a:t>
-            </a:r>
-            <a:r>
-              <a:rPr lang="en-US" altLang="zh-CN" sz="800" dirty="0">
-                <a:latin typeface="Times New Roman" panose="02020603050405020304" pitchFamily="18" charset="0"/>
-                <a:cs typeface="Times New Roman" panose="02020603050405020304" pitchFamily="18" charset="0"/>
-              </a:rPr>
-              <a:t>correlations</a:t>
-            </a:r>
-            <a:r>
-              <a:rPr lang="zh-CN" altLang="en-US" sz="800" dirty="0">
-                <a:latin typeface="Times New Roman" panose="02020603050405020304" pitchFamily="18" charset="0"/>
-                <a:cs typeface="Times New Roman" panose="02020603050405020304" pitchFamily="18" charset="0"/>
-              </a:rPr>
-              <a:t> </a:t>
-            </a:r>
-            <a:r>
-              <a:rPr lang="en-US" altLang="zh-CN" sz="800" dirty="0">
-                <a:latin typeface="Times New Roman" panose="02020603050405020304" pitchFamily="18" charset="0"/>
-                <a:cs typeface="Times New Roman" panose="02020603050405020304" pitchFamily="18" charset="0"/>
-              </a:rPr>
-              <a:t>of</a:t>
-            </a:r>
-            <a:r>
-              <a:rPr lang="zh-CN" altLang="en-US" sz="800" dirty="0">
-                <a:latin typeface="Times New Roman" panose="02020603050405020304" pitchFamily="18" charset="0"/>
-                <a:cs typeface="Times New Roman" panose="02020603050405020304" pitchFamily="18" charset="0"/>
-              </a:rPr>
-              <a:t> </a:t>
+              <a:t> </a:t>
+            </a:r>
+            <a:r>
+              <a:rPr lang="en-US" altLang="zh-CN" sz="800" dirty="0">
+                <a:latin typeface="Times New Roman" panose="02020603050405020304" pitchFamily="18" charset="0"/>
+                <a:cs typeface="Times New Roman" panose="02020603050405020304" pitchFamily="18" charset="0"/>
+              </a:rPr>
+              <a:t>S</a:t>
             </a:r>
             <a:r>
               <a:rPr lang="en-US" sz="800" dirty="0">
                 <a:latin typeface="Times New Roman" panose="02020603050405020304" pitchFamily="18" charset="0"/>
                 <a:cs typeface="Times New Roman" panose="02020603050405020304" pitchFamily="18" charset="0"/>
               </a:rPr>
-              <a:t>NPS responses </a:t>
-            </a:r>
-            <a:r>
-              <a:rPr lang="en-US" altLang="zh-CN" sz="800" dirty="0">
-                <a:latin typeface="Times New Roman" panose="02020603050405020304" pitchFamily="18" charset="0"/>
-                <a:cs typeface="Times New Roman" panose="02020603050405020304" pitchFamily="18" charset="0"/>
-              </a:rPr>
-              <a:t>with</a:t>
-            </a:r>
-            <a:r>
-              <a:rPr lang="zh-CN" altLang="en-US" sz="800" dirty="0">
-                <a:latin typeface="Times New Roman" panose="02020603050405020304" pitchFamily="18" charset="0"/>
-                <a:cs typeface="Times New Roman" panose="02020603050405020304" pitchFamily="18" charset="0"/>
-              </a:rPr>
-              <a:t> </a:t>
-            </a:r>
-            <a:r>
-              <a:rPr lang="en-US" altLang="zh-CN" sz="800" dirty="0">
-                <a:latin typeface="Times New Roman" panose="02020603050405020304" pitchFamily="18" charset="0"/>
-                <a:cs typeface="Times New Roman" panose="02020603050405020304" pitchFamily="18" charset="0"/>
-              </a:rPr>
-              <a:t>the</a:t>
-            </a:r>
-            <a:r>
-              <a:rPr lang="zh-CN" altLang="en-US" sz="800" dirty="0">
-                <a:latin typeface="Times New Roman" panose="02020603050405020304" pitchFamily="18" charset="0"/>
-                <a:cs typeface="Times New Roman" panose="02020603050405020304" pitchFamily="18" charset="0"/>
-              </a:rPr>
-              <a:t> </a:t>
-            </a:r>
-            <a:r>
-              <a:rPr lang="en-US" altLang="zh-CN" sz="800" dirty="0">
-                <a:latin typeface="Times New Roman" panose="02020603050405020304" pitchFamily="18" charset="0"/>
-                <a:cs typeface="Times New Roman" panose="02020603050405020304" pitchFamily="18" charset="0"/>
-              </a:rPr>
-              <a:t>subjective</a:t>
-            </a:r>
-            <a:r>
-              <a:rPr lang="zh-CN" altLang="en-US" sz="800" dirty="0">
-                <a:latin typeface="Times New Roman" panose="02020603050405020304" pitchFamily="18" charset="0"/>
-                <a:cs typeface="Times New Roman" panose="02020603050405020304" pitchFamily="18" charset="0"/>
-              </a:rPr>
-              <a:t> </a:t>
-            </a:r>
-            <a:r>
-              <a:rPr lang="en-US" altLang="zh-CN" sz="800" dirty="0">
-                <a:latin typeface="Times New Roman" panose="02020603050405020304" pitchFamily="18" charset="0"/>
-                <a:cs typeface="Times New Roman" panose="02020603050405020304" pitchFamily="18" charset="0"/>
-              </a:rPr>
-              <a:t>pain</a:t>
-            </a:r>
-            <a:r>
-              <a:rPr lang="zh-CN" altLang="en-US" sz="800" dirty="0">
-                <a:latin typeface="Times New Roman" panose="02020603050405020304" pitchFamily="18" charset="0"/>
-                <a:cs typeface="Times New Roman" panose="02020603050405020304" pitchFamily="18" charset="0"/>
-              </a:rPr>
-              <a:t> </a:t>
-            </a:r>
-            <a:r>
-              <a:rPr lang="en-US" altLang="zh-CN" sz="800" dirty="0">
-                <a:latin typeface="Times New Roman" panose="02020603050405020304" pitchFamily="18" charset="0"/>
-                <a:cs typeface="Times New Roman" panose="02020603050405020304" pitchFamily="18" charset="0"/>
-              </a:rPr>
-              <a:t>ratings</a:t>
+              <a:t>igni</a:t>
+            </a:r>
+            <a:r>
+              <a:rPr lang="en-US" altLang="zh-CN" sz="800" dirty="0">
+                <a:latin typeface="Times New Roman" panose="02020603050405020304" pitchFamily="18" charset="0"/>
+                <a:cs typeface="Times New Roman" panose="02020603050405020304" pitchFamily="18" charset="0"/>
+              </a:rPr>
+              <a:t>fi</a:t>
             </a:r>
             <a:r>
               <a:rPr lang="en-US" sz="800" dirty="0">
                 <a:latin typeface="Times New Roman" panose="02020603050405020304" pitchFamily="18" charset="0"/>
                 <a:cs typeface="Times New Roman" panose="02020603050405020304" pitchFamily="18" charset="0"/>
               </a:rPr>
-              <a:t> are signi</a:t>
-            </a:r>
-            <a:r>
-              <a:rPr lang="en-US" altLang="zh-CN" sz="800" dirty="0">
-                <a:latin typeface="Times New Roman" panose="02020603050405020304" pitchFamily="18" charset="0"/>
-                <a:cs typeface="Times New Roman" panose="02020603050405020304" pitchFamily="18" charset="0"/>
-              </a:rPr>
-              <a:t>fi</a:t>
+              <a:t>cantly greater than zero</a:t>
+            </a:r>
+            <a:r>
+              <a:rPr lang="zh-CN" altLang="en-US" sz="800" dirty="0">
+                <a:latin typeface="Times New Roman" panose="02020603050405020304" pitchFamily="18" charset="0"/>
+                <a:cs typeface="Times New Roman" panose="02020603050405020304" pitchFamily="18" charset="0"/>
+              </a:rPr>
+              <a:t> </a:t>
             </a:r>
             <a:r>
               <a:rPr lang="en-US" sz="800" dirty="0">
                 <a:latin typeface="Times New Roman" panose="02020603050405020304" pitchFamily="18" charset="0"/>
                 <a:cs typeface="Times New Roman" panose="02020603050405020304" pitchFamily="18" charset="0"/>
               </a:rPr>
-              <a:t>cantly greater than zero</a:t>
-            </a:r>
-            <a:r>
-              <a:rPr lang="zh-CN" altLang="en-US" sz="800" dirty="0">
-                <a:latin typeface="Times New Roman" panose="02020603050405020304" pitchFamily="18" charset="0"/>
-                <a:cs typeface="Times New Roman" panose="02020603050405020304" pitchFamily="18" charset="0"/>
-              </a:rPr>
-              <a:t> </a:t>
+              <a:t>in </a:t>
+            </a:r>
+            <a:r>
+              <a:rPr lang="en-US" altLang="zh-CN" sz="800" dirty="0">
+                <a:latin typeface="Times New Roman" panose="02020603050405020304" pitchFamily="18" charset="0"/>
+                <a:cs typeface="Times New Roman" panose="02020603050405020304" pitchFamily="18" charset="0"/>
+              </a:rPr>
+              <a:t>3</a:t>
+            </a:r>
+            <a:r>
+              <a:rPr lang="zh-CN" altLang="en-US" sz="800" dirty="0">
+                <a:latin typeface="Times New Roman" panose="02020603050405020304" pitchFamily="18" charset="0"/>
+                <a:cs typeface="Times New Roman" panose="02020603050405020304" pitchFamily="18" charset="0"/>
+              </a:rPr>
+              <a:t> </a:t>
+            </a:r>
+            <a:r>
+              <a:rPr lang="en-US" altLang="zh-CN" sz="800" dirty="0">
+                <a:latin typeface="Times New Roman" panose="02020603050405020304" pitchFamily="18" charset="0"/>
+                <a:cs typeface="Times New Roman" panose="02020603050405020304" pitchFamily="18" charset="0"/>
+              </a:rPr>
+              <a:t>out</a:t>
             </a:r>
             <a:r>
               <a:rPr lang="en-US" sz="800" dirty="0">
                 <a:latin typeface="Times New Roman" panose="02020603050405020304" pitchFamily="18" charset="0"/>
                 <a:cs typeface="Times New Roman" panose="02020603050405020304" pitchFamily="18" charset="0"/>
               </a:rPr>
-              <a:t>in </a:t>
-            </a:r>
-            <a:r>
-              <a:rPr lang="en-US" altLang="zh-CN" sz="800" dirty="0">
-                <a:latin typeface="Times New Roman" panose="02020603050405020304" pitchFamily="18" charset="0"/>
-                <a:cs typeface="Times New Roman" panose="02020603050405020304" pitchFamily="18" charset="0"/>
-              </a:rPr>
-              <a:t>3</a:t>
-            </a:r>
-            <a:r>
-              <a:rPr lang="zh-CN" altLang="en-US" sz="800" dirty="0">
-                <a:latin typeface="Times New Roman" panose="02020603050405020304" pitchFamily="18" charset="0"/>
-                <a:cs typeface="Times New Roman" panose="02020603050405020304" pitchFamily="18" charset="0"/>
-              </a:rPr>
-              <a:t> </a:t>
-            </a:r>
-            <a:r>
-              <a:rPr lang="en-US" altLang="zh-CN" sz="800" dirty="0">
-                <a:latin typeface="Times New Roman" panose="02020603050405020304" pitchFamily="18" charset="0"/>
-                <a:cs typeface="Times New Roman" panose="02020603050405020304" pitchFamily="18" charset="0"/>
-              </a:rPr>
-              <a:t>out</a:t>
+              <a:t> of </a:t>
+            </a:r>
+            <a:r>
+              <a:rPr lang="en-US" altLang="zh-CN" sz="800" dirty="0">
+                <a:latin typeface="Times New Roman" panose="02020603050405020304" pitchFamily="18" charset="0"/>
+                <a:cs typeface="Times New Roman" panose="02020603050405020304" pitchFamily="18" charset="0"/>
+              </a:rPr>
+              <a:t>9</a:t>
             </a:r>
             <a:r>
               <a:rPr lang="en-US" sz="800" dirty="0">
                 <a:latin typeface="Times New Roman" panose="02020603050405020304" pitchFamily="18" charset="0"/>
                 <a:cs typeface="Times New Roman" panose="02020603050405020304" pitchFamily="18" charset="0"/>
               </a:rPr>
-              <a:t> of </a:t>
-            </a:r>
-            <a:r>
-              <a:rPr lang="en-US" altLang="zh-CN" sz="800" dirty="0">
-                <a:latin typeface="Times New Roman" panose="02020603050405020304" pitchFamily="18" charset="0"/>
-                <a:cs typeface="Times New Roman" panose="02020603050405020304" pitchFamily="18" charset="0"/>
-              </a:rPr>
-              <a:t>9</a:t>
+              <a:t> studies tested</a:t>
+            </a:r>
+          </a:p>
+          <a:p>
+            <a:r>
+              <a:rPr lang="zh-CN" altLang="en-US" sz="800" dirty="0">
+                <a:latin typeface="Times New Roman" panose="02020603050405020304" pitchFamily="18" charset="0"/>
+                <a:cs typeface="Times New Roman" panose="02020603050405020304" pitchFamily="18" charset="0"/>
+              </a:rPr>
+              <a:t>       * </a:t>
+            </a:r>
+            <a:r>
+              <a:rPr lang="en-US" altLang="zh-CN" sz="800" dirty="0">
+                <a:latin typeface="Times New Roman" panose="02020603050405020304" pitchFamily="18" charset="0"/>
+                <a:cs typeface="Times New Roman" panose="02020603050405020304" pitchFamily="18" charset="0"/>
+              </a:rPr>
+              <a:t>E</a:t>
             </a:r>
             <a:r>
               <a:rPr lang="en-US" sz="800" dirty="0">
                 <a:latin typeface="Times New Roman" panose="02020603050405020304" pitchFamily="18" charset="0"/>
                 <a:cs typeface="Times New Roman" panose="02020603050405020304" pitchFamily="18" charset="0"/>
               </a:rPr>
-              <a:t> studies tested, with effect sizes ranging from </a:t>
+              <a:t>ffect sizes ranging from </a:t>
             </a:r>
             <a:r>
               <a:rPr lang="en-US" altLang="zh-CN" sz="800" dirty="0">
@@ -8926,96 +9183,14 @@
               </a:rPr>
               <a:t>0.8</a:t>
             </a:r>
-            <a:r>
-              <a:rPr lang="en-US" sz="800" dirty="0">
-                <a:latin typeface="Times New Roman" panose="02020603050405020304" pitchFamily="18" charset="0"/>
-                <a:cs typeface="Times New Roman" panose="02020603050405020304" pitchFamily="18" charset="0"/>
-              </a:rPr>
-              <a:t>. A</a:t>
-            </a:r>
-            <a:r>
-              <a:rPr lang="en-US" altLang="zh-CN" sz="800" dirty="0">
-                <a:latin typeface="Times New Roman" panose="02020603050405020304" pitchFamily="18" charset="0"/>
-                <a:cs typeface="Times New Roman" panose="02020603050405020304" pitchFamily="18" charset="0"/>
-              </a:rPr>
-              <a:t>mong</a:t>
-            </a:r>
-            <a:r>
-              <a:rPr lang="zh-CN" altLang="en-US" sz="800" dirty="0">
-                <a:latin typeface="Times New Roman" panose="02020603050405020304" pitchFamily="18" charset="0"/>
-                <a:cs typeface="Times New Roman" panose="02020603050405020304" pitchFamily="18" charset="0"/>
-              </a:rPr>
-              <a:t> </a:t>
-            </a:r>
-            <a:r>
-              <a:rPr lang="en-US" altLang="zh-CN" sz="800" dirty="0">
-                <a:latin typeface="Times New Roman" panose="02020603050405020304" pitchFamily="18" charset="0"/>
-                <a:cs typeface="Times New Roman" panose="02020603050405020304" pitchFamily="18" charset="0"/>
-              </a:rPr>
-              <a:t>the</a:t>
-            </a:r>
-            <a:r>
-              <a:rPr lang="zh-CN" altLang="en-US" sz="800" dirty="0">
-                <a:latin typeface="Times New Roman" panose="02020603050405020304" pitchFamily="18" charset="0"/>
-                <a:cs typeface="Times New Roman" panose="02020603050405020304" pitchFamily="18" charset="0"/>
-              </a:rPr>
-              <a:t> </a:t>
-            </a:r>
-            <a:r>
-              <a:rPr lang="en-US" altLang="zh-CN" sz="800" dirty="0">
-                <a:latin typeface="Times New Roman" panose="02020603050405020304" pitchFamily="18" charset="0"/>
-                <a:cs typeface="Times New Roman" panose="02020603050405020304" pitchFamily="18" charset="0"/>
-              </a:rPr>
-              <a:t>three</a:t>
-            </a:r>
-            <a:r>
-              <a:rPr lang="zh-CN" altLang="en-US" sz="800" dirty="0">
-                <a:latin typeface="Times New Roman" panose="02020603050405020304" pitchFamily="18" charset="0"/>
-                <a:cs typeface="Times New Roman" panose="02020603050405020304" pitchFamily="18" charset="0"/>
-              </a:rPr>
-              <a:t> </a:t>
-            </a:r>
-            <a:r>
-              <a:rPr lang="en-US" altLang="zh-CN" sz="800" dirty="0">
-                <a:latin typeface="Times New Roman" panose="02020603050405020304" pitchFamily="18" charset="0"/>
-                <a:cs typeface="Times New Roman" panose="02020603050405020304" pitchFamily="18" charset="0"/>
-              </a:rPr>
-              <a:t>pattern</a:t>
-            </a:r>
-            <a:r>
-              <a:rPr lang="zh-CN" altLang="en-US" sz="800" dirty="0">
-                <a:latin typeface="Times New Roman" panose="02020603050405020304" pitchFamily="18" charset="0"/>
-                <a:cs typeface="Times New Roman" panose="02020603050405020304" pitchFamily="18" charset="0"/>
-              </a:rPr>
-              <a:t> </a:t>
-            </a:r>
-            <a:r>
-              <a:rPr lang="en-US" altLang="zh-CN" sz="800" dirty="0">
-                <a:latin typeface="Times New Roman" panose="02020603050405020304" pitchFamily="18" charset="0"/>
-                <a:cs typeface="Times New Roman" panose="02020603050405020304" pitchFamily="18" charset="0"/>
-              </a:rPr>
-              <a:t>expression</a:t>
-            </a:r>
-            <a:r>
-              <a:rPr lang="zh-CN" altLang="en-US" sz="800" dirty="0">
-                <a:latin typeface="Times New Roman" panose="02020603050405020304" pitchFamily="18" charset="0"/>
-                <a:cs typeface="Times New Roman" panose="02020603050405020304" pitchFamily="18" charset="0"/>
-              </a:rPr>
-              <a:t> </a:t>
-            </a:r>
-            <a:r>
-              <a:rPr lang="en-US" altLang="zh-CN" sz="800" dirty="0">
-                <a:latin typeface="Times New Roman" panose="02020603050405020304" pitchFamily="18" charset="0"/>
-                <a:cs typeface="Times New Roman" panose="02020603050405020304" pitchFamily="18" charset="0"/>
-              </a:rPr>
-              <a:t>indexes,</a:t>
-            </a:r>
-            <a:r>
-              <a:rPr lang="zh-CN" altLang="en-US" sz="800" dirty="0">
-                <a:latin typeface="Times New Roman" panose="02020603050405020304" pitchFamily="18" charset="0"/>
-                <a:cs typeface="Times New Roman" panose="02020603050405020304" pitchFamily="18" charset="0"/>
-              </a:rPr>
-              <a:t> </a:t>
+          </a:p>
+          <a:p>
+            <a:r>
+              <a:rPr lang="zh-CN" altLang="en-US" sz="800" dirty="0">
+                <a:latin typeface="Times New Roman" panose="02020603050405020304" pitchFamily="18" charset="0"/>
+                <a:cs typeface="Times New Roman" panose="02020603050405020304" pitchFamily="18" charset="0"/>
+              </a:rPr>
+              <a:t>       * </a:t>
             </a:r>
             <a:r>
               <a:rPr lang="en-US" altLang="zh-CN" sz="800" dirty="0" err="1">
@@ -9157,8 +9332,8 @@
         </p:nvSpPr>
         <p:spPr>
           <a:xfrm>
-            <a:off x="306741" y="10172267"/>
-            <a:ext cx="3167779" cy="1077218"/>
+            <a:off x="536676" y="9452277"/>
+            <a:ext cx="2702181" cy="707886"/>
           </a:xfrm>
           <a:prstGeom prst="rect">
             <a:avLst/>
@@ -9170,127 +9345,261 @@
           </a:bodyPr>
           <a:lstStyle/>
           <a:p>
-            <a:pPr marL="171450" indent="-171450">
-              <a:buFont typeface="Arial" panose="020B0604020202020204" pitchFamily="34" charset="0"/>
-              <a:buChar char="•"/>
-            </a:pPr>
-            <a:r>
-              <a:rPr lang="en-US" altLang="zh-CN" sz="800" b="1" dirty="0">
-                <a:latin typeface="Times New Roman" panose="02020603050405020304" pitchFamily="18" charset="0"/>
-                <a:cs typeface="Times New Roman" panose="02020603050405020304" pitchFamily="18" charset="0"/>
-              </a:rPr>
-              <a:t>Reliability</a:t>
-            </a:r>
-            <a:r>
-              <a:rPr lang="zh-CN" altLang="en-US" sz="800" b="1" dirty="0">
-                <a:latin typeface="Times New Roman" panose="02020603050405020304" pitchFamily="18" charset="0"/>
-                <a:cs typeface="Times New Roman" panose="02020603050405020304" pitchFamily="18" charset="0"/>
-              </a:rPr>
-              <a:t> </a:t>
-            </a:r>
-            <a:r>
-              <a:rPr lang="en-US" altLang="zh-CN" sz="800" b="1" dirty="0">
-                <a:latin typeface="Times New Roman" panose="02020603050405020304" pitchFamily="18" charset="0"/>
-                <a:cs typeface="Times New Roman" panose="02020603050405020304" pitchFamily="18" charset="0"/>
-              </a:rPr>
-              <a:t>of</a:t>
-            </a:r>
-            <a:r>
-              <a:rPr lang="zh-CN" altLang="en-US" sz="800" b="1" dirty="0">
-                <a:latin typeface="Times New Roman" panose="02020603050405020304" pitchFamily="18" charset="0"/>
-                <a:cs typeface="Times New Roman" panose="02020603050405020304" pitchFamily="18" charset="0"/>
-              </a:rPr>
-              <a:t> </a:t>
-            </a:r>
-            <a:r>
-              <a:rPr lang="en-US" altLang="zh-CN" sz="800" b="1" dirty="0">
-                <a:latin typeface="Times New Roman" panose="02020603050405020304" pitchFamily="18" charset="0"/>
-                <a:cs typeface="Times New Roman" panose="02020603050405020304" pitchFamily="18" charset="0"/>
-              </a:rPr>
-              <a:t>NPS</a:t>
-            </a:r>
-            <a:r>
-              <a:rPr lang="zh-CN" altLang="en-US" sz="800" b="1" dirty="0">
-                <a:latin typeface="Times New Roman" panose="02020603050405020304" pitchFamily="18" charset="0"/>
-                <a:cs typeface="Times New Roman" panose="02020603050405020304" pitchFamily="18" charset="0"/>
-              </a:rPr>
-              <a:t> </a:t>
-            </a:r>
-            <a:r>
-              <a:rPr lang="en-US" altLang="zh-CN" sz="800" b="1" dirty="0">
-                <a:latin typeface="Times New Roman" panose="02020603050405020304" pitchFamily="18" charset="0"/>
-                <a:cs typeface="Times New Roman" panose="02020603050405020304" pitchFamily="18" charset="0"/>
-              </a:rPr>
-              <a:t>response</a:t>
-            </a:r>
-            <a:r>
-              <a:rPr lang="zh-CN" altLang="en-US" sz="800" b="1" dirty="0">
-                <a:latin typeface="Times New Roman" panose="02020603050405020304" pitchFamily="18" charset="0"/>
-                <a:cs typeface="Times New Roman" panose="02020603050405020304" pitchFamily="18" charset="0"/>
-              </a:rPr>
-              <a:t> </a:t>
-            </a:r>
-            <a:r>
-              <a:rPr lang="en-US" altLang="zh-CN" sz="800" b="1" dirty="0">
-                <a:latin typeface="Times New Roman" panose="02020603050405020304" pitchFamily="18" charset="0"/>
-                <a:cs typeface="Times New Roman" panose="02020603050405020304" pitchFamily="18" charset="0"/>
-              </a:rPr>
-              <a:t>and</a:t>
-            </a:r>
-            <a:r>
-              <a:rPr lang="zh-CN" altLang="en-US" sz="800" b="1" dirty="0">
-                <a:latin typeface="Times New Roman" panose="02020603050405020304" pitchFamily="18" charset="0"/>
-                <a:cs typeface="Times New Roman" panose="02020603050405020304" pitchFamily="18" charset="0"/>
-              </a:rPr>
-              <a:t> </a:t>
-            </a:r>
-            <a:r>
-              <a:rPr lang="en-US" altLang="zh-CN" sz="800" b="1" dirty="0">
-                <a:latin typeface="Times New Roman" panose="02020603050405020304" pitchFamily="18" charset="0"/>
-                <a:cs typeface="Times New Roman" panose="02020603050405020304" pitchFamily="18" charset="0"/>
-              </a:rPr>
-              <a:t>subjective</a:t>
-            </a:r>
-            <a:r>
-              <a:rPr lang="zh-CN" altLang="en-US" sz="800" b="1" dirty="0">
-                <a:latin typeface="Times New Roman" panose="02020603050405020304" pitchFamily="18" charset="0"/>
-                <a:cs typeface="Times New Roman" panose="02020603050405020304" pitchFamily="18" charset="0"/>
-              </a:rPr>
-              <a:t> </a:t>
-            </a:r>
-            <a:r>
-              <a:rPr lang="en-US" altLang="zh-CN" sz="800" b="1" dirty="0">
-                <a:latin typeface="Times New Roman" panose="02020603050405020304" pitchFamily="18" charset="0"/>
-                <a:cs typeface="Times New Roman" panose="02020603050405020304" pitchFamily="18" charset="0"/>
-              </a:rPr>
-              <a:t>pain</a:t>
-            </a:r>
-            <a:r>
-              <a:rPr lang="zh-CN" altLang="en-US" sz="800" b="1" dirty="0">
-                <a:latin typeface="Times New Roman" panose="02020603050405020304" pitchFamily="18" charset="0"/>
-                <a:cs typeface="Times New Roman" panose="02020603050405020304" pitchFamily="18" charset="0"/>
-              </a:rPr>
-              <a:t> </a:t>
-            </a:r>
-            <a:r>
-              <a:rPr lang="en-US" altLang="zh-CN" sz="800" b="1" dirty="0">
-                <a:latin typeface="Times New Roman" panose="02020603050405020304" pitchFamily="18" charset="0"/>
-                <a:cs typeface="Times New Roman" panose="02020603050405020304" pitchFamily="18" charset="0"/>
-              </a:rPr>
-              <a:t>ratings</a:t>
-            </a:r>
-            <a:endParaRPr lang="en-US" sz="800" b="1" dirty="0">
-              <a:latin typeface="Times New Roman" panose="02020603050405020304" pitchFamily="18" charset="0"/>
-              <a:cs typeface="Times New Roman" panose="02020603050405020304" pitchFamily="18" charset="0"/>
-            </a:endParaRPr>
-          </a:p>
-          <a:p>
+            <a:r>
+              <a:rPr lang="zh-CN" altLang="en-US" sz="800" dirty="0">
+                <a:latin typeface="Times New Roman" panose="02020603050405020304" pitchFamily="18" charset="0"/>
+                <a:cs typeface="Times New Roman" panose="02020603050405020304" pitchFamily="18" charset="0"/>
+              </a:rPr>
+              <a:t>* </a:t>
+            </a:r>
+            <a:r>
+              <a:rPr lang="en-US" altLang="zh-CN" sz="800" dirty="0">
+                <a:latin typeface="Times New Roman" panose="02020603050405020304" pitchFamily="18" charset="0"/>
+                <a:cs typeface="Times New Roman" panose="02020603050405020304" pitchFamily="18" charset="0"/>
+              </a:rPr>
+              <a:t>NPS:</a:t>
+            </a:r>
+            <a:r>
+              <a:rPr lang="zh-CN" altLang="en-US" sz="800" dirty="0">
+                <a:latin typeface="Times New Roman" panose="02020603050405020304" pitchFamily="18" charset="0"/>
+                <a:cs typeface="Times New Roman" panose="02020603050405020304" pitchFamily="18" charset="0"/>
+              </a:rPr>
+              <a:t> </a:t>
+            </a:r>
+            <a:r>
+              <a:rPr lang="en-US" altLang="zh-CN" sz="800" dirty="0">
+                <a:latin typeface="Times New Roman" panose="02020603050405020304" pitchFamily="18" charset="0"/>
+                <a:cs typeface="Times New Roman" panose="02020603050405020304" pitchFamily="18" charset="0"/>
+              </a:rPr>
+              <a:t>a</a:t>
+            </a:r>
             <a:r>
               <a:rPr lang="en-US" sz="800" dirty="0">
                 <a:latin typeface="Times New Roman" panose="02020603050405020304" pitchFamily="18" charset="0"/>
                 <a:cs typeface="Times New Roman" panose="02020603050405020304" pitchFamily="18" charset="0"/>
               </a:rPr>
-              <a:t>Reliability tests of NPS show that the average Spearman-Brown first-second half reliability is 0.</a:t>
+              <a:t>verage Spearman-Brown first-second half reliability</a:t>
+            </a:r>
+            <a:r>
+              <a:rPr lang="zh-CN" altLang="en-US" sz="800" dirty="0">
+                <a:latin typeface="Times New Roman" panose="02020603050405020304" pitchFamily="18" charset="0"/>
+                <a:cs typeface="Times New Roman" panose="02020603050405020304" pitchFamily="18" charset="0"/>
+              </a:rPr>
+              <a:t> </a:t>
+            </a:r>
+            <a:r>
+              <a:rPr lang="en-US" sz="800" dirty="0">
+                <a:latin typeface="Times New Roman" panose="02020603050405020304" pitchFamily="18" charset="0"/>
+                <a:cs typeface="Times New Roman" panose="02020603050405020304" pitchFamily="18" charset="0"/>
+              </a:rPr>
+              <a:t>is 0.</a:t>
+            </a:r>
+            <a:r>
+              <a:rPr lang="en-US" altLang="zh-CN" sz="800" dirty="0">
+                <a:latin typeface="Times New Roman" panose="02020603050405020304" pitchFamily="18" charset="0"/>
+                <a:cs typeface="Times New Roman" panose="02020603050405020304" pitchFamily="18" charset="0"/>
+              </a:rPr>
+              <a:t>81,</a:t>
+            </a:r>
+            <a:r>
+              <a:rPr lang="zh-CN" altLang="en-US" sz="800" dirty="0">
+                <a:latin typeface="Times New Roman" panose="02020603050405020304" pitchFamily="18" charset="0"/>
+                <a:cs typeface="Times New Roman" panose="02020603050405020304" pitchFamily="18" charset="0"/>
+              </a:rPr>
+              <a:t> </a:t>
+            </a:r>
+            <a:r>
+              <a:rPr lang="en-US" altLang="zh-CN" sz="800" dirty="0">
+                <a:latin typeface="Times New Roman" panose="02020603050405020304" pitchFamily="18" charset="0"/>
+                <a:cs typeface="Times New Roman" panose="02020603050405020304" pitchFamily="18" charset="0"/>
+              </a:rPr>
+              <a:t>r</a:t>
+            </a:r>
+            <a:r>
+              <a:rPr lang="en-US" sz="800" dirty="0">
+                <a:latin typeface="Times New Roman" panose="02020603050405020304" pitchFamily="18" charset="0"/>
+                <a:cs typeface="Times New Roman" panose="02020603050405020304" pitchFamily="18" charset="0"/>
+              </a:rPr>
+              <a:t>anging from 0.</a:t>
+            </a:r>
+            <a:r>
+              <a:rPr lang="en-US" altLang="zh-CN" sz="800" dirty="0">
+                <a:latin typeface="Times New Roman" panose="02020603050405020304" pitchFamily="18" charset="0"/>
+                <a:cs typeface="Times New Roman" panose="02020603050405020304" pitchFamily="18" charset="0"/>
+              </a:rPr>
+              <a:t>65</a:t>
+            </a:r>
+            <a:r>
+              <a:rPr lang="en-US" sz="800" dirty="0">
+                <a:latin typeface="Times New Roman" panose="02020603050405020304" pitchFamily="18" charset="0"/>
+                <a:cs typeface="Times New Roman" panose="02020603050405020304" pitchFamily="18" charset="0"/>
+              </a:rPr>
+              <a:t> to 0.</a:t>
+            </a:r>
+            <a:r>
+              <a:rPr lang="en-US" altLang="zh-CN" sz="800" dirty="0">
+                <a:latin typeface="Times New Roman" panose="02020603050405020304" pitchFamily="18" charset="0"/>
+                <a:cs typeface="Times New Roman" panose="02020603050405020304" pitchFamily="18" charset="0"/>
+              </a:rPr>
+              <a:t>94</a:t>
+            </a:r>
+            <a:r>
+              <a:rPr lang="en-US" sz="800" dirty="0">
+                <a:latin typeface="Times New Roman" panose="02020603050405020304" pitchFamily="18" charset="0"/>
+                <a:cs typeface="Times New Roman" panose="02020603050405020304" pitchFamily="18" charset="0"/>
+              </a:rPr>
+              <a:t>. </a:t>
+            </a:r>
+          </a:p>
+          <a:p>
+            <a:r>
+              <a:rPr lang="zh-CN" altLang="en-US" sz="800" dirty="0">
+                <a:latin typeface="Times New Roman" panose="02020603050405020304" pitchFamily="18" charset="0"/>
+                <a:cs typeface="Times New Roman" panose="02020603050405020304" pitchFamily="18" charset="0"/>
+              </a:rPr>
+              <a:t>* </a:t>
+            </a:r>
+            <a:r>
+              <a:rPr lang="en-US" altLang="zh-CN" sz="800" dirty="0" err="1">
+                <a:latin typeface="Times New Roman" panose="02020603050405020304" pitchFamily="18" charset="0"/>
+                <a:cs typeface="Times New Roman" panose="02020603050405020304" pitchFamily="18" charset="0"/>
+              </a:rPr>
+              <a:t>NPScos</a:t>
+            </a:r>
+            <a:r>
+              <a:rPr lang="zh-CN" altLang="en-US" sz="800" dirty="0">
+                <a:latin typeface="Times New Roman" panose="02020603050405020304" pitchFamily="18" charset="0"/>
+                <a:cs typeface="Times New Roman" panose="02020603050405020304" pitchFamily="18" charset="0"/>
+              </a:rPr>
+              <a:t> </a:t>
+            </a:r>
+            <a:r>
+              <a:rPr lang="en-US" altLang="zh-CN" sz="800" dirty="0">
+                <a:latin typeface="Times New Roman" panose="02020603050405020304" pitchFamily="18" charset="0"/>
+                <a:cs typeface="Times New Roman" panose="02020603050405020304" pitchFamily="18" charset="0"/>
+              </a:rPr>
+              <a:t>has</a:t>
+            </a:r>
+            <a:r>
+              <a:rPr lang="zh-CN" altLang="en-US" sz="800" dirty="0">
+                <a:latin typeface="Times New Roman" panose="02020603050405020304" pitchFamily="18" charset="0"/>
+                <a:cs typeface="Times New Roman" panose="02020603050405020304" pitchFamily="18" charset="0"/>
+              </a:rPr>
+              <a:t> </a:t>
+            </a:r>
+            <a:r>
+              <a:rPr lang="en-US" altLang="zh-CN" sz="800" dirty="0">
+                <a:latin typeface="Times New Roman" panose="02020603050405020304" pitchFamily="18" charset="0"/>
+                <a:cs typeface="Times New Roman" panose="02020603050405020304" pitchFamily="18" charset="0"/>
+              </a:rPr>
+              <a:t>the</a:t>
+            </a:r>
+            <a:r>
+              <a:rPr lang="zh-CN" altLang="en-US" sz="800" dirty="0">
+                <a:latin typeface="Times New Roman" panose="02020603050405020304" pitchFamily="18" charset="0"/>
+                <a:cs typeface="Times New Roman" panose="02020603050405020304" pitchFamily="18" charset="0"/>
+              </a:rPr>
+              <a:t> </a:t>
+            </a:r>
+            <a:r>
+              <a:rPr lang="en-US" altLang="zh-CN" sz="800" dirty="0">
+                <a:latin typeface="Times New Roman" panose="02020603050405020304" pitchFamily="18" charset="0"/>
+                <a:cs typeface="Times New Roman" panose="02020603050405020304" pitchFamily="18" charset="0"/>
+              </a:rPr>
+              <a:t>largest</a:t>
+            </a:r>
+            <a:r>
+              <a:rPr lang="zh-CN" altLang="en-US" sz="800" dirty="0">
+                <a:latin typeface="Times New Roman" panose="02020603050405020304" pitchFamily="18" charset="0"/>
+                <a:cs typeface="Times New Roman" panose="02020603050405020304" pitchFamily="18" charset="0"/>
+              </a:rPr>
+              <a:t> </a:t>
+            </a:r>
+            <a:r>
+              <a:rPr lang="en-US" altLang="zh-CN" sz="800" dirty="0">
+                <a:latin typeface="Times New Roman" panose="02020603050405020304" pitchFamily="18" charset="0"/>
+                <a:cs typeface="Times New Roman" panose="02020603050405020304" pitchFamily="18" charset="0"/>
+              </a:rPr>
+              <a:t>reliability</a:t>
+            </a:r>
+            <a:r>
+              <a:rPr lang="zh-CN" altLang="en-US" sz="800" dirty="0">
+                <a:latin typeface="Times New Roman" panose="02020603050405020304" pitchFamily="18" charset="0"/>
+                <a:cs typeface="Times New Roman" panose="02020603050405020304" pitchFamily="18" charset="0"/>
+              </a:rPr>
+              <a:t> </a:t>
+            </a:r>
+            <a:r>
+              <a:rPr lang="en-US" altLang="zh-CN" sz="800" dirty="0">
+                <a:latin typeface="Times New Roman" panose="02020603050405020304" pitchFamily="18" charset="0"/>
+                <a:cs typeface="Times New Roman" panose="02020603050405020304" pitchFamily="18" charset="0"/>
+              </a:rPr>
+              <a:t>(0.82). </a:t>
+            </a:r>
+          </a:p>
+          <a:p>
+            <a:r>
+              <a:rPr lang="zh-CN" altLang="en-US" sz="800" dirty="0">
+                <a:latin typeface="Times New Roman" panose="02020603050405020304" pitchFamily="18" charset="0"/>
+                <a:cs typeface="Times New Roman" panose="02020603050405020304" pitchFamily="18" charset="0"/>
+              </a:rPr>
+              <a:t>* </a:t>
+            </a:r>
+            <a:r>
+              <a:rPr lang="en-US" altLang="zh-CN" sz="800" dirty="0">
+                <a:latin typeface="Times New Roman" panose="02020603050405020304" pitchFamily="18" charset="0"/>
+                <a:cs typeface="Times New Roman" panose="02020603050405020304" pitchFamily="18" charset="0"/>
+              </a:rPr>
+              <a:t>Pain</a:t>
+            </a:r>
+            <a:r>
+              <a:rPr lang="zh-CN" altLang="en-US" sz="800" dirty="0">
+                <a:latin typeface="Times New Roman" panose="02020603050405020304" pitchFamily="18" charset="0"/>
+                <a:cs typeface="Times New Roman" panose="02020603050405020304" pitchFamily="18" charset="0"/>
+              </a:rPr>
+              <a:t> </a:t>
+            </a:r>
+            <a:r>
+              <a:rPr lang="en-US" altLang="zh-CN" sz="800" dirty="0">
+                <a:latin typeface="Times New Roman" panose="02020603050405020304" pitchFamily="18" charset="0"/>
+                <a:cs typeface="Times New Roman" panose="02020603050405020304" pitchFamily="18" charset="0"/>
+              </a:rPr>
+              <a:t>rating:</a:t>
+            </a:r>
+            <a:r>
+              <a:rPr lang="zh-CN" altLang="en-US" sz="800" dirty="0">
+                <a:latin typeface="Times New Roman" panose="02020603050405020304" pitchFamily="18" charset="0"/>
+                <a:cs typeface="Times New Roman" panose="02020603050405020304" pitchFamily="18" charset="0"/>
+              </a:rPr>
+              <a:t> </a:t>
+            </a:r>
+            <a:r>
+              <a:rPr lang="en-US" altLang="zh-CN" sz="800" dirty="0">
+                <a:latin typeface="Times New Roman" panose="02020603050405020304" pitchFamily="18" charset="0"/>
+                <a:cs typeface="Times New Roman" panose="02020603050405020304" pitchFamily="18" charset="0"/>
+              </a:rPr>
+              <a:t>a</a:t>
+            </a:r>
+            <a:r>
+              <a:rPr lang="en-US" sz="800" dirty="0">
+                <a:latin typeface="Times New Roman" panose="02020603050405020304" pitchFamily="18" charset="0"/>
+                <a:cs typeface="Times New Roman" panose="02020603050405020304" pitchFamily="18" charset="0"/>
+              </a:rPr>
+              <a:t>verage Spearman-Brown first-second half reliability is 0.</a:t>
+            </a:r>
+            <a:r>
+              <a:rPr lang="en-US" altLang="zh-CN" sz="800" dirty="0">
+                <a:latin typeface="Times New Roman" panose="02020603050405020304" pitchFamily="18" charset="0"/>
+                <a:cs typeface="Times New Roman" panose="02020603050405020304" pitchFamily="18" charset="0"/>
+              </a:rPr>
+              <a:t>93</a:t>
+            </a:r>
+            <a:r>
+              <a:rPr lang="en-US" sz="800" dirty="0">
+                <a:latin typeface="Times New Roman" panose="02020603050405020304" pitchFamily="18" charset="0"/>
+                <a:cs typeface="Times New Roman" panose="02020603050405020304" pitchFamily="18" charset="0"/>
+              </a:rPr>
+              <a:t>, ranging from 0.</a:t>
             </a:r>
             <a:r>
               <a:rPr lang="en-US" altLang="zh-CN" sz="800" dirty="0">
@@ -9304,294 +9613,22 @@
                 <a:latin typeface="Times New Roman" panose="02020603050405020304" pitchFamily="18" charset="0"/>
                 <a:cs typeface="Times New Roman" panose="02020603050405020304" pitchFamily="18" charset="0"/>
               </a:rPr>
-              <a:t>, ranging from 0.</a:t>
-            </a:r>
-            <a:r>
-              <a:rPr lang="en-US" altLang="zh-CN" sz="800" dirty="0">
-                <a:latin typeface="Times New Roman" panose="02020603050405020304" pitchFamily="18" charset="0"/>
-                <a:cs typeface="Times New Roman" panose="02020603050405020304" pitchFamily="18" charset="0"/>
-              </a:rPr>
-              <a:t>65</a:t>
+              <a:t> to 0.9</a:t>
+            </a:r>
+            <a:r>
+              <a:rPr lang="en-US" altLang="zh-CN" sz="800" dirty="0">
+                <a:latin typeface="Times New Roman" panose="02020603050405020304" pitchFamily="18" charset="0"/>
+                <a:cs typeface="Times New Roman" panose="02020603050405020304" pitchFamily="18" charset="0"/>
+              </a:rPr>
+              <a:t>8</a:t>
             </a:r>
             <a:r>
               <a:rPr lang="en-US" sz="800" dirty="0">
                 <a:latin typeface="Times New Roman" panose="02020603050405020304" pitchFamily="18" charset="0"/>
                 <a:cs typeface="Times New Roman" panose="02020603050405020304" pitchFamily="18" charset="0"/>
               </a:rPr>
-              <a:t> to 0.</a:t>
-            </a:r>
-            <a:r>
-              <a:rPr lang="en-US" altLang="zh-CN" sz="800" dirty="0">
-                <a:latin typeface="Times New Roman" panose="02020603050405020304" pitchFamily="18" charset="0"/>
-                <a:cs typeface="Times New Roman" panose="02020603050405020304" pitchFamily="18" charset="0"/>
-              </a:rPr>
-              <a:t>94</a:t>
-            </a:r>
-            <a:r>
-              <a:rPr lang="en-US" sz="800" dirty="0">
-                <a:latin typeface="Times New Roman" panose="02020603050405020304" pitchFamily="18" charset="0"/>
-                <a:cs typeface="Times New Roman" panose="02020603050405020304" pitchFamily="18" charset="0"/>
-              </a:rPr>
-              <a:t>. T</a:t>
-            </a:r>
-            <a:r>
-              <a:rPr lang="en-US" altLang="zh-CN" sz="800" dirty="0">
-                <a:latin typeface="Times New Roman" panose="02020603050405020304" pitchFamily="18" charset="0"/>
-                <a:cs typeface="Times New Roman" panose="02020603050405020304" pitchFamily="18" charset="0"/>
-              </a:rPr>
-              <a:t>hree</a:t>
-            </a:r>
-            <a:r>
-              <a:rPr lang="zh-CN" altLang="en-US" sz="800" dirty="0">
-                <a:latin typeface="Times New Roman" panose="02020603050405020304" pitchFamily="18" charset="0"/>
-                <a:cs typeface="Times New Roman" panose="02020603050405020304" pitchFamily="18" charset="0"/>
-              </a:rPr>
-              <a:t> </a:t>
-            </a:r>
-            <a:r>
-              <a:rPr lang="en-US" altLang="zh-CN" sz="800" dirty="0">
-                <a:latin typeface="Times New Roman" panose="02020603050405020304" pitchFamily="18" charset="0"/>
-                <a:cs typeface="Times New Roman" panose="02020603050405020304" pitchFamily="18" charset="0"/>
-              </a:rPr>
-              <a:t>pattern</a:t>
-            </a:r>
-            <a:r>
-              <a:rPr lang="zh-CN" altLang="en-US" sz="800" dirty="0">
-                <a:latin typeface="Times New Roman" panose="02020603050405020304" pitchFamily="18" charset="0"/>
-                <a:cs typeface="Times New Roman" panose="02020603050405020304" pitchFamily="18" charset="0"/>
-              </a:rPr>
-              <a:t> </a:t>
-            </a:r>
-            <a:r>
-              <a:rPr lang="en-US" altLang="zh-CN" sz="800" dirty="0">
-                <a:latin typeface="Times New Roman" panose="02020603050405020304" pitchFamily="18" charset="0"/>
-                <a:cs typeface="Times New Roman" panose="02020603050405020304" pitchFamily="18" charset="0"/>
-              </a:rPr>
-              <a:t>expression</a:t>
-            </a:r>
-            <a:r>
-              <a:rPr lang="zh-CN" altLang="en-US" sz="800" dirty="0">
-                <a:latin typeface="Times New Roman" panose="02020603050405020304" pitchFamily="18" charset="0"/>
-                <a:cs typeface="Times New Roman" panose="02020603050405020304" pitchFamily="18" charset="0"/>
-              </a:rPr>
-              <a:t> </a:t>
-            </a:r>
-            <a:r>
-              <a:rPr lang="en-US" altLang="zh-CN" sz="800" dirty="0">
-                <a:latin typeface="Times New Roman" panose="02020603050405020304" pitchFamily="18" charset="0"/>
-                <a:cs typeface="Times New Roman" panose="02020603050405020304" pitchFamily="18" charset="0"/>
-              </a:rPr>
-              <a:t>indexes</a:t>
-            </a:r>
-            <a:r>
-              <a:rPr lang="zh-CN" altLang="en-US" sz="800" dirty="0">
-                <a:latin typeface="Times New Roman" panose="02020603050405020304" pitchFamily="18" charset="0"/>
-                <a:cs typeface="Times New Roman" panose="02020603050405020304" pitchFamily="18" charset="0"/>
-              </a:rPr>
-              <a:t> </a:t>
-            </a:r>
-            <a:r>
-              <a:rPr lang="en-US" altLang="zh-CN" sz="800" dirty="0">
-                <a:latin typeface="Times New Roman" panose="02020603050405020304" pitchFamily="18" charset="0"/>
-                <a:cs typeface="Times New Roman" panose="02020603050405020304" pitchFamily="18" charset="0"/>
-              </a:rPr>
-              <a:t>showed</a:t>
-            </a:r>
-            <a:r>
-              <a:rPr lang="zh-CN" altLang="en-US" sz="800" dirty="0">
-                <a:latin typeface="Times New Roman" panose="02020603050405020304" pitchFamily="18" charset="0"/>
-                <a:cs typeface="Times New Roman" panose="02020603050405020304" pitchFamily="18" charset="0"/>
-              </a:rPr>
-              <a:t> </a:t>
-            </a:r>
-            <a:r>
-              <a:rPr lang="en-US" altLang="zh-CN" sz="800" dirty="0">
-                <a:latin typeface="Times New Roman" panose="02020603050405020304" pitchFamily="18" charset="0"/>
-                <a:cs typeface="Times New Roman" panose="02020603050405020304" pitchFamily="18" charset="0"/>
-              </a:rPr>
-              <a:t>similar</a:t>
-            </a:r>
-            <a:r>
-              <a:rPr lang="zh-CN" altLang="en-US" sz="800" dirty="0">
-                <a:latin typeface="Times New Roman" panose="02020603050405020304" pitchFamily="18" charset="0"/>
-                <a:cs typeface="Times New Roman" panose="02020603050405020304" pitchFamily="18" charset="0"/>
-              </a:rPr>
-              <a:t> </a:t>
-            </a:r>
-            <a:r>
-              <a:rPr lang="en-US" altLang="zh-CN" sz="800" dirty="0">
-                <a:latin typeface="Times New Roman" panose="02020603050405020304" pitchFamily="18" charset="0"/>
-                <a:cs typeface="Times New Roman" panose="02020603050405020304" pitchFamily="18" charset="0"/>
-              </a:rPr>
-              <a:t>reliabilities,</a:t>
-            </a:r>
-            <a:r>
-              <a:rPr lang="zh-CN" altLang="en-US" sz="800" dirty="0">
-                <a:latin typeface="Times New Roman" panose="02020603050405020304" pitchFamily="18" charset="0"/>
-                <a:cs typeface="Times New Roman" panose="02020603050405020304" pitchFamily="18" charset="0"/>
-              </a:rPr>
-              <a:t> </a:t>
-            </a:r>
-            <a:r>
-              <a:rPr lang="en-US" altLang="zh-CN" sz="800" dirty="0">
-                <a:latin typeface="Times New Roman" panose="02020603050405020304" pitchFamily="18" charset="0"/>
-                <a:cs typeface="Times New Roman" panose="02020603050405020304" pitchFamily="18" charset="0"/>
-              </a:rPr>
-              <a:t>and</a:t>
-            </a:r>
-            <a:r>
-              <a:rPr lang="zh-CN" altLang="en-US" sz="800" dirty="0">
-                <a:latin typeface="Times New Roman" panose="02020603050405020304" pitchFamily="18" charset="0"/>
-                <a:cs typeface="Times New Roman" panose="02020603050405020304" pitchFamily="18" charset="0"/>
-              </a:rPr>
-              <a:t> </a:t>
-            </a:r>
-            <a:r>
-              <a:rPr lang="en-US" altLang="zh-CN" sz="800" dirty="0" err="1">
-                <a:latin typeface="Times New Roman" panose="02020603050405020304" pitchFamily="18" charset="0"/>
-                <a:cs typeface="Times New Roman" panose="02020603050405020304" pitchFamily="18" charset="0"/>
-              </a:rPr>
-              <a:t>NPScos</a:t>
-            </a:r>
-            <a:r>
-              <a:rPr lang="zh-CN" altLang="en-US" sz="800" dirty="0">
-                <a:latin typeface="Times New Roman" panose="02020603050405020304" pitchFamily="18" charset="0"/>
-                <a:cs typeface="Times New Roman" panose="02020603050405020304" pitchFamily="18" charset="0"/>
-              </a:rPr>
-              <a:t> </a:t>
-            </a:r>
-            <a:r>
-              <a:rPr lang="en-US" altLang="zh-CN" sz="800" dirty="0">
-                <a:latin typeface="Times New Roman" panose="02020603050405020304" pitchFamily="18" charset="0"/>
-                <a:cs typeface="Times New Roman" panose="02020603050405020304" pitchFamily="18" charset="0"/>
-              </a:rPr>
-              <a:t>has</a:t>
-            </a:r>
-            <a:r>
-              <a:rPr lang="zh-CN" altLang="en-US" sz="800" dirty="0">
-                <a:latin typeface="Times New Roman" panose="02020603050405020304" pitchFamily="18" charset="0"/>
-                <a:cs typeface="Times New Roman" panose="02020603050405020304" pitchFamily="18" charset="0"/>
-              </a:rPr>
-              <a:t> </a:t>
-            </a:r>
-            <a:r>
-              <a:rPr lang="en-US" altLang="zh-CN" sz="800" dirty="0">
-                <a:latin typeface="Times New Roman" panose="02020603050405020304" pitchFamily="18" charset="0"/>
-                <a:cs typeface="Times New Roman" panose="02020603050405020304" pitchFamily="18" charset="0"/>
-              </a:rPr>
-              <a:t>the</a:t>
-            </a:r>
-            <a:r>
-              <a:rPr lang="zh-CN" altLang="en-US" sz="800" dirty="0">
-                <a:latin typeface="Times New Roman" panose="02020603050405020304" pitchFamily="18" charset="0"/>
-                <a:cs typeface="Times New Roman" panose="02020603050405020304" pitchFamily="18" charset="0"/>
-              </a:rPr>
-              <a:t> </a:t>
-            </a:r>
-            <a:r>
-              <a:rPr lang="en-US" altLang="zh-CN" sz="800" dirty="0">
-                <a:latin typeface="Times New Roman" panose="02020603050405020304" pitchFamily="18" charset="0"/>
-                <a:cs typeface="Times New Roman" panose="02020603050405020304" pitchFamily="18" charset="0"/>
-              </a:rPr>
-              <a:t>relatively</a:t>
-            </a:r>
-            <a:r>
-              <a:rPr lang="zh-CN" altLang="en-US" sz="800" dirty="0">
-                <a:latin typeface="Times New Roman" panose="02020603050405020304" pitchFamily="18" charset="0"/>
-                <a:cs typeface="Times New Roman" panose="02020603050405020304" pitchFamily="18" charset="0"/>
-              </a:rPr>
-              <a:t> </a:t>
-            </a:r>
-            <a:r>
-              <a:rPr lang="en-US" altLang="zh-CN" sz="800" dirty="0">
-                <a:latin typeface="Times New Roman" panose="02020603050405020304" pitchFamily="18" charset="0"/>
-                <a:cs typeface="Times New Roman" panose="02020603050405020304" pitchFamily="18" charset="0"/>
-              </a:rPr>
-              <a:t>largest</a:t>
-            </a:r>
-            <a:r>
-              <a:rPr lang="zh-CN" altLang="en-US" sz="800" dirty="0">
-                <a:latin typeface="Times New Roman" panose="02020603050405020304" pitchFamily="18" charset="0"/>
-                <a:cs typeface="Times New Roman" panose="02020603050405020304" pitchFamily="18" charset="0"/>
-              </a:rPr>
-              <a:t> </a:t>
-            </a:r>
-            <a:r>
-              <a:rPr lang="en-US" altLang="zh-CN" sz="800" dirty="0">
-                <a:latin typeface="Times New Roman" panose="02020603050405020304" pitchFamily="18" charset="0"/>
-                <a:cs typeface="Times New Roman" panose="02020603050405020304" pitchFamily="18" charset="0"/>
-              </a:rPr>
-              <a:t>reliability</a:t>
-            </a:r>
-            <a:r>
-              <a:rPr lang="zh-CN" altLang="en-US" sz="800" dirty="0">
-                <a:latin typeface="Times New Roman" panose="02020603050405020304" pitchFamily="18" charset="0"/>
-                <a:cs typeface="Times New Roman" panose="02020603050405020304" pitchFamily="18" charset="0"/>
-              </a:rPr>
-              <a:t> </a:t>
-            </a:r>
-            <a:r>
-              <a:rPr lang="en-US" altLang="zh-CN" sz="800" dirty="0">
-                <a:latin typeface="Times New Roman" panose="02020603050405020304" pitchFamily="18" charset="0"/>
-                <a:cs typeface="Times New Roman" panose="02020603050405020304" pitchFamily="18" charset="0"/>
-              </a:rPr>
-              <a:t>(0.82). </a:t>
-            </a:r>
-            <a:r>
-              <a:rPr lang="en-US" sz="800" dirty="0">
-                <a:latin typeface="Times New Roman" panose="02020603050405020304" pitchFamily="18" charset="0"/>
-                <a:cs typeface="Times New Roman" panose="02020603050405020304" pitchFamily="18" charset="0"/>
-              </a:rPr>
-              <a:t>Reliability tests of pain ratings show that the average Spearman-Brown first-second half reliability is 0.</a:t>
-            </a:r>
-            <a:r>
-              <a:rPr lang="en-US" altLang="zh-CN" sz="800" dirty="0">
-                <a:latin typeface="Times New Roman" panose="02020603050405020304" pitchFamily="18" charset="0"/>
-                <a:cs typeface="Times New Roman" panose="02020603050405020304" pitchFamily="18" charset="0"/>
-              </a:rPr>
-              <a:t>93</a:t>
-            </a:r>
-            <a:r>
-              <a:rPr lang="en-US" sz="800" dirty="0">
-                <a:latin typeface="Times New Roman" panose="02020603050405020304" pitchFamily="18" charset="0"/>
-                <a:cs typeface="Times New Roman" panose="02020603050405020304" pitchFamily="18" charset="0"/>
-              </a:rPr>
-              <a:t>, ranging from 0.</a:t>
-            </a:r>
-            <a:r>
-              <a:rPr lang="en-US" altLang="zh-CN" sz="800" dirty="0">
-                <a:latin typeface="Times New Roman" panose="02020603050405020304" pitchFamily="18" charset="0"/>
-                <a:cs typeface="Times New Roman" panose="02020603050405020304" pitchFamily="18" charset="0"/>
-              </a:rPr>
-              <a:t>81</a:t>
-            </a:r>
-            <a:r>
-              <a:rPr lang="en-US" sz="800" dirty="0">
-                <a:latin typeface="Times New Roman" panose="02020603050405020304" pitchFamily="18" charset="0"/>
-                <a:cs typeface="Times New Roman" panose="02020603050405020304" pitchFamily="18" charset="0"/>
-              </a:rPr>
-              <a:t> to 0.9</a:t>
-            </a:r>
-            <a:r>
-              <a:rPr lang="en-US" altLang="zh-CN" sz="800" dirty="0">
-                <a:latin typeface="Times New Roman" panose="02020603050405020304" pitchFamily="18" charset="0"/>
-                <a:cs typeface="Times New Roman" panose="02020603050405020304" pitchFamily="18" charset="0"/>
-              </a:rPr>
-              <a:t>8</a:t>
-            </a:r>
-            <a:r>
-              <a:rPr lang="en-US" sz="800" dirty="0">
-                <a:latin typeface="Times New Roman" panose="02020603050405020304" pitchFamily="18" charset="0"/>
-                <a:cs typeface="Times New Roman" panose="02020603050405020304" pitchFamily="18" charset="0"/>
-              </a:rPr>
               <a:t>. </a:t>
             </a:r>
-          </a:p>
-          <a:p>
-            <a:endParaRPr lang="en-US" sz="800" dirty="0">
-              <a:latin typeface="Times New Roman" panose="02020603050405020304" pitchFamily="18" charset="0"/>
-              <a:cs typeface="Times New Roman" panose="02020603050405020304" pitchFamily="18" charset="0"/>
-            </a:endParaRPr>
           </a:p>
         </p:txBody>
       </p:sp>
@@ -9609,8 +9646,8 @@
         </p:nvSpPr>
         <p:spPr>
           <a:xfrm>
-            <a:off x="3427946" y="10840433"/>
-            <a:ext cx="3233326" cy="1569660"/>
+            <a:off x="3607815" y="10095341"/>
+            <a:ext cx="2895823" cy="1446550"/>
           </a:xfrm>
           <a:prstGeom prst="rect">
             <a:avLst/>
@@ -9622,94 +9659,125 @@
           </a:bodyPr>
           <a:lstStyle/>
           <a:p>
-            <a:pPr marL="171450" indent="-171450">
-              <a:buFont typeface="Arial" panose="020B0604020202020204" pitchFamily="34" charset="0"/>
-              <a:buChar char="•"/>
-            </a:pPr>
-            <a:r>
-              <a:rPr lang="en-US" altLang="zh-CN" sz="800" b="1" dirty="0">
-                <a:latin typeface="Times New Roman" panose="02020603050405020304" pitchFamily="18" charset="0"/>
-                <a:cs typeface="Times New Roman" panose="02020603050405020304" pitchFamily="18" charset="0"/>
-              </a:rPr>
-              <a:t>Performance</a:t>
-            </a:r>
-            <a:r>
-              <a:rPr lang="zh-CN" altLang="en-US" sz="800" b="1" dirty="0">
-                <a:latin typeface="Times New Roman" panose="02020603050405020304" pitchFamily="18" charset="0"/>
-                <a:cs typeface="Times New Roman" panose="02020603050405020304" pitchFamily="18" charset="0"/>
-              </a:rPr>
-              <a:t> </a:t>
-            </a:r>
-            <a:r>
-              <a:rPr lang="en-US" altLang="zh-CN" sz="800" b="1" dirty="0">
-                <a:latin typeface="Times New Roman" panose="02020603050405020304" pitchFamily="18" charset="0"/>
-                <a:cs typeface="Times New Roman" panose="02020603050405020304" pitchFamily="18" charset="0"/>
-              </a:rPr>
-              <a:t>of</a:t>
-            </a:r>
-            <a:r>
-              <a:rPr lang="zh-CN" altLang="en-US" sz="800" b="1" dirty="0">
-                <a:latin typeface="Times New Roman" panose="02020603050405020304" pitchFamily="18" charset="0"/>
-                <a:cs typeface="Times New Roman" panose="02020603050405020304" pitchFamily="18" charset="0"/>
-              </a:rPr>
-              <a:t> </a:t>
-            </a:r>
-            <a:r>
-              <a:rPr lang="en-US" altLang="zh-CN" sz="800" b="1" dirty="0">
-                <a:latin typeface="Times New Roman" panose="02020603050405020304" pitchFamily="18" charset="0"/>
-                <a:cs typeface="Times New Roman" panose="02020603050405020304" pitchFamily="18" charset="0"/>
-              </a:rPr>
-              <a:t>NPS</a:t>
-            </a:r>
-            <a:r>
-              <a:rPr lang="zh-CN" altLang="en-US" sz="800" b="1" dirty="0">
-                <a:latin typeface="Times New Roman" panose="02020603050405020304" pitchFamily="18" charset="0"/>
-                <a:cs typeface="Times New Roman" panose="02020603050405020304" pitchFamily="18" charset="0"/>
-              </a:rPr>
-              <a:t> </a:t>
-            </a:r>
-            <a:r>
-              <a:rPr lang="en-US" altLang="zh-CN" sz="800" b="1" dirty="0">
-                <a:latin typeface="Times New Roman" panose="02020603050405020304" pitchFamily="18" charset="0"/>
-                <a:cs typeface="Times New Roman" panose="02020603050405020304" pitchFamily="18" charset="0"/>
-              </a:rPr>
-              <a:t>local</a:t>
-            </a:r>
-            <a:r>
-              <a:rPr lang="zh-CN" altLang="en-US" sz="800" b="1" dirty="0">
-                <a:latin typeface="Times New Roman" panose="02020603050405020304" pitchFamily="18" charset="0"/>
-                <a:cs typeface="Times New Roman" panose="02020603050405020304" pitchFamily="18" charset="0"/>
-              </a:rPr>
-              <a:t> </a:t>
-            </a:r>
-            <a:r>
-              <a:rPr lang="en-US" altLang="zh-CN" sz="800" b="1" dirty="0">
-                <a:latin typeface="Times New Roman" panose="02020603050405020304" pitchFamily="18" charset="0"/>
-                <a:cs typeface="Times New Roman" panose="02020603050405020304" pitchFamily="18" charset="0"/>
-              </a:rPr>
-              <a:t>brain</a:t>
-            </a:r>
-            <a:r>
-              <a:rPr lang="zh-CN" altLang="en-US" sz="800" b="1" dirty="0">
-                <a:latin typeface="Times New Roman" panose="02020603050405020304" pitchFamily="18" charset="0"/>
-                <a:cs typeface="Times New Roman" panose="02020603050405020304" pitchFamily="18" charset="0"/>
-              </a:rPr>
-              <a:t> </a:t>
-            </a:r>
-            <a:r>
-              <a:rPr lang="en-US" altLang="zh-CN" sz="800" b="1" dirty="0">
-                <a:latin typeface="Times New Roman" panose="02020603050405020304" pitchFamily="18" charset="0"/>
-                <a:cs typeface="Times New Roman" panose="02020603050405020304" pitchFamily="18" charset="0"/>
-              </a:rPr>
-              <a:t>regions</a:t>
-            </a:r>
-            <a:endParaRPr lang="en-US" sz="800" b="1" dirty="0">
+            <a:r>
+              <a:rPr lang="zh-CN" altLang="en-US" sz="800" dirty="0">
+                <a:latin typeface="Times New Roman" panose="02020603050405020304" pitchFamily="18" charset="0"/>
+                <a:cs typeface="Times New Roman" panose="02020603050405020304" pitchFamily="18" charset="0"/>
+              </a:rPr>
+              <a:t>* </a:t>
+            </a:r>
+            <a:r>
+              <a:rPr lang="en-US" altLang="zh-CN" sz="800" dirty="0">
+                <a:latin typeface="Times New Roman" panose="02020603050405020304" pitchFamily="18" charset="0"/>
+                <a:cs typeface="Times New Roman" panose="02020603050405020304" pitchFamily="18" charset="0"/>
+              </a:rPr>
+              <a:t>The</a:t>
+            </a:r>
+            <a:r>
+              <a:rPr lang="zh-CN" altLang="en-US" sz="800" dirty="0">
+                <a:latin typeface="Times New Roman" panose="02020603050405020304" pitchFamily="18" charset="0"/>
+                <a:cs typeface="Times New Roman" panose="02020603050405020304" pitchFamily="18" charset="0"/>
+              </a:rPr>
+              <a:t> </a:t>
+            </a:r>
+            <a:r>
+              <a:rPr lang="en-US" altLang="zh-CN" sz="800" dirty="0">
+                <a:latin typeface="Times New Roman" panose="02020603050405020304" pitchFamily="18" charset="0"/>
+                <a:cs typeface="Times New Roman" panose="02020603050405020304" pitchFamily="18" charset="0"/>
+              </a:rPr>
+              <a:t>effect</a:t>
+            </a:r>
+            <a:r>
+              <a:rPr lang="zh-CN" altLang="en-US" sz="800" dirty="0">
+                <a:latin typeface="Times New Roman" panose="02020603050405020304" pitchFamily="18" charset="0"/>
+                <a:cs typeface="Times New Roman" panose="02020603050405020304" pitchFamily="18" charset="0"/>
+              </a:rPr>
+              <a:t> </a:t>
+            </a:r>
+            <a:r>
+              <a:rPr lang="en-US" altLang="zh-CN" sz="800" dirty="0">
+                <a:latin typeface="Times New Roman" panose="02020603050405020304" pitchFamily="18" charset="0"/>
+                <a:cs typeface="Times New Roman" panose="02020603050405020304" pitchFamily="18" charset="0"/>
+              </a:rPr>
+              <a:t>sizes</a:t>
+            </a:r>
+            <a:r>
+              <a:rPr lang="zh-CN" altLang="en-US" sz="800" dirty="0">
+                <a:latin typeface="Times New Roman" panose="02020603050405020304" pitchFamily="18" charset="0"/>
+                <a:cs typeface="Times New Roman" panose="02020603050405020304" pitchFamily="18" charset="0"/>
+              </a:rPr>
+              <a:t> </a:t>
+            </a:r>
+            <a:r>
+              <a:rPr lang="en-US" sz="800" dirty="0">
+                <a:latin typeface="Times New Roman" panose="02020603050405020304" pitchFamily="18" charset="0"/>
+                <a:cs typeface="Times New Roman" panose="02020603050405020304" pitchFamily="18" charset="0"/>
+              </a:rPr>
+              <a:t>in the contrast of [Pain minus Baseline] rang</a:t>
+            </a:r>
+            <a:r>
+              <a:rPr lang="en-US" altLang="zh-CN" sz="800" dirty="0">
+                <a:latin typeface="Times New Roman" panose="02020603050405020304" pitchFamily="18" charset="0"/>
+                <a:cs typeface="Times New Roman" panose="02020603050405020304" pitchFamily="18" charset="0"/>
+              </a:rPr>
+              <a:t>e</a:t>
+            </a:r>
+            <a:r>
+              <a:rPr lang="en-US" sz="800" dirty="0">
+                <a:latin typeface="Times New Roman" panose="02020603050405020304" pitchFamily="18" charset="0"/>
+                <a:cs typeface="Times New Roman" panose="02020603050405020304" pitchFamily="18" charset="0"/>
+              </a:rPr>
+              <a:t> from Cohen‘s d = </a:t>
+            </a:r>
+            <a:r>
+              <a:rPr lang="en-US" altLang="zh-CN" sz="800" dirty="0">
+                <a:latin typeface="Times New Roman" panose="02020603050405020304" pitchFamily="18" charset="0"/>
+                <a:cs typeface="Times New Roman" panose="02020603050405020304" pitchFamily="18" charset="0"/>
+              </a:rPr>
+              <a:t>-0.63</a:t>
+            </a:r>
+            <a:r>
+              <a:rPr lang="en-US" sz="800" dirty="0">
+                <a:latin typeface="Times New Roman" panose="02020603050405020304" pitchFamily="18" charset="0"/>
+                <a:cs typeface="Times New Roman" panose="02020603050405020304" pitchFamily="18" charset="0"/>
+              </a:rPr>
+              <a:t> to </a:t>
+            </a:r>
+            <a:r>
+              <a:rPr lang="en-US" altLang="zh-CN" sz="800" dirty="0">
+                <a:latin typeface="Times New Roman" panose="02020603050405020304" pitchFamily="18" charset="0"/>
+                <a:cs typeface="Times New Roman" panose="02020603050405020304" pitchFamily="18" charset="0"/>
+              </a:rPr>
+              <a:t>1.51</a:t>
+            </a:r>
+            <a:r>
+              <a:rPr lang="en-US" sz="800" dirty="0">
+                <a:latin typeface="Times New Roman" panose="02020603050405020304" pitchFamily="18" charset="0"/>
+                <a:cs typeface="Times New Roman" panose="02020603050405020304" pitchFamily="18" charset="0"/>
+              </a:rPr>
+              <a:t>.</a:t>
+            </a:r>
+            <a:r>
+              <a:rPr lang="zh-CN" altLang="en-US" sz="800" dirty="0">
+                <a:latin typeface="Times New Roman" panose="02020603050405020304" pitchFamily="18" charset="0"/>
+                <a:cs typeface="Times New Roman" panose="02020603050405020304" pitchFamily="18" charset="0"/>
+              </a:rPr>
+              <a:t> </a:t>
+            </a:r>
+            <a:endParaRPr lang="en-US" altLang="zh-CN" sz="800" dirty="0">
               <a:latin typeface="Times New Roman" panose="02020603050405020304" pitchFamily="18" charset="0"/>
               <a:cs typeface="Times New Roman" panose="02020603050405020304" pitchFamily="18" charset="0"/>
             </a:endParaRPr>
           </a:p>
           <a:p>
             <a:r>
+              <a:rPr lang="zh-CN" altLang="en-US" sz="800" dirty="0">
+                <a:latin typeface="Times New Roman" panose="02020603050405020304" pitchFamily="18" charset="0"/>
+                <a:cs typeface="Times New Roman" panose="02020603050405020304" pitchFamily="18" charset="0"/>
+              </a:rPr>
+              <a:t>* </a:t>
+            </a:r>
+            <a:r>
               <a:rPr lang="en-US" altLang="zh-CN" sz="800" dirty="0">
                 <a:latin typeface="Times New Roman" panose="02020603050405020304" pitchFamily="18" charset="0"/>
                 <a:cs typeface="Times New Roman" panose="02020603050405020304" pitchFamily="18" charset="0"/>
@@ -9766,87 +9834,359 @@
               <a:t> </a:t>
             </a:r>
             <a:r>
+              <a:rPr lang="en-US" altLang="zh-CN" sz="800" dirty="0">
+                <a:latin typeface="Times New Roman" panose="02020603050405020304" pitchFamily="18" charset="0"/>
+                <a:cs typeface="Times New Roman" panose="02020603050405020304" pitchFamily="18" charset="0"/>
+              </a:rPr>
+              <a:t>the</a:t>
+            </a:r>
+            <a:r>
+              <a:rPr lang="zh-CN" altLang="en-US" sz="800" dirty="0">
+                <a:latin typeface="Times New Roman" panose="02020603050405020304" pitchFamily="18" charset="0"/>
+                <a:cs typeface="Times New Roman" panose="02020603050405020304" pitchFamily="18" charset="0"/>
+              </a:rPr>
+              <a:t> </a:t>
+            </a:r>
+            <a:r>
+              <a:rPr lang="en-US" altLang="zh-CN" sz="800" dirty="0">
+                <a:latin typeface="Times New Roman" panose="02020603050405020304" pitchFamily="18" charset="0"/>
+                <a:cs typeface="Times New Roman" panose="02020603050405020304" pitchFamily="18" charset="0"/>
+              </a:rPr>
+              <a:t>within-subject</a:t>
+            </a:r>
+            <a:r>
+              <a:rPr lang="zh-CN" altLang="en-US" sz="800" dirty="0">
+                <a:latin typeface="Times New Roman" panose="02020603050405020304" pitchFamily="18" charset="0"/>
+                <a:cs typeface="Times New Roman" panose="02020603050405020304" pitchFamily="18" charset="0"/>
+              </a:rPr>
+              <a:t> </a:t>
+            </a:r>
+            <a:r>
+              <a:rPr lang="en-US" altLang="zh-CN" sz="800" dirty="0">
+                <a:latin typeface="Times New Roman" panose="02020603050405020304" pitchFamily="18" charset="0"/>
+                <a:cs typeface="Times New Roman" panose="02020603050405020304" pitchFamily="18" charset="0"/>
+              </a:rPr>
+              <a:t>correlations</a:t>
+            </a:r>
+            <a:r>
+              <a:rPr lang="zh-CN" altLang="en-US" sz="800" dirty="0">
+                <a:latin typeface="Times New Roman" panose="02020603050405020304" pitchFamily="18" charset="0"/>
+                <a:cs typeface="Times New Roman" panose="02020603050405020304" pitchFamily="18" charset="0"/>
+              </a:rPr>
+              <a:t> </a:t>
+            </a:r>
+            <a:r>
+              <a:rPr lang="en-US" altLang="zh-CN" sz="800" dirty="0">
+                <a:latin typeface="Times New Roman" panose="02020603050405020304" pitchFamily="18" charset="0"/>
+                <a:cs typeface="Times New Roman" panose="02020603050405020304" pitchFamily="18" charset="0"/>
+              </a:rPr>
+              <a:t>with</a:t>
+            </a:r>
+            <a:r>
+              <a:rPr lang="zh-CN" altLang="en-US" sz="800" dirty="0">
+                <a:latin typeface="Times New Roman" panose="02020603050405020304" pitchFamily="18" charset="0"/>
+                <a:cs typeface="Times New Roman" panose="02020603050405020304" pitchFamily="18" charset="0"/>
+              </a:rPr>
+              <a:t> </a:t>
+            </a:r>
+            <a:r>
+              <a:rPr lang="en-US" altLang="zh-CN" sz="800" dirty="0">
+                <a:latin typeface="Times New Roman" panose="02020603050405020304" pitchFamily="18" charset="0"/>
+                <a:cs typeface="Times New Roman" panose="02020603050405020304" pitchFamily="18" charset="0"/>
+              </a:rPr>
+              <a:t>temperature</a:t>
+            </a:r>
+            <a:r>
+              <a:rPr lang="zh-CN" altLang="en-US" sz="800" dirty="0">
+                <a:latin typeface="Times New Roman" panose="02020603050405020304" pitchFamily="18" charset="0"/>
+                <a:cs typeface="Times New Roman" panose="02020603050405020304" pitchFamily="18" charset="0"/>
+              </a:rPr>
+              <a:t> </a:t>
+            </a:r>
+            <a:r>
+              <a:rPr lang="en-US" altLang="zh-CN" sz="800" dirty="0">
+                <a:latin typeface="Times New Roman" panose="02020603050405020304" pitchFamily="18" charset="0"/>
+                <a:cs typeface="Times New Roman" panose="02020603050405020304" pitchFamily="18" charset="0"/>
+              </a:rPr>
+              <a:t>range</a:t>
+            </a:r>
+            <a:r>
+              <a:rPr lang="zh-CN" altLang="en-US" sz="800" dirty="0">
+                <a:latin typeface="Times New Roman" panose="02020603050405020304" pitchFamily="18" charset="0"/>
+                <a:cs typeface="Times New Roman" panose="02020603050405020304" pitchFamily="18" charset="0"/>
+              </a:rPr>
+              <a:t> </a:t>
+            </a:r>
+            <a:r>
+              <a:rPr lang="en-US" altLang="zh-CN" sz="800" dirty="0">
+                <a:latin typeface="Times New Roman" panose="02020603050405020304" pitchFamily="18" charset="0"/>
+                <a:cs typeface="Times New Roman" panose="02020603050405020304" pitchFamily="18" charset="0"/>
+              </a:rPr>
+              <a:t>from</a:t>
+            </a:r>
+            <a:r>
+              <a:rPr lang="zh-CN" altLang="en-US" sz="800" dirty="0">
+                <a:latin typeface="Times New Roman" panose="02020603050405020304" pitchFamily="18" charset="0"/>
+                <a:cs typeface="Times New Roman" panose="02020603050405020304" pitchFamily="18" charset="0"/>
+              </a:rPr>
+              <a:t> </a:t>
+            </a:r>
+            <a:r>
               <a:rPr lang="en-US" sz="800" dirty="0">
                 <a:latin typeface="Times New Roman" panose="02020603050405020304" pitchFamily="18" charset="0"/>
                 <a:cs typeface="Times New Roman" panose="02020603050405020304" pitchFamily="18" charset="0"/>
               </a:rPr>
-              <a:t>NPS </a:t>
-            </a:r>
-            <a:r>
-              <a:rPr lang="en-US" altLang="zh-CN" sz="800" dirty="0">
-                <a:latin typeface="Times New Roman" panose="02020603050405020304" pitchFamily="18" charset="0"/>
-                <a:cs typeface="Times New Roman" panose="02020603050405020304" pitchFamily="18" charset="0"/>
-              </a:rPr>
-              <a:t>local</a:t>
-            </a:r>
-            <a:r>
-              <a:rPr lang="zh-CN" altLang="en-US" sz="800" dirty="0">
-                <a:latin typeface="Times New Roman" panose="02020603050405020304" pitchFamily="18" charset="0"/>
-                <a:cs typeface="Times New Roman" panose="02020603050405020304" pitchFamily="18" charset="0"/>
-              </a:rPr>
-              <a:t> </a:t>
-            </a:r>
-            <a:r>
-              <a:rPr lang="en-US" altLang="zh-CN" sz="800" dirty="0">
-                <a:latin typeface="Times New Roman" panose="02020603050405020304" pitchFamily="18" charset="0"/>
-                <a:cs typeface="Times New Roman" panose="02020603050405020304" pitchFamily="18" charset="0"/>
-              </a:rPr>
-              <a:t>brain</a:t>
-            </a:r>
-            <a:r>
-              <a:rPr lang="zh-CN" altLang="en-US" sz="800" dirty="0">
-                <a:latin typeface="Times New Roman" panose="02020603050405020304" pitchFamily="18" charset="0"/>
-                <a:cs typeface="Times New Roman" panose="02020603050405020304" pitchFamily="18" charset="0"/>
-              </a:rPr>
-              <a:t> </a:t>
-            </a:r>
-            <a:r>
-              <a:rPr lang="en-US" altLang="zh-CN" sz="800" dirty="0">
-                <a:latin typeface="Times New Roman" panose="02020603050405020304" pitchFamily="18" charset="0"/>
-                <a:cs typeface="Times New Roman" panose="02020603050405020304" pitchFamily="18" charset="0"/>
-              </a:rPr>
-              <a:t>regions’</a:t>
-            </a:r>
-            <a:r>
-              <a:rPr lang="zh-CN" altLang="en-US" sz="800" dirty="0">
-                <a:latin typeface="Times New Roman" panose="02020603050405020304" pitchFamily="18" charset="0"/>
-                <a:cs typeface="Times New Roman" panose="02020603050405020304" pitchFamily="18" charset="0"/>
-              </a:rPr>
-              <a:t> </a:t>
+              <a:t>Cohen‘s d = </a:t>
+            </a:r>
+            <a:r>
+              <a:rPr lang="en-US" altLang="zh-CN" sz="800" dirty="0">
+                <a:latin typeface="Times New Roman" panose="02020603050405020304" pitchFamily="18" charset="0"/>
+                <a:cs typeface="Times New Roman" panose="02020603050405020304" pitchFamily="18" charset="0"/>
+              </a:rPr>
+              <a:t>-0.14</a:t>
             </a:r>
             <a:r>
               <a:rPr lang="en-US" sz="800" dirty="0">
                 <a:latin typeface="Times New Roman" panose="02020603050405020304" pitchFamily="18" charset="0"/>
                 <a:cs typeface="Times New Roman" panose="02020603050405020304" pitchFamily="18" charset="0"/>
               </a:rPr>
-              <a:t>responses in the contrast of [Pain minus Baseline] rang</a:t>
-            </a:r>
-            <a:r>
-              <a:rPr lang="en-US" altLang="zh-CN" sz="800" dirty="0">
-                <a:latin typeface="Times New Roman" panose="02020603050405020304" pitchFamily="18" charset="0"/>
-                <a:cs typeface="Times New Roman" panose="02020603050405020304" pitchFamily="18" charset="0"/>
-              </a:rPr>
-              <a:t>e</a:t>
+              <a:t> to </a:t>
+            </a:r>
+            <a:r>
+              <a:rPr lang="en-US" altLang="zh-CN" sz="800" dirty="0">
+                <a:latin typeface="Times New Roman" panose="02020603050405020304" pitchFamily="18" charset="0"/>
+                <a:cs typeface="Times New Roman" panose="02020603050405020304" pitchFamily="18" charset="0"/>
+              </a:rPr>
+              <a:t>1.12</a:t>
             </a:r>
             <a:r>
               <a:rPr lang="en-US" sz="800" dirty="0">
                 <a:latin typeface="Times New Roman" panose="02020603050405020304" pitchFamily="18" charset="0"/>
                 <a:cs typeface="Times New Roman" panose="02020603050405020304" pitchFamily="18" charset="0"/>
               </a:rPr>
-              <a:t> from Cohen‘s d = </a:t>
-            </a:r>
-            <a:r>
-              <a:rPr lang="en-US" altLang="zh-CN" sz="800" dirty="0">
-                <a:latin typeface="Times New Roman" panose="02020603050405020304" pitchFamily="18" charset="0"/>
-                <a:cs typeface="Times New Roman" panose="02020603050405020304" pitchFamily="18" charset="0"/>
-              </a:rPr>
-              <a:t>-0.63</a:t>
+              <a:t>.</a:t>
+            </a:r>
+            <a:r>
+              <a:rPr lang="zh-CN" altLang="en-US" sz="800" dirty="0">
+                <a:latin typeface="Times New Roman" panose="02020603050405020304" pitchFamily="18" charset="0"/>
+                <a:cs typeface="Times New Roman" panose="02020603050405020304" pitchFamily="18" charset="0"/>
+              </a:rPr>
+              <a:t> </a:t>
+            </a:r>
+            <a:endParaRPr lang="en-US" altLang="zh-CN" sz="800" dirty="0">
+              <a:latin typeface="Times New Roman" panose="02020603050405020304" pitchFamily="18" charset="0"/>
+              <a:cs typeface="Times New Roman" panose="02020603050405020304" pitchFamily="18" charset="0"/>
+            </a:endParaRPr>
+          </a:p>
+          <a:p>
+            <a:r>
+              <a:rPr lang="zh-CN" altLang="en-US" sz="800" dirty="0">
+                <a:latin typeface="Times New Roman" panose="02020603050405020304" pitchFamily="18" charset="0"/>
+                <a:cs typeface="Times New Roman" panose="02020603050405020304" pitchFamily="18" charset="0"/>
+              </a:rPr>
+              <a:t>* </a:t>
+            </a:r>
+            <a:r>
+              <a:rPr lang="en-US" altLang="zh-CN" sz="800" dirty="0">
+                <a:latin typeface="Times New Roman" panose="02020603050405020304" pitchFamily="18" charset="0"/>
+                <a:cs typeface="Times New Roman" panose="02020603050405020304" pitchFamily="18" charset="0"/>
+              </a:rPr>
+              <a:t>The</a:t>
+            </a:r>
+            <a:r>
+              <a:rPr lang="zh-CN" altLang="en-US" sz="800" dirty="0">
+                <a:latin typeface="Times New Roman" panose="02020603050405020304" pitchFamily="18" charset="0"/>
+                <a:cs typeface="Times New Roman" panose="02020603050405020304" pitchFamily="18" charset="0"/>
+              </a:rPr>
+              <a:t> </a:t>
+            </a:r>
+            <a:r>
+              <a:rPr lang="en-US" altLang="zh-CN" sz="800" dirty="0">
+                <a:latin typeface="Times New Roman" panose="02020603050405020304" pitchFamily="18" charset="0"/>
+                <a:cs typeface="Times New Roman" panose="02020603050405020304" pitchFamily="18" charset="0"/>
+              </a:rPr>
+              <a:t>effect</a:t>
+            </a:r>
+            <a:r>
+              <a:rPr lang="zh-CN" altLang="en-US" sz="800" dirty="0">
+                <a:latin typeface="Times New Roman" panose="02020603050405020304" pitchFamily="18" charset="0"/>
+                <a:cs typeface="Times New Roman" panose="02020603050405020304" pitchFamily="18" charset="0"/>
+              </a:rPr>
+              <a:t> </a:t>
+            </a:r>
+            <a:r>
+              <a:rPr lang="en-US" altLang="zh-CN" sz="800" dirty="0">
+                <a:latin typeface="Times New Roman" panose="02020603050405020304" pitchFamily="18" charset="0"/>
+                <a:cs typeface="Times New Roman" panose="02020603050405020304" pitchFamily="18" charset="0"/>
+              </a:rPr>
+              <a:t>sizes</a:t>
+            </a:r>
+            <a:r>
+              <a:rPr lang="zh-CN" altLang="en-US" sz="800" dirty="0">
+                <a:latin typeface="Times New Roman" panose="02020603050405020304" pitchFamily="18" charset="0"/>
+                <a:cs typeface="Times New Roman" panose="02020603050405020304" pitchFamily="18" charset="0"/>
+              </a:rPr>
+              <a:t> </a:t>
+            </a:r>
+            <a:r>
+              <a:rPr lang="en-US" altLang="zh-CN" sz="800" dirty="0">
+                <a:latin typeface="Times New Roman" panose="02020603050405020304" pitchFamily="18" charset="0"/>
+                <a:cs typeface="Times New Roman" panose="02020603050405020304" pitchFamily="18" charset="0"/>
+              </a:rPr>
+              <a:t>of</a:t>
+            </a:r>
+            <a:r>
+              <a:rPr lang="zh-CN" altLang="en-US" sz="800" dirty="0">
+                <a:latin typeface="Times New Roman" panose="02020603050405020304" pitchFamily="18" charset="0"/>
+                <a:cs typeface="Times New Roman" panose="02020603050405020304" pitchFamily="18" charset="0"/>
+              </a:rPr>
+              <a:t> </a:t>
+            </a:r>
+            <a:r>
+              <a:rPr lang="en-US" altLang="zh-CN" sz="800" dirty="0">
+                <a:latin typeface="Times New Roman" panose="02020603050405020304" pitchFamily="18" charset="0"/>
+                <a:cs typeface="Times New Roman" panose="02020603050405020304" pitchFamily="18" charset="0"/>
+              </a:rPr>
+              <a:t>the</a:t>
+            </a:r>
+            <a:r>
+              <a:rPr lang="zh-CN" altLang="en-US" sz="800" dirty="0">
+                <a:latin typeface="Times New Roman" panose="02020603050405020304" pitchFamily="18" charset="0"/>
+                <a:cs typeface="Times New Roman" panose="02020603050405020304" pitchFamily="18" charset="0"/>
+              </a:rPr>
+              <a:t> </a:t>
+            </a:r>
+            <a:r>
+              <a:rPr lang="en-US" altLang="zh-CN" sz="800" dirty="0">
+                <a:latin typeface="Times New Roman" panose="02020603050405020304" pitchFamily="18" charset="0"/>
+                <a:cs typeface="Times New Roman" panose="02020603050405020304" pitchFamily="18" charset="0"/>
+              </a:rPr>
+              <a:t>within-subject</a:t>
+            </a:r>
+            <a:r>
+              <a:rPr lang="zh-CN" altLang="en-US" sz="800" dirty="0">
+                <a:latin typeface="Times New Roman" panose="02020603050405020304" pitchFamily="18" charset="0"/>
+                <a:cs typeface="Times New Roman" panose="02020603050405020304" pitchFamily="18" charset="0"/>
+              </a:rPr>
+              <a:t> </a:t>
+            </a:r>
+            <a:r>
+              <a:rPr lang="en-US" altLang="zh-CN" sz="800" dirty="0">
+                <a:latin typeface="Times New Roman" panose="02020603050405020304" pitchFamily="18" charset="0"/>
+                <a:cs typeface="Times New Roman" panose="02020603050405020304" pitchFamily="18" charset="0"/>
+              </a:rPr>
+              <a:t>correlations</a:t>
+            </a:r>
+            <a:r>
+              <a:rPr lang="zh-CN" altLang="en-US" sz="800" dirty="0">
+                <a:latin typeface="Times New Roman" panose="02020603050405020304" pitchFamily="18" charset="0"/>
+                <a:cs typeface="Times New Roman" panose="02020603050405020304" pitchFamily="18" charset="0"/>
+              </a:rPr>
+              <a:t> </a:t>
+            </a:r>
+            <a:r>
+              <a:rPr lang="en-US" altLang="zh-CN" sz="800" dirty="0">
+                <a:latin typeface="Times New Roman" panose="02020603050405020304" pitchFamily="18" charset="0"/>
+                <a:cs typeface="Times New Roman" panose="02020603050405020304" pitchFamily="18" charset="0"/>
+              </a:rPr>
+              <a:t>with</a:t>
+            </a:r>
+            <a:r>
+              <a:rPr lang="zh-CN" altLang="en-US" sz="800" dirty="0">
+                <a:latin typeface="Times New Roman" panose="02020603050405020304" pitchFamily="18" charset="0"/>
+                <a:cs typeface="Times New Roman" panose="02020603050405020304" pitchFamily="18" charset="0"/>
+              </a:rPr>
+              <a:t> </a:t>
+            </a:r>
+            <a:r>
+              <a:rPr lang="en-US" altLang="zh-CN" sz="800" dirty="0">
+                <a:latin typeface="Times New Roman" panose="02020603050405020304" pitchFamily="18" charset="0"/>
+                <a:cs typeface="Times New Roman" panose="02020603050405020304" pitchFamily="18" charset="0"/>
+              </a:rPr>
+              <a:t>subjective</a:t>
+            </a:r>
+            <a:r>
+              <a:rPr lang="zh-CN" altLang="en-US" sz="800" dirty="0">
+                <a:latin typeface="Times New Roman" panose="02020603050405020304" pitchFamily="18" charset="0"/>
+                <a:cs typeface="Times New Roman" panose="02020603050405020304" pitchFamily="18" charset="0"/>
+              </a:rPr>
+              <a:t> </a:t>
+            </a:r>
+            <a:r>
+              <a:rPr lang="en-US" altLang="zh-CN" sz="800" dirty="0">
+                <a:latin typeface="Times New Roman" panose="02020603050405020304" pitchFamily="18" charset="0"/>
+                <a:cs typeface="Times New Roman" panose="02020603050405020304" pitchFamily="18" charset="0"/>
+              </a:rPr>
+              <a:t>pain</a:t>
+            </a:r>
+            <a:r>
+              <a:rPr lang="zh-CN" altLang="en-US" sz="800" dirty="0">
+                <a:latin typeface="Times New Roman" panose="02020603050405020304" pitchFamily="18" charset="0"/>
+                <a:cs typeface="Times New Roman" panose="02020603050405020304" pitchFamily="18" charset="0"/>
+              </a:rPr>
+              <a:t> </a:t>
+            </a:r>
+            <a:r>
+              <a:rPr lang="en-US" altLang="zh-CN" sz="800" dirty="0">
+                <a:latin typeface="Times New Roman" panose="02020603050405020304" pitchFamily="18" charset="0"/>
+                <a:cs typeface="Times New Roman" panose="02020603050405020304" pitchFamily="18" charset="0"/>
+              </a:rPr>
+              <a:t>ratings</a:t>
+            </a:r>
+            <a:r>
+              <a:rPr lang="zh-CN" altLang="en-US" sz="800" dirty="0">
+                <a:latin typeface="Times New Roman" panose="02020603050405020304" pitchFamily="18" charset="0"/>
+                <a:cs typeface="Times New Roman" panose="02020603050405020304" pitchFamily="18" charset="0"/>
+              </a:rPr>
+              <a:t> </a:t>
+            </a:r>
+            <a:r>
+              <a:rPr lang="en-US" altLang="zh-CN" sz="800" dirty="0">
+                <a:latin typeface="Times New Roman" panose="02020603050405020304" pitchFamily="18" charset="0"/>
+                <a:cs typeface="Times New Roman" panose="02020603050405020304" pitchFamily="18" charset="0"/>
+              </a:rPr>
+              <a:t>range</a:t>
+            </a:r>
+            <a:r>
+              <a:rPr lang="zh-CN" altLang="en-US" sz="800" dirty="0">
+                <a:latin typeface="Times New Roman" panose="02020603050405020304" pitchFamily="18" charset="0"/>
+                <a:cs typeface="Times New Roman" panose="02020603050405020304" pitchFamily="18" charset="0"/>
+              </a:rPr>
+              <a:t> </a:t>
+            </a:r>
+            <a:r>
+              <a:rPr lang="en-US" altLang="zh-CN" sz="800" dirty="0">
+                <a:latin typeface="Times New Roman" panose="02020603050405020304" pitchFamily="18" charset="0"/>
+                <a:cs typeface="Times New Roman" panose="02020603050405020304" pitchFamily="18" charset="0"/>
+              </a:rPr>
+              <a:t>from</a:t>
+            </a:r>
+            <a:r>
+              <a:rPr lang="zh-CN" altLang="en-US" sz="800" dirty="0">
+                <a:latin typeface="Times New Roman" panose="02020603050405020304" pitchFamily="18" charset="0"/>
+                <a:cs typeface="Times New Roman" panose="02020603050405020304" pitchFamily="18" charset="0"/>
+              </a:rPr>
+              <a:t> </a:t>
             </a:r>
             <a:r>
               <a:rPr lang="en-US" sz="800" dirty="0">
                 <a:latin typeface="Times New Roman" panose="02020603050405020304" pitchFamily="18" charset="0"/>
                 <a:cs typeface="Times New Roman" panose="02020603050405020304" pitchFamily="18" charset="0"/>
               </a:rPr>
+              <a:t>Cohen‘s d = </a:t>
+            </a:r>
+            <a:r>
+              <a:rPr lang="en-US" altLang="zh-CN" sz="800" dirty="0">
+                <a:latin typeface="Times New Roman" panose="02020603050405020304" pitchFamily="18" charset="0"/>
+                <a:cs typeface="Times New Roman" panose="02020603050405020304" pitchFamily="18" charset="0"/>
+              </a:rPr>
+              <a:t>-0.27</a:t>
+            </a:r>
+            <a:r>
+              <a:rPr lang="en-US" sz="800" dirty="0">
+                <a:latin typeface="Times New Roman" panose="02020603050405020304" pitchFamily="18" charset="0"/>
+                <a:cs typeface="Times New Roman" panose="02020603050405020304" pitchFamily="18" charset="0"/>
+              </a:rPr>
               <a:t> to </a:t>
             </a:r>
             <a:r>
@@ -9854,7 +10194,7 @@
                 <a:latin typeface="Times New Roman" panose="02020603050405020304" pitchFamily="18" charset="0"/>
                 <a:cs typeface="Times New Roman" panose="02020603050405020304" pitchFamily="18" charset="0"/>
               </a:rPr>
-              <a:t>1.51</a:t>
+              <a:t>1.09</a:t>
             </a:r>
             <a:r>
               <a:rPr lang="en-US" sz="800" dirty="0">
@@ -9870,6 +10210,19 @@
               </a:rPr>
               <a:t> </a:t>
             </a:r>
+            <a:endParaRPr lang="en-US" altLang="zh-CN" sz="800" dirty="0">
+              <a:latin typeface="Times New Roman" panose="02020603050405020304" pitchFamily="18" charset="0"/>
+              <a:cs typeface="Times New Roman" panose="02020603050405020304" pitchFamily="18" charset="0"/>
+            </a:endParaRPr>
+          </a:p>
+          <a:p>
+            <a:r>
+              <a:rPr lang="zh-CN" altLang="en-US" sz="800" dirty="0">
+                <a:latin typeface="Times New Roman" panose="02020603050405020304" pitchFamily="18" charset="0"/>
+                <a:cs typeface="Times New Roman" panose="02020603050405020304" pitchFamily="18" charset="0"/>
+              </a:rPr>
+              <a:t>* </a:t>
+            </a:r>
             <a:r>
               <a:rPr lang="en-US" altLang="zh-CN" sz="800" dirty="0">
                 <a:latin typeface="Times New Roman" panose="02020603050405020304" pitchFamily="18" charset="0"/>
@@ -9945,6 +10298,20 @@
                 <a:latin typeface="Times New Roman" panose="02020603050405020304" pitchFamily="18" charset="0"/>
                 <a:cs typeface="Times New Roman" panose="02020603050405020304" pitchFamily="18" charset="0"/>
               </a:rPr>
+              <a:t>between-subject</a:t>
+            </a:r>
+            <a:r>
+              <a:rPr lang="zh-CN" altLang="en-US" sz="800" dirty="0">
+                <a:latin typeface="Times New Roman" panose="02020603050405020304" pitchFamily="18" charset="0"/>
+                <a:cs typeface="Times New Roman" panose="02020603050405020304" pitchFamily="18" charset="0"/>
+              </a:rPr>
+              <a:t> </a:t>
+            </a:r>
+            <a:r>
+              <a:rPr lang="en-US" altLang="zh-CN" sz="800" dirty="0">
+                <a:latin typeface="Times New Roman" panose="02020603050405020304" pitchFamily="18" charset="0"/>
+                <a:cs typeface="Times New Roman" panose="02020603050405020304" pitchFamily="18" charset="0"/>
+              </a:rPr>
               <a:t>correlations</a:t>
             </a:r>
             <a:r>
@@ -9959,91 +10326,49 @@
                 <a:latin typeface="Times New Roman" panose="02020603050405020304" pitchFamily="18" charset="0"/>
                 <a:cs typeface="Times New Roman" panose="02020603050405020304" pitchFamily="18" charset="0"/>
               </a:rPr>
-              <a:t>between</a:t>
-            </a:r>
-            <a:r>
-              <a:rPr lang="zh-CN" altLang="en-US" sz="800" dirty="0">
-                <a:latin typeface="Times New Roman" panose="02020603050405020304" pitchFamily="18" charset="0"/>
-                <a:cs typeface="Times New Roman" panose="02020603050405020304" pitchFamily="18" charset="0"/>
-              </a:rPr>
-              <a:t> </a:t>
-            </a:r>
-            <a:r>
-              <a:rPr lang="en-US" altLang="zh-CN" sz="800" dirty="0">
-                <a:latin typeface="Times New Roman" panose="02020603050405020304" pitchFamily="18" charset="0"/>
-                <a:cs typeface="Times New Roman" panose="02020603050405020304" pitchFamily="18" charset="0"/>
-              </a:rPr>
-              <a:t>NPS</a:t>
-            </a:r>
-            <a:r>
-              <a:rPr lang="zh-CN" altLang="en-US" sz="800" dirty="0">
-                <a:latin typeface="Times New Roman" panose="02020603050405020304" pitchFamily="18" charset="0"/>
-                <a:cs typeface="Times New Roman" panose="02020603050405020304" pitchFamily="18" charset="0"/>
-              </a:rPr>
-              <a:t> </a:t>
-            </a:r>
-            <a:r>
-              <a:rPr lang="en-US" altLang="zh-CN" sz="800" dirty="0">
-                <a:latin typeface="Times New Roman" panose="02020603050405020304" pitchFamily="18" charset="0"/>
-                <a:cs typeface="Times New Roman" panose="02020603050405020304" pitchFamily="18" charset="0"/>
-              </a:rPr>
-              <a:t>local</a:t>
-            </a:r>
-            <a:r>
-              <a:rPr lang="zh-CN" altLang="en-US" sz="800" dirty="0">
-                <a:latin typeface="Times New Roman" panose="02020603050405020304" pitchFamily="18" charset="0"/>
-                <a:cs typeface="Times New Roman" panose="02020603050405020304" pitchFamily="18" charset="0"/>
-              </a:rPr>
-              <a:t> </a:t>
-            </a:r>
-            <a:r>
-              <a:rPr lang="en-US" altLang="zh-CN" sz="800" dirty="0">
-                <a:latin typeface="Times New Roman" panose="02020603050405020304" pitchFamily="18" charset="0"/>
-                <a:cs typeface="Times New Roman" panose="02020603050405020304" pitchFamily="18" charset="0"/>
-              </a:rPr>
-              <a:t>brain</a:t>
-            </a:r>
-            <a:r>
-              <a:rPr lang="zh-CN" altLang="en-US" sz="800" dirty="0">
-                <a:latin typeface="Times New Roman" panose="02020603050405020304" pitchFamily="18" charset="0"/>
-                <a:cs typeface="Times New Roman" panose="02020603050405020304" pitchFamily="18" charset="0"/>
-              </a:rPr>
-              <a:t> </a:t>
-            </a:r>
-            <a:r>
-              <a:rPr lang="en-US" altLang="zh-CN" sz="800" dirty="0">
-                <a:latin typeface="Times New Roman" panose="02020603050405020304" pitchFamily="18" charset="0"/>
-                <a:cs typeface="Times New Roman" panose="02020603050405020304" pitchFamily="18" charset="0"/>
-              </a:rPr>
-              <a:t>regions</a:t>
-            </a:r>
-            <a:r>
-              <a:rPr lang="zh-CN" altLang="en-US" sz="800" dirty="0">
-                <a:latin typeface="Times New Roman" panose="02020603050405020304" pitchFamily="18" charset="0"/>
-                <a:cs typeface="Times New Roman" panose="02020603050405020304" pitchFamily="18" charset="0"/>
-              </a:rPr>
-              <a:t> </a:t>
-            </a:r>
-            <a:r>
-              <a:rPr lang="en-US" altLang="zh-CN" sz="800" dirty="0">
-                <a:latin typeface="Times New Roman" panose="02020603050405020304" pitchFamily="18" charset="0"/>
-                <a:cs typeface="Times New Roman" panose="02020603050405020304" pitchFamily="18" charset="0"/>
-              </a:rPr>
-              <a:t>and</a:t>
-            </a:r>
-            <a:r>
-              <a:rPr lang="zh-CN" altLang="en-US" sz="800" dirty="0">
-                <a:latin typeface="Times New Roman" panose="02020603050405020304" pitchFamily="18" charset="0"/>
-                <a:cs typeface="Times New Roman" panose="02020603050405020304" pitchFamily="18" charset="0"/>
-              </a:rPr>
-              <a:t> </a:t>
-            </a:r>
-            <a:r>
-              <a:rPr lang="en-US" altLang="zh-CN" sz="800" dirty="0">
-                <a:latin typeface="Times New Roman" panose="02020603050405020304" pitchFamily="18" charset="0"/>
-                <a:cs typeface="Times New Roman" panose="02020603050405020304" pitchFamily="18" charset="0"/>
-              </a:rPr>
-              <a:t>temperature</a:t>
+              <a:t>with</a:t>
+            </a:r>
+            <a:r>
+              <a:rPr lang="zh-CN" altLang="en-US" sz="800" dirty="0">
+                <a:latin typeface="Times New Roman" panose="02020603050405020304" pitchFamily="18" charset="0"/>
+                <a:cs typeface="Times New Roman" panose="02020603050405020304" pitchFamily="18" charset="0"/>
+              </a:rPr>
+              <a:t> </a:t>
+            </a:r>
+            <a:r>
+              <a:rPr lang="en-US" altLang="zh-CN" sz="800" dirty="0">
+                <a:latin typeface="Times New Roman" panose="02020603050405020304" pitchFamily="18" charset="0"/>
+                <a:cs typeface="Times New Roman" panose="02020603050405020304" pitchFamily="18" charset="0"/>
+              </a:rPr>
+              <a:t>subjective</a:t>
+            </a:r>
+            <a:r>
+              <a:rPr lang="zh-CN" altLang="en-US" sz="800" dirty="0">
+                <a:latin typeface="Times New Roman" panose="02020603050405020304" pitchFamily="18" charset="0"/>
+                <a:cs typeface="Times New Roman" panose="02020603050405020304" pitchFamily="18" charset="0"/>
+              </a:rPr>
+              <a:t> </a:t>
+            </a:r>
+            <a:r>
+              <a:rPr lang="en-US" altLang="zh-CN" sz="800" dirty="0">
+                <a:latin typeface="Times New Roman" panose="02020603050405020304" pitchFamily="18" charset="0"/>
+                <a:cs typeface="Times New Roman" panose="02020603050405020304" pitchFamily="18" charset="0"/>
+              </a:rPr>
+              <a:t>pain</a:t>
+            </a:r>
+            <a:r>
+              <a:rPr lang="zh-CN" altLang="en-US" sz="800" dirty="0">
+                <a:latin typeface="Times New Roman" panose="02020603050405020304" pitchFamily="18" charset="0"/>
+                <a:cs typeface="Times New Roman" panose="02020603050405020304" pitchFamily="18" charset="0"/>
+              </a:rPr>
+              <a:t> </a:t>
+            </a:r>
+            <a:r>
+              <a:rPr lang="en-US" altLang="zh-CN" sz="800" dirty="0">
+                <a:latin typeface="Times New Roman" panose="02020603050405020304" pitchFamily="18" charset="0"/>
+                <a:cs typeface="Times New Roman" panose="02020603050405020304" pitchFamily="18" charset="0"/>
+              </a:rPr>
+              <a:t>ratings</a:t>
             </a:r>
             <a:r>
               <a:rPr lang="zh-CN" altLang="en-US" sz="800" dirty="0">
@@ -10081,24 +10406,45 @@
               <a:t> </a:t>
             </a:r>
             <a:r>
+              <a:rPr lang="en-US" altLang="zh-CN" sz="800" dirty="0">
+                <a:latin typeface="Times New Roman" panose="02020603050405020304" pitchFamily="18" charset="0"/>
+                <a:cs typeface="Times New Roman" panose="02020603050405020304" pitchFamily="18" charset="0"/>
+              </a:rPr>
+              <a:t>Fisher</a:t>
+            </a:r>
+            <a:r>
               <a:rPr lang="en-US" sz="800" dirty="0">
                 <a:latin typeface="Times New Roman" panose="02020603050405020304" pitchFamily="18" charset="0"/>
                 <a:cs typeface="Times New Roman" panose="02020603050405020304" pitchFamily="18" charset="0"/>
               </a:rPr>
-              <a:t>Cohen‘s d = </a:t>
-            </a:r>
-            <a:r>
-              <a:rPr lang="en-US" altLang="zh-CN" sz="800" dirty="0">
-                <a:latin typeface="Times New Roman" panose="02020603050405020304" pitchFamily="18" charset="0"/>
-                <a:cs typeface="Times New Roman" panose="02020603050405020304" pitchFamily="18" charset="0"/>
-              </a:rPr>
-              <a:t>-0.14</a:t>
+              <a:t>‘s </a:t>
+            </a:r>
+            <a:r>
+              <a:rPr lang="en-US" altLang="zh-CN" sz="800" dirty="0">
+                <a:latin typeface="Times New Roman" panose="02020603050405020304" pitchFamily="18" charset="0"/>
+                <a:cs typeface="Times New Roman" panose="02020603050405020304" pitchFamily="18" charset="0"/>
+              </a:rPr>
+              <a:t>z</a:t>
             </a:r>
             <a:r>
               <a:rPr lang="en-US" sz="800" dirty="0">
                 <a:latin typeface="Times New Roman" panose="02020603050405020304" pitchFamily="18" charset="0"/>
                 <a:cs typeface="Times New Roman" panose="02020603050405020304" pitchFamily="18" charset="0"/>
               </a:rPr>
+              <a:t> = </a:t>
+            </a:r>
+            <a:r>
+              <a:rPr lang="en-US" altLang="zh-CN" sz="800" dirty="0">
+                <a:latin typeface="Times New Roman" panose="02020603050405020304" pitchFamily="18" charset="0"/>
+                <a:cs typeface="Times New Roman" panose="02020603050405020304" pitchFamily="18" charset="0"/>
+              </a:rPr>
+              <a:t>-0.10</a:t>
+            </a:r>
+            <a:r>
+              <a:rPr lang="en-US" sz="800" dirty="0">
+                <a:latin typeface="Times New Roman" panose="02020603050405020304" pitchFamily="18" charset="0"/>
+                <a:cs typeface="Times New Roman" panose="02020603050405020304" pitchFamily="18" charset="0"/>
+              </a:rPr>
               <a:t> to </a:t>
             </a:r>
             <a:r>
@@ -10106,7 +10452,7 @@
                 <a:latin typeface="Times New Roman" panose="02020603050405020304" pitchFamily="18" charset="0"/>
                 <a:cs typeface="Times New Roman" panose="02020603050405020304" pitchFamily="18" charset="0"/>
               </a:rPr>
-              <a:t>1.12</a:t>
+              <a:t>0.12</a:t>
             </a:r>
             <a:r>
               <a:rPr lang="en-US" sz="800" dirty="0">
@@ -10122,656 +10468,25 @@
               </a:rPr>
               <a:t> </a:t>
             </a:r>
-            <a:r>
-              <a:rPr lang="en-US" altLang="zh-CN" sz="800" dirty="0">
-                <a:latin typeface="Times New Roman" panose="02020603050405020304" pitchFamily="18" charset="0"/>
-                <a:cs typeface="Times New Roman" panose="02020603050405020304" pitchFamily="18" charset="0"/>
-              </a:rPr>
-              <a:t>The</a:t>
-            </a:r>
-            <a:r>
-              <a:rPr lang="zh-CN" altLang="en-US" sz="800" dirty="0">
-                <a:latin typeface="Times New Roman" panose="02020603050405020304" pitchFamily="18" charset="0"/>
-                <a:cs typeface="Times New Roman" panose="02020603050405020304" pitchFamily="18" charset="0"/>
-              </a:rPr>
-              <a:t> </a:t>
-            </a:r>
-            <a:r>
-              <a:rPr lang="en-US" altLang="zh-CN" sz="800" dirty="0">
-                <a:latin typeface="Times New Roman" panose="02020603050405020304" pitchFamily="18" charset="0"/>
-                <a:cs typeface="Times New Roman" panose="02020603050405020304" pitchFamily="18" charset="0"/>
-              </a:rPr>
-              <a:t>effect</a:t>
-            </a:r>
-            <a:r>
-              <a:rPr lang="zh-CN" altLang="en-US" sz="800" dirty="0">
-                <a:latin typeface="Times New Roman" panose="02020603050405020304" pitchFamily="18" charset="0"/>
-                <a:cs typeface="Times New Roman" panose="02020603050405020304" pitchFamily="18" charset="0"/>
-              </a:rPr>
-              <a:t> </a:t>
-            </a:r>
-            <a:r>
-              <a:rPr lang="en-US" altLang="zh-CN" sz="800" dirty="0">
-                <a:latin typeface="Times New Roman" panose="02020603050405020304" pitchFamily="18" charset="0"/>
-                <a:cs typeface="Times New Roman" panose="02020603050405020304" pitchFamily="18" charset="0"/>
-              </a:rPr>
-              <a:t>sizes</a:t>
-            </a:r>
-            <a:r>
-              <a:rPr lang="zh-CN" altLang="en-US" sz="800" dirty="0">
-                <a:latin typeface="Times New Roman" panose="02020603050405020304" pitchFamily="18" charset="0"/>
-                <a:cs typeface="Times New Roman" panose="02020603050405020304" pitchFamily="18" charset="0"/>
-              </a:rPr>
-              <a:t> </a:t>
-            </a:r>
-            <a:r>
-              <a:rPr lang="en-US" altLang="zh-CN" sz="800" dirty="0">
-                <a:latin typeface="Times New Roman" panose="02020603050405020304" pitchFamily="18" charset="0"/>
-                <a:cs typeface="Times New Roman" panose="02020603050405020304" pitchFamily="18" charset="0"/>
-              </a:rPr>
-              <a:t>of</a:t>
-            </a:r>
-            <a:r>
-              <a:rPr lang="zh-CN" altLang="en-US" sz="800" dirty="0">
-                <a:latin typeface="Times New Roman" panose="02020603050405020304" pitchFamily="18" charset="0"/>
-                <a:cs typeface="Times New Roman" panose="02020603050405020304" pitchFamily="18" charset="0"/>
-              </a:rPr>
-              <a:t> </a:t>
-            </a:r>
-            <a:r>
-              <a:rPr lang="en-US" altLang="zh-CN" sz="800" dirty="0">
-                <a:latin typeface="Times New Roman" panose="02020603050405020304" pitchFamily="18" charset="0"/>
-                <a:cs typeface="Times New Roman" panose="02020603050405020304" pitchFamily="18" charset="0"/>
-              </a:rPr>
-              <a:t>the</a:t>
-            </a:r>
-            <a:r>
-              <a:rPr lang="zh-CN" altLang="en-US" sz="800" dirty="0">
-                <a:latin typeface="Times New Roman" panose="02020603050405020304" pitchFamily="18" charset="0"/>
-                <a:cs typeface="Times New Roman" panose="02020603050405020304" pitchFamily="18" charset="0"/>
-              </a:rPr>
-              <a:t> </a:t>
-            </a:r>
-            <a:r>
-              <a:rPr lang="en-US" altLang="zh-CN" sz="800" dirty="0">
-                <a:latin typeface="Times New Roman" panose="02020603050405020304" pitchFamily="18" charset="0"/>
-                <a:cs typeface="Times New Roman" panose="02020603050405020304" pitchFamily="18" charset="0"/>
-              </a:rPr>
-              <a:t>correlations</a:t>
-            </a:r>
-            <a:r>
-              <a:rPr lang="zh-CN" altLang="en-US" sz="800" dirty="0">
-                <a:latin typeface="Times New Roman" panose="02020603050405020304" pitchFamily="18" charset="0"/>
-                <a:cs typeface="Times New Roman" panose="02020603050405020304" pitchFamily="18" charset="0"/>
-              </a:rPr>
-              <a:t> </a:t>
-            </a:r>
-            <a:r>
-              <a:rPr lang="en-US" altLang="zh-CN" sz="800" dirty="0">
-                <a:latin typeface="Times New Roman" panose="02020603050405020304" pitchFamily="18" charset="0"/>
-                <a:cs typeface="Times New Roman" panose="02020603050405020304" pitchFamily="18" charset="0"/>
-              </a:rPr>
-              <a:t>between</a:t>
-            </a:r>
-            <a:r>
-              <a:rPr lang="zh-CN" altLang="en-US" sz="800" dirty="0">
-                <a:latin typeface="Times New Roman" panose="02020603050405020304" pitchFamily="18" charset="0"/>
-                <a:cs typeface="Times New Roman" panose="02020603050405020304" pitchFamily="18" charset="0"/>
-              </a:rPr>
-              <a:t> </a:t>
-            </a:r>
-            <a:r>
-              <a:rPr lang="en-US" altLang="zh-CN" sz="800" dirty="0">
-                <a:latin typeface="Times New Roman" panose="02020603050405020304" pitchFamily="18" charset="0"/>
-                <a:cs typeface="Times New Roman" panose="02020603050405020304" pitchFamily="18" charset="0"/>
-              </a:rPr>
-              <a:t>NPS</a:t>
-            </a:r>
-            <a:r>
-              <a:rPr lang="zh-CN" altLang="en-US" sz="800" dirty="0">
-                <a:latin typeface="Times New Roman" panose="02020603050405020304" pitchFamily="18" charset="0"/>
-                <a:cs typeface="Times New Roman" panose="02020603050405020304" pitchFamily="18" charset="0"/>
-              </a:rPr>
-              <a:t> </a:t>
-            </a:r>
-            <a:r>
-              <a:rPr lang="en-US" altLang="zh-CN" sz="800" dirty="0">
-                <a:latin typeface="Times New Roman" panose="02020603050405020304" pitchFamily="18" charset="0"/>
-                <a:cs typeface="Times New Roman" panose="02020603050405020304" pitchFamily="18" charset="0"/>
-              </a:rPr>
-              <a:t>local</a:t>
-            </a:r>
-            <a:r>
-              <a:rPr lang="zh-CN" altLang="en-US" sz="800" dirty="0">
-                <a:latin typeface="Times New Roman" panose="02020603050405020304" pitchFamily="18" charset="0"/>
-                <a:cs typeface="Times New Roman" panose="02020603050405020304" pitchFamily="18" charset="0"/>
-              </a:rPr>
-              <a:t> </a:t>
-            </a:r>
-            <a:r>
-              <a:rPr lang="en-US" altLang="zh-CN" sz="800" dirty="0">
-                <a:latin typeface="Times New Roman" panose="02020603050405020304" pitchFamily="18" charset="0"/>
-                <a:cs typeface="Times New Roman" panose="02020603050405020304" pitchFamily="18" charset="0"/>
-              </a:rPr>
-              <a:t>brain</a:t>
-            </a:r>
-            <a:r>
-              <a:rPr lang="zh-CN" altLang="en-US" sz="800" dirty="0">
-                <a:latin typeface="Times New Roman" panose="02020603050405020304" pitchFamily="18" charset="0"/>
-                <a:cs typeface="Times New Roman" panose="02020603050405020304" pitchFamily="18" charset="0"/>
-              </a:rPr>
-              <a:t> </a:t>
-            </a:r>
-            <a:r>
-              <a:rPr lang="en-US" altLang="zh-CN" sz="800" dirty="0">
-                <a:latin typeface="Times New Roman" panose="02020603050405020304" pitchFamily="18" charset="0"/>
-                <a:cs typeface="Times New Roman" panose="02020603050405020304" pitchFamily="18" charset="0"/>
-              </a:rPr>
-              <a:t>regions</a:t>
-            </a:r>
-            <a:r>
-              <a:rPr lang="zh-CN" altLang="en-US" sz="800" dirty="0">
-                <a:latin typeface="Times New Roman" panose="02020603050405020304" pitchFamily="18" charset="0"/>
-                <a:cs typeface="Times New Roman" panose="02020603050405020304" pitchFamily="18" charset="0"/>
-              </a:rPr>
-              <a:t> </a:t>
-            </a:r>
-            <a:r>
-              <a:rPr lang="en-US" altLang="zh-CN" sz="800" dirty="0">
-                <a:latin typeface="Times New Roman" panose="02020603050405020304" pitchFamily="18" charset="0"/>
-                <a:cs typeface="Times New Roman" panose="02020603050405020304" pitchFamily="18" charset="0"/>
-              </a:rPr>
-              <a:t>and</a:t>
-            </a:r>
-            <a:r>
-              <a:rPr lang="zh-CN" altLang="en-US" sz="800" dirty="0">
-                <a:latin typeface="Times New Roman" panose="02020603050405020304" pitchFamily="18" charset="0"/>
-                <a:cs typeface="Times New Roman" panose="02020603050405020304" pitchFamily="18" charset="0"/>
-              </a:rPr>
-              <a:t> </a:t>
-            </a:r>
-            <a:r>
-              <a:rPr lang="en-US" altLang="zh-CN" sz="800" dirty="0">
-                <a:latin typeface="Times New Roman" panose="02020603050405020304" pitchFamily="18" charset="0"/>
-                <a:cs typeface="Times New Roman" panose="02020603050405020304" pitchFamily="18" charset="0"/>
-              </a:rPr>
-              <a:t>subjective</a:t>
-            </a:r>
-            <a:r>
-              <a:rPr lang="zh-CN" altLang="en-US" sz="800" dirty="0">
-                <a:latin typeface="Times New Roman" panose="02020603050405020304" pitchFamily="18" charset="0"/>
-                <a:cs typeface="Times New Roman" panose="02020603050405020304" pitchFamily="18" charset="0"/>
-              </a:rPr>
-              <a:t> </a:t>
-            </a:r>
-            <a:r>
-              <a:rPr lang="en-US" altLang="zh-CN" sz="800" dirty="0">
-                <a:latin typeface="Times New Roman" panose="02020603050405020304" pitchFamily="18" charset="0"/>
-                <a:cs typeface="Times New Roman" panose="02020603050405020304" pitchFamily="18" charset="0"/>
-              </a:rPr>
-              <a:t>pain</a:t>
-            </a:r>
-            <a:r>
-              <a:rPr lang="zh-CN" altLang="en-US" sz="800" dirty="0">
-                <a:latin typeface="Times New Roman" panose="02020603050405020304" pitchFamily="18" charset="0"/>
-                <a:cs typeface="Times New Roman" panose="02020603050405020304" pitchFamily="18" charset="0"/>
-              </a:rPr>
-              <a:t> </a:t>
-            </a:r>
-            <a:r>
-              <a:rPr lang="en-US" altLang="zh-CN" sz="800" dirty="0">
-                <a:latin typeface="Times New Roman" panose="02020603050405020304" pitchFamily="18" charset="0"/>
-                <a:cs typeface="Times New Roman" panose="02020603050405020304" pitchFamily="18" charset="0"/>
-              </a:rPr>
-              <a:t>ratings</a:t>
-            </a:r>
-            <a:r>
-              <a:rPr lang="zh-CN" altLang="en-US" sz="800" dirty="0">
-                <a:latin typeface="Times New Roman" panose="02020603050405020304" pitchFamily="18" charset="0"/>
-                <a:cs typeface="Times New Roman" panose="02020603050405020304" pitchFamily="18" charset="0"/>
-              </a:rPr>
-              <a:t> </a:t>
-            </a:r>
-            <a:r>
-              <a:rPr lang="en-US" altLang="zh-CN" sz="800" dirty="0">
-                <a:latin typeface="Times New Roman" panose="02020603050405020304" pitchFamily="18" charset="0"/>
-                <a:cs typeface="Times New Roman" panose="02020603050405020304" pitchFamily="18" charset="0"/>
-              </a:rPr>
-              <a:t>range</a:t>
-            </a:r>
-            <a:r>
-              <a:rPr lang="zh-CN" altLang="en-US" sz="800" dirty="0">
-                <a:latin typeface="Times New Roman" panose="02020603050405020304" pitchFamily="18" charset="0"/>
-                <a:cs typeface="Times New Roman" panose="02020603050405020304" pitchFamily="18" charset="0"/>
-              </a:rPr>
-              <a:t> </a:t>
-            </a:r>
-            <a:r>
-              <a:rPr lang="en-US" altLang="zh-CN" sz="800" dirty="0">
-                <a:latin typeface="Times New Roman" panose="02020603050405020304" pitchFamily="18" charset="0"/>
-                <a:cs typeface="Times New Roman" panose="02020603050405020304" pitchFamily="18" charset="0"/>
-              </a:rPr>
-              <a:t>from</a:t>
-            </a:r>
-            <a:r>
-              <a:rPr lang="zh-CN" altLang="en-US" sz="800" dirty="0">
-                <a:latin typeface="Times New Roman" panose="02020603050405020304" pitchFamily="18" charset="0"/>
-                <a:cs typeface="Times New Roman" panose="02020603050405020304" pitchFamily="18" charset="0"/>
-              </a:rPr>
-              <a:t> </a:t>
+            <a:endParaRPr lang="en-US" altLang="zh-CN" sz="800" dirty="0">
+              <a:latin typeface="Times New Roman" panose="02020603050405020304" pitchFamily="18" charset="0"/>
+              <a:cs typeface="Times New Roman" panose="02020603050405020304" pitchFamily="18" charset="0"/>
+            </a:endParaRPr>
+          </a:p>
+          <a:p>
+            <a:r>
+              <a:rPr lang="zh-CN" altLang="en-US" sz="800" dirty="0">
+                <a:latin typeface="Times New Roman" panose="02020603050405020304" pitchFamily="18" charset="0"/>
+                <a:cs typeface="Times New Roman" panose="02020603050405020304" pitchFamily="18" charset="0"/>
+              </a:rPr>
+              <a:t>* </a:t>
             </a:r>
             <a:r>
               <a:rPr lang="en-US" sz="800" dirty="0">
                 <a:latin typeface="Times New Roman" panose="02020603050405020304" pitchFamily="18" charset="0"/>
                 <a:cs typeface="Times New Roman" panose="02020603050405020304" pitchFamily="18" charset="0"/>
               </a:rPr>
-              <a:t>Cohen‘s d = </a:t>
-            </a:r>
-            <a:r>
-              <a:rPr lang="en-US" altLang="zh-CN" sz="800" dirty="0">
-                <a:latin typeface="Times New Roman" panose="02020603050405020304" pitchFamily="18" charset="0"/>
-                <a:cs typeface="Times New Roman" panose="02020603050405020304" pitchFamily="18" charset="0"/>
-              </a:rPr>
-              <a:t>-0.27</a:t>
-            </a:r>
-            <a:r>
-              <a:rPr lang="en-US" sz="800" dirty="0">
-                <a:latin typeface="Times New Roman" panose="02020603050405020304" pitchFamily="18" charset="0"/>
-                <a:cs typeface="Times New Roman" panose="02020603050405020304" pitchFamily="18" charset="0"/>
-              </a:rPr>
-              <a:t> to </a:t>
-            </a:r>
-            <a:r>
-              <a:rPr lang="en-US" altLang="zh-CN" sz="800" dirty="0">
-                <a:latin typeface="Times New Roman" panose="02020603050405020304" pitchFamily="18" charset="0"/>
-                <a:cs typeface="Times New Roman" panose="02020603050405020304" pitchFamily="18" charset="0"/>
-              </a:rPr>
-              <a:t>1.09</a:t>
-            </a:r>
-            <a:r>
-              <a:rPr lang="en-US" sz="800" dirty="0">
-                <a:latin typeface="Times New Roman" panose="02020603050405020304" pitchFamily="18" charset="0"/>
-                <a:cs typeface="Times New Roman" panose="02020603050405020304" pitchFamily="18" charset="0"/>
-              </a:rPr>
-              <a:t>.</a:t>
-            </a:r>
-            <a:r>
-              <a:rPr lang="zh-CN" altLang="en-US" sz="800" dirty="0">
-                <a:latin typeface="Times New Roman" panose="02020603050405020304" pitchFamily="18" charset="0"/>
-                <a:cs typeface="Times New Roman" panose="02020603050405020304" pitchFamily="18" charset="0"/>
-              </a:rPr>
-              <a:t> </a:t>
-            </a:r>
-            <a:r>
-              <a:rPr lang="en-US" altLang="zh-CN" sz="800" dirty="0">
-                <a:latin typeface="Times New Roman" panose="02020603050405020304" pitchFamily="18" charset="0"/>
-                <a:cs typeface="Times New Roman" panose="02020603050405020304" pitchFamily="18" charset="0"/>
-              </a:rPr>
-              <a:t>The</a:t>
-            </a:r>
-            <a:r>
-              <a:rPr lang="zh-CN" altLang="en-US" sz="800" dirty="0">
-                <a:latin typeface="Times New Roman" panose="02020603050405020304" pitchFamily="18" charset="0"/>
-                <a:cs typeface="Times New Roman" panose="02020603050405020304" pitchFamily="18" charset="0"/>
-              </a:rPr>
-              <a:t> </a:t>
-            </a:r>
-            <a:r>
-              <a:rPr lang="en-US" altLang="zh-CN" sz="800" dirty="0">
-                <a:latin typeface="Times New Roman" panose="02020603050405020304" pitchFamily="18" charset="0"/>
-                <a:cs typeface="Times New Roman" panose="02020603050405020304" pitchFamily="18" charset="0"/>
-              </a:rPr>
-              <a:t>effect</a:t>
-            </a:r>
-            <a:r>
-              <a:rPr lang="zh-CN" altLang="en-US" sz="800" dirty="0">
-                <a:latin typeface="Times New Roman" panose="02020603050405020304" pitchFamily="18" charset="0"/>
-                <a:cs typeface="Times New Roman" panose="02020603050405020304" pitchFamily="18" charset="0"/>
-              </a:rPr>
-              <a:t> </a:t>
-            </a:r>
-            <a:r>
-              <a:rPr lang="en-US" altLang="zh-CN" sz="800" dirty="0">
-                <a:latin typeface="Times New Roman" panose="02020603050405020304" pitchFamily="18" charset="0"/>
-                <a:cs typeface="Times New Roman" panose="02020603050405020304" pitchFamily="18" charset="0"/>
-              </a:rPr>
-              <a:t>sizes</a:t>
-            </a:r>
-            <a:r>
-              <a:rPr lang="zh-CN" altLang="en-US" sz="800" dirty="0">
-                <a:latin typeface="Times New Roman" panose="02020603050405020304" pitchFamily="18" charset="0"/>
-                <a:cs typeface="Times New Roman" panose="02020603050405020304" pitchFamily="18" charset="0"/>
-              </a:rPr>
-              <a:t> </a:t>
-            </a:r>
-            <a:r>
-              <a:rPr lang="en-US" altLang="zh-CN" sz="800" dirty="0">
-                <a:latin typeface="Times New Roman" panose="02020603050405020304" pitchFamily="18" charset="0"/>
-                <a:cs typeface="Times New Roman" panose="02020603050405020304" pitchFamily="18" charset="0"/>
-              </a:rPr>
-              <a:t>of</a:t>
-            </a:r>
-            <a:r>
-              <a:rPr lang="zh-CN" altLang="en-US" sz="800" dirty="0">
-                <a:latin typeface="Times New Roman" panose="02020603050405020304" pitchFamily="18" charset="0"/>
-                <a:cs typeface="Times New Roman" panose="02020603050405020304" pitchFamily="18" charset="0"/>
-              </a:rPr>
-              <a:t> </a:t>
-            </a:r>
-            <a:r>
-              <a:rPr lang="en-US" altLang="zh-CN" sz="800" dirty="0">
-                <a:latin typeface="Times New Roman" panose="02020603050405020304" pitchFamily="18" charset="0"/>
-                <a:cs typeface="Times New Roman" panose="02020603050405020304" pitchFamily="18" charset="0"/>
-              </a:rPr>
-              <a:t>the</a:t>
-            </a:r>
-            <a:r>
-              <a:rPr lang="zh-CN" altLang="en-US" sz="800" dirty="0">
-                <a:latin typeface="Times New Roman" panose="02020603050405020304" pitchFamily="18" charset="0"/>
-                <a:cs typeface="Times New Roman" panose="02020603050405020304" pitchFamily="18" charset="0"/>
-              </a:rPr>
-              <a:t> </a:t>
-            </a:r>
-            <a:r>
-              <a:rPr lang="en-US" altLang="zh-CN" sz="800" dirty="0">
-                <a:latin typeface="Times New Roman" panose="02020603050405020304" pitchFamily="18" charset="0"/>
-                <a:cs typeface="Times New Roman" panose="02020603050405020304" pitchFamily="18" charset="0"/>
-              </a:rPr>
-              <a:t>between-subject</a:t>
-            </a:r>
-            <a:r>
-              <a:rPr lang="zh-CN" altLang="en-US" sz="800" dirty="0">
-                <a:latin typeface="Times New Roman" panose="02020603050405020304" pitchFamily="18" charset="0"/>
-                <a:cs typeface="Times New Roman" panose="02020603050405020304" pitchFamily="18" charset="0"/>
-              </a:rPr>
-              <a:t> </a:t>
-            </a:r>
-            <a:r>
-              <a:rPr lang="en-US" altLang="zh-CN" sz="800" dirty="0">
-                <a:latin typeface="Times New Roman" panose="02020603050405020304" pitchFamily="18" charset="0"/>
-                <a:cs typeface="Times New Roman" panose="02020603050405020304" pitchFamily="18" charset="0"/>
-              </a:rPr>
-              <a:t>correlations</a:t>
-            </a:r>
-            <a:r>
-              <a:rPr lang="zh-CN" altLang="en-US" sz="800" dirty="0">
-                <a:latin typeface="Times New Roman" panose="02020603050405020304" pitchFamily="18" charset="0"/>
-                <a:cs typeface="Times New Roman" panose="02020603050405020304" pitchFamily="18" charset="0"/>
-              </a:rPr>
-              <a:t> </a:t>
-            </a:r>
-            <a:r>
-              <a:rPr lang="en-US" altLang="zh-CN" sz="800" dirty="0">
-                <a:latin typeface="Times New Roman" panose="02020603050405020304" pitchFamily="18" charset="0"/>
-                <a:cs typeface="Times New Roman" panose="02020603050405020304" pitchFamily="18" charset="0"/>
-              </a:rPr>
-              <a:t>between</a:t>
-            </a:r>
-            <a:r>
-              <a:rPr lang="zh-CN" altLang="en-US" sz="800" dirty="0">
-                <a:latin typeface="Times New Roman" panose="02020603050405020304" pitchFamily="18" charset="0"/>
-                <a:cs typeface="Times New Roman" panose="02020603050405020304" pitchFamily="18" charset="0"/>
-              </a:rPr>
-              <a:t> </a:t>
-            </a:r>
-            <a:r>
-              <a:rPr lang="en-US" altLang="zh-CN" sz="800" dirty="0">
-                <a:latin typeface="Times New Roman" panose="02020603050405020304" pitchFamily="18" charset="0"/>
-                <a:cs typeface="Times New Roman" panose="02020603050405020304" pitchFamily="18" charset="0"/>
-              </a:rPr>
-              <a:t>NPS</a:t>
-            </a:r>
-            <a:r>
-              <a:rPr lang="zh-CN" altLang="en-US" sz="800" dirty="0">
-                <a:latin typeface="Times New Roman" panose="02020603050405020304" pitchFamily="18" charset="0"/>
-                <a:cs typeface="Times New Roman" panose="02020603050405020304" pitchFamily="18" charset="0"/>
-              </a:rPr>
-              <a:t> </a:t>
-            </a:r>
-            <a:r>
-              <a:rPr lang="en-US" altLang="zh-CN" sz="800" dirty="0">
-                <a:latin typeface="Times New Roman" panose="02020603050405020304" pitchFamily="18" charset="0"/>
-                <a:cs typeface="Times New Roman" panose="02020603050405020304" pitchFamily="18" charset="0"/>
-              </a:rPr>
-              <a:t>local</a:t>
-            </a:r>
-            <a:r>
-              <a:rPr lang="zh-CN" altLang="en-US" sz="800" dirty="0">
-                <a:latin typeface="Times New Roman" panose="02020603050405020304" pitchFamily="18" charset="0"/>
-                <a:cs typeface="Times New Roman" panose="02020603050405020304" pitchFamily="18" charset="0"/>
-              </a:rPr>
-              <a:t> </a:t>
-            </a:r>
-            <a:r>
-              <a:rPr lang="en-US" altLang="zh-CN" sz="800" dirty="0">
-                <a:latin typeface="Times New Roman" panose="02020603050405020304" pitchFamily="18" charset="0"/>
-                <a:cs typeface="Times New Roman" panose="02020603050405020304" pitchFamily="18" charset="0"/>
-              </a:rPr>
-              <a:t>brain</a:t>
-            </a:r>
-            <a:r>
-              <a:rPr lang="zh-CN" altLang="en-US" sz="800" dirty="0">
-                <a:latin typeface="Times New Roman" panose="02020603050405020304" pitchFamily="18" charset="0"/>
-                <a:cs typeface="Times New Roman" panose="02020603050405020304" pitchFamily="18" charset="0"/>
-              </a:rPr>
-              <a:t> </a:t>
-            </a:r>
-            <a:r>
-              <a:rPr lang="en-US" altLang="zh-CN" sz="800" dirty="0">
-                <a:latin typeface="Times New Roman" panose="02020603050405020304" pitchFamily="18" charset="0"/>
-                <a:cs typeface="Times New Roman" panose="02020603050405020304" pitchFamily="18" charset="0"/>
-              </a:rPr>
-              <a:t>regions</a:t>
-            </a:r>
-            <a:r>
-              <a:rPr lang="zh-CN" altLang="en-US" sz="800" dirty="0">
-                <a:latin typeface="Times New Roman" panose="02020603050405020304" pitchFamily="18" charset="0"/>
-                <a:cs typeface="Times New Roman" panose="02020603050405020304" pitchFamily="18" charset="0"/>
-              </a:rPr>
-              <a:t> </a:t>
-            </a:r>
-            <a:r>
-              <a:rPr lang="en-US" altLang="zh-CN" sz="800" dirty="0">
-                <a:latin typeface="Times New Roman" panose="02020603050405020304" pitchFamily="18" charset="0"/>
-                <a:cs typeface="Times New Roman" panose="02020603050405020304" pitchFamily="18" charset="0"/>
-              </a:rPr>
-              <a:t>and</a:t>
-            </a:r>
-            <a:r>
-              <a:rPr lang="zh-CN" altLang="en-US" sz="800" dirty="0">
-                <a:latin typeface="Times New Roman" panose="02020603050405020304" pitchFamily="18" charset="0"/>
-                <a:cs typeface="Times New Roman" panose="02020603050405020304" pitchFamily="18" charset="0"/>
-              </a:rPr>
-              <a:t> </a:t>
-            </a:r>
-            <a:r>
-              <a:rPr lang="en-US" altLang="zh-CN" sz="800" dirty="0">
-                <a:latin typeface="Times New Roman" panose="02020603050405020304" pitchFamily="18" charset="0"/>
-                <a:cs typeface="Times New Roman" panose="02020603050405020304" pitchFamily="18" charset="0"/>
-              </a:rPr>
-              <a:t>subjective</a:t>
-            </a:r>
-            <a:r>
-              <a:rPr lang="zh-CN" altLang="en-US" sz="800" dirty="0">
-                <a:latin typeface="Times New Roman" panose="02020603050405020304" pitchFamily="18" charset="0"/>
-                <a:cs typeface="Times New Roman" panose="02020603050405020304" pitchFamily="18" charset="0"/>
-              </a:rPr>
-              <a:t> </a:t>
-            </a:r>
-            <a:r>
-              <a:rPr lang="en-US" altLang="zh-CN" sz="800" dirty="0">
-                <a:latin typeface="Times New Roman" panose="02020603050405020304" pitchFamily="18" charset="0"/>
-                <a:cs typeface="Times New Roman" panose="02020603050405020304" pitchFamily="18" charset="0"/>
-              </a:rPr>
-              <a:t>pain</a:t>
-            </a:r>
-            <a:r>
-              <a:rPr lang="zh-CN" altLang="en-US" sz="800" dirty="0">
-                <a:latin typeface="Times New Roman" panose="02020603050405020304" pitchFamily="18" charset="0"/>
-                <a:cs typeface="Times New Roman" panose="02020603050405020304" pitchFamily="18" charset="0"/>
-              </a:rPr>
-              <a:t> </a:t>
-            </a:r>
-            <a:r>
-              <a:rPr lang="en-US" altLang="zh-CN" sz="800" dirty="0">
-                <a:latin typeface="Times New Roman" panose="02020603050405020304" pitchFamily="18" charset="0"/>
-                <a:cs typeface="Times New Roman" panose="02020603050405020304" pitchFamily="18" charset="0"/>
-              </a:rPr>
-              <a:t>ratings</a:t>
-            </a:r>
-            <a:r>
-              <a:rPr lang="zh-CN" altLang="en-US" sz="800" dirty="0">
-                <a:latin typeface="Times New Roman" panose="02020603050405020304" pitchFamily="18" charset="0"/>
-                <a:cs typeface="Times New Roman" panose="02020603050405020304" pitchFamily="18" charset="0"/>
-              </a:rPr>
-              <a:t> </a:t>
-            </a:r>
-            <a:r>
-              <a:rPr lang="en-US" altLang="zh-CN" sz="800" dirty="0">
-                <a:latin typeface="Times New Roman" panose="02020603050405020304" pitchFamily="18" charset="0"/>
-                <a:cs typeface="Times New Roman" panose="02020603050405020304" pitchFamily="18" charset="0"/>
-              </a:rPr>
-              <a:t>range</a:t>
-            </a:r>
-            <a:r>
-              <a:rPr lang="zh-CN" altLang="en-US" sz="800" dirty="0">
-                <a:latin typeface="Times New Roman" panose="02020603050405020304" pitchFamily="18" charset="0"/>
-                <a:cs typeface="Times New Roman" panose="02020603050405020304" pitchFamily="18" charset="0"/>
-              </a:rPr>
-              <a:t> </a:t>
-            </a:r>
-            <a:r>
-              <a:rPr lang="en-US" altLang="zh-CN" sz="800" dirty="0">
-                <a:latin typeface="Times New Roman" panose="02020603050405020304" pitchFamily="18" charset="0"/>
-                <a:cs typeface="Times New Roman" panose="02020603050405020304" pitchFamily="18" charset="0"/>
-              </a:rPr>
-              <a:t>from</a:t>
-            </a:r>
-            <a:r>
-              <a:rPr lang="zh-CN" altLang="en-US" sz="800" dirty="0">
-                <a:latin typeface="Times New Roman" panose="02020603050405020304" pitchFamily="18" charset="0"/>
-                <a:cs typeface="Times New Roman" panose="02020603050405020304" pitchFamily="18" charset="0"/>
-              </a:rPr>
-              <a:t> </a:t>
-            </a:r>
-            <a:r>
-              <a:rPr lang="en-US" altLang="zh-CN" sz="800" dirty="0">
-                <a:latin typeface="Times New Roman" panose="02020603050405020304" pitchFamily="18" charset="0"/>
-                <a:cs typeface="Times New Roman" panose="02020603050405020304" pitchFamily="18" charset="0"/>
-              </a:rPr>
-              <a:t>Fisher</a:t>
-            </a:r>
-            <a:r>
-              <a:rPr lang="en-US" sz="800" dirty="0">
-                <a:latin typeface="Times New Roman" panose="02020603050405020304" pitchFamily="18" charset="0"/>
-                <a:cs typeface="Times New Roman" panose="02020603050405020304" pitchFamily="18" charset="0"/>
-              </a:rPr>
-              <a:t>‘s </a:t>
-            </a:r>
-            <a:r>
-              <a:rPr lang="en-US" altLang="zh-CN" sz="800" dirty="0">
-                <a:latin typeface="Times New Roman" panose="02020603050405020304" pitchFamily="18" charset="0"/>
-                <a:cs typeface="Times New Roman" panose="02020603050405020304" pitchFamily="18" charset="0"/>
-              </a:rPr>
-              <a:t>z</a:t>
-            </a:r>
-            <a:r>
-              <a:rPr lang="en-US" sz="800" dirty="0">
-                <a:latin typeface="Times New Roman" panose="02020603050405020304" pitchFamily="18" charset="0"/>
-                <a:cs typeface="Times New Roman" panose="02020603050405020304" pitchFamily="18" charset="0"/>
-              </a:rPr>
-              <a:t> = </a:t>
-            </a:r>
-            <a:r>
-              <a:rPr lang="en-US" altLang="zh-CN" sz="800" dirty="0">
-                <a:latin typeface="Times New Roman" panose="02020603050405020304" pitchFamily="18" charset="0"/>
-                <a:cs typeface="Times New Roman" panose="02020603050405020304" pitchFamily="18" charset="0"/>
-              </a:rPr>
-              <a:t>-0.10</a:t>
-            </a:r>
-            <a:r>
-              <a:rPr lang="en-US" sz="800" dirty="0">
-                <a:latin typeface="Times New Roman" panose="02020603050405020304" pitchFamily="18" charset="0"/>
-                <a:cs typeface="Times New Roman" panose="02020603050405020304" pitchFamily="18" charset="0"/>
-              </a:rPr>
-              <a:t> to </a:t>
-            </a:r>
-            <a:r>
-              <a:rPr lang="en-US" altLang="zh-CN" sz="800" dirty="0">
-                <a:latin typeface="Times New Roman" panose="02020603050405020304" pitchFamily="18" charset="0"/>
-                <a:cs typeface="Times New Roman" panose="02020603050405020304" pitchFamily="18" charset="0"/>
-              </a:rPr>
-              <a:t>0.12</a:t>
-            </a:r>
-            <a:r>
-              <a:rPr lang="en-US" sz="800" dirty="0">
-                <a:latin typeface="Times New Roman" panose="02020603050405020304" pitchFamily="18" charset="0"/>
-                <a:cs typeface="Times New Roman" panose="02020603050405020304" pitchFamily="18" charset="0"/>
-              </a:rPr>
-              <a:t>.</a:t>
-            </a:r>
-            <a:r>
-              <a:rPr lang="zh-CN" altLang="en-US" sz="800" dirty="0">
-                <a:latin typeface="Times New Roman" panose="02020603050405020304" pitchFamily="18" charset="0"/>
-                <a:cs typeface="Times New Roman" panose="02020603050405020304" pitchFamily="18" charset="0"/>
-              </a:rPr>
-              <a:t> </a:t>
-            </a:r>
-            <a:r>
-              <a:rPr lang="en-US" sz="800" dirty="0">
-                <a:latin typeface="Times New Roman" panose="02020603050405020304" pitchFamily="18" charset="0"/>
-                <a:cs typeface="Times New Roman" panose="02020603050405020304" pitchFamily="18" charset="0"/>
-              </a:rPr>
-              <a:t>Reliability tests of NPS</a:t>
-            </a:r>
-            <a:r>
-              <a:rPr lang="zh-CN" altLang="en-US" sz="800" dirty="0">
-                <a:latin typeface="Times New Roman" panose="02020603050405020304" pitchFamily="18" charset="0"/>
-                <a:cs typeface="Times New Roman" panose="02020603050405020304" pitchFamily="18" charset="0"/>
-              </a:rPr>
-              <a:t> </a:t>
-            </a:r>
-            <a:r>
-              <a:rPr lang="en-US" altLang="zh-CN" sz="800" dirty="0">
-                <a:latin typeface="Times New Roman" panose="02020603050405020304" pitchFamily="18" charset="0"/>
-                <a:cs typeface="Times New Roman" panose="02020603050405020304" pitchFamily="18" charset="0"/>
-              </a:rPr>
-              <a:t>local</a:t>
-            </a:r>
-            <a:r>
-              <a:rPr lang="zh-CN" altLang="en-US" sz="800" dirty="0">
-                <a:latin typeface="Times New Roman" panose="02020603050405020304" pitchFamily="18" charset="0"/>
-                <a:cs typeface="Times New Roman" panose="02020603050405020304" pitchFamily="18" charset="0"/>
-              </a:rPr>
-              <a:t> </a:t>
-            </a:r>
-            <a:r>
-              <a:rPr lang="en-US" altLang="zh-CN" sz="800" dirty="0">
-                <a:latin typeface="Times New Roman" panose="02020603050405020304" pitchFamily="18" charset="0"/>
-                <a:cs typeface="Times New Roman" panose="02020603050405020304" pitchFamily="18" charset="0"/>
-              </a:rPr>
-              <a:t>brain</a:t>
-            </a:r>
-            <a:r>
-              <a:rPr lang="zh-CN" altLang="en-US" sz="800" dirty="0">
-                <a:latin typeface="Times New Roman" panose="02020603050405020304" pitchFamily="18" charset="0"/>
-                <a:cs typeface="Times New Roman" panose="02020603050405020304" pitchFamily="18" charset="0"/>
-              </a:rPr>
-              <a:t> </a:t>
-            </a:r>
-            <a:r>
-              <a:rPr lang="en-US" altLang="zh-CN" sz="800" dirty="0">
-                <a:latin typeface="Times New Roman" panose="02020603050405020304" pitchFamily="18" charset="0"/>
-                <a:cs typeface="Times New Roman" panose="02020603050405020304" pitchFamily="18" charset="0"/>
-              </a:rPr>
-              <a:t>regions</a:t>
-            </a:r>
-            <a:r>
-              <a:rPr lang="en-US" sz="800" dirty="0">
-                <a:latin typeface="Times New Roman" panose="02020603050405020304" pitchFamily="18" charset="0"/>
-                <a:cs typeface="Times New Roman" panose="02020603050405020304" pitchFamily="18" charset="0"/>
-              </a:rPr>
-              <a:t> show that the average Spearman-Brown first-second half reliability </a:t>
+              <a:t>Reliability tests show that the average Spearman-Brown first-second half reliability </a:t>
             </a:r>
             <a:r>
               <a:rPr lang="en-US" altLang="zh-CN" sz="800" dirty="0">
@@ -10824,126 +10539,6 @@
           </a:p>
         </p:txBody>
       </p:sp>
-      <p:pic>
-        <p:nvPicPr>
-          <p:cNvPr id="157" name="Picture 156" descr="A screenshot of a cell phone&#10;&#10;Description automatically generated">
-            <a:extLst>
-              <a:ext uri="{FF2B5EF4-FFF2-40B4-BE49-F238E27FC236}">
-                <a16:creationId xmlns:a16="http://schemas.microsoft.com/office/drawing/2014/main" id="{CD95A203-6889-4B43-801C-CB764CAE509D}"/>
-              </a:ext>
-            </a:extLst>
-          </p:cNvPr>
-          <p:cNvPicPr>
-            <a:picLocks noChangeAspect="1"/>
-          </p:cNvPicPr>
-          <p:nvPr/>
-        </p:nvPicPr>
-        <p:blipFill>
-          <a:blip r:embed="rId19"/>
-          <a:stretch>
-            <a:fillRect/>
-          </a:stretch>
-        </p:blipFill>
-        <p:spPr>
-          <a:xfrm>
-            <a:off x="238423" y="12341545"/>
-            <a:ext cx="1307800" cy="980850"/>
-          </a:xfrm>
-          <a:prstGeom prst="rect">
-            <a:avLst/>
-          </a:prstGeom>
-        </p:spPr>
-      </p:pic>
-      <p:pic>
-        <p:nvPicPr>
-          <p:cNvPr id="159" name="Picture 158" descr="A screenshot of a social media post&#10;&#10;Description automatically generated">
-            <a:extLst>
-              <a:ext uri="{FF2B5EF4-FFF2-40B4-BE49-F238E27FC236}">
-                <a16:creationId xmlns:a16="http://schemas.microsoft.com/office/drawing/2014/main" id="{B72D38A2-72A0-6E46-A990-99D727C75E8A}"/>
-              </a:ext>
-            </a:extLst>
-          </p:cNvPr>
-          <p:cNvPicPr>
-            <a:picLocks noChangeAspect="1"/>
-          </p:cNvPicPr>
-          <p:nvPr/>
-        </p:nvPicPr>
-        <p:blipFill>
-          <a:blip r:embed="rId20"/>
-          <a:stretch>
-            <a:fillRect/>
-          </a:stretch>
-        </p:blipFill>
-        <p:spPr>
-          <a:xfrm>
-            <a:off x="1497561" y="12337973"/>
-            <a:ext cx="1307800" cy="980850"/>
-          </a:xfrm>
-          <a:prstGeom prst="rect">
-            <a:avLst/>
-          </a:prstGeom>
-        </p:spPr>
-      </p:pic>
-      <p:pic>
-        <p:nvPicPr>
-          <p:cNvPr id="161" name="Picture 160" descr="A screenshot of a social media post&#10;&#10;Description automatically generated">
-            <a:extLst>
-              <a:ext uri="{FF2B5EF4-FFF2-40B4-BE49-F238E27FC236}">
-                <a16:creationId xmlns:a16="http://schemas.microsoft.com/office/drawing/2014/main" id="{28D79EF5-7411-B54E-811C-A9330D9057A3}"/>
-              </a:ext>
-            </a:extLst>
-          </p:cNvPr>
-          <p:cNvPicPr>
-            <a:picLocks noChangeAspect="1"/>
-          </p:cNvPicPr>
-          <p:nvPr/>
-        </p:nvPicPr>
-        <p:blipFill>
-          <a:blip r:embed="rId21"/>
-          <a:stretch>
-            <a:fillRect/>
-          </a:stretch>
-        </p:blipFill>
-        <p:spPr>
-          <a:xfrm>
-            <a:off x="2805363" y="12345120"/>
-            <a:ext cx="1302031" cy="976523"/>
-          </a:xfrm>
-          <a:prstGeom prst="rect">
-            <a:avLst/>
-          </a:prstGeom>
-        </p:spPr>
-      </p:pic>
-      <p:pic>
-        <p:nvPicPr>
-          <p:cNvPr id="163" name="Picture 162" descr="A screenshot of a cell phone&#10;&#10;Description automatically generated">
-            <a:extLst>
-              <a:ext uri="{FF2B5EF4-FFF2-40B4-BE49-F238E27FC236}">
-                <a16:creationId xmlns:a16="http://schemas.microsoft.com/office/drawing/2014/main" id="{AF3307E8-A022-A748-8BC5-639DC6CFB46E}"/>
-              </a:ext>
-            </a:extLst>
-          </p:cNvPr>
-          <p:cNvPicPr>
-            <a:picLocks noChangeAspect="1"/>
-          </p:cNvPicPr>
-          <p:nvPr/>
-        </p:nvPicPr>
-        <p:blipFill>
-          <a:blip r:embed="rId22"/>
-          <a:stretch>
-            <a:fillRect/>
-          </a:stretch>
-        </p:blipFill>
-        <p:spPr>
-          <a:xfrm>
-            <a:off x="4083183" y="12341033"/>
-            <a:ext cx="1307800" cy="980850"/>
-          </a:xfrm>
-          <a:prstGeom prst="rect">
-            <a:avLst/>
-          </a:prstGeom>
-        </p:spPr>
-      </p:pic>
       <p:sp>
         <p:nvSpPr>
           <p:cNvPr id="166" name="Rounded Rectangle 165">
@@ -10958,7 +10553,7 @@
         </p:nvSpPr>
         <p:spPr>
           <a:xfrm>
-            <a:off x="201194" y="13586492"/>
+            <a:off x="201195" y="12703413"/>
             <a:ext cx="3456405" cy="1788823"/>
           </a:xfrm>
           <a:prstGeom prst="roundRect">
@@ -11010,7 +10605,7 @@
         </p:nvSpPr>
         <p:spPr>
           <a:xfrm>
-            <a:off x="371780" y="13592685"/>
+            <a:off x="371780" y="12709606"/>
             <a:ext cx="5668310" cy="246221"/>
           </a:xfrm>
           <a:prstGeom prst="rect">
@@ -11046,7 +10641,7 @@
         </p:nvSpPr>
         <p:spPr>
           <a:xfrm>
-            <a:off x="202631" y="13787740"/>
+            <a:off x="202632" y="12904661"/>
             <a:ext cx="3467519" cy="1692771"/>
           </a:xfrm>
           <a:prstGeom prst="rect">
@@ -11068,7 +10663,63 @@
                 <a:latin typeface="Times New Roman" panose="02020603050405020304" pitchFamily="18" charset="0"/>
                 <a:cs typeface="Times New Roman" panose="02020603050405020304" pitchFamily="18" charset="0"/>
               </a:rPr>
-              <a:t>NPS showed a decent performance in effect size and reliability across different studies, superior to the performance of local brain regions. </a:t>
+              <a:t>NPS showed </a:t>
+            </a:r>
+            <a:r>
+              <a:rPr lang="en-US" altLang="zh-CN" sz="800" dirty="0">
+                <a:latin typeface="Times New Roman" panose="02020603050405020304" pitchFamily="18" charset="0"/>
+                <a:cs typeface="Times New Roman" panose="02020603050405020304" pitchFamily="18" charset="0"/>
+              </a:rPr>
+              <a:t>very</a:t>
+            </a:r>
+            <a:r>
+              <a:rPr lang="zh-CN" altLang="en-US" sz="800" dirty="0">
+                <a:latin typeface="Times New Roman" panose="02020603050405020304" pitchFamily="18" charset="0"/>
+                <a:cs typeface="Times New Roman" panose="02020603050405020304" pitchFamily="18" charset="0"/>
+              </a:rPr>
+              <a:t> </a:t>
+            </a:r>
+            <a:r>
+              <a:rPr lang="en-US" altLang="zh-CN" sz="800" dirty="0">
+                <a:latin typeface="Times New Roman" panose="02020603050405020304" pitchFamily="18" charset="0"/>
+                <a:cs typeface="Times New Roman" panose="02020603050405020304" pitchFamily="18" charset="0"/>
+              </a:rPr>
+              <a:t>large</a:t>
+            </a:r>
+            <a:r>
+              <a:rPr lang="zh-CN" altLang="en-US" sz="800" dirty="0">
+                <a:latin typeface="Times New Roman" panose="02020603050405020304" pitchFamily="18" charset="0"/>
+                <a:cs typeface="Times New Roman" panose="02020603050405020304" pitchFamily="18" charset="0"/>
+              </a:rPr>
+              <a:t> </a:t>
+            </a:r>
+            <a:r>
+              <a:rPr lang="en-US" sz="800" dirty="0">
+                <a:latin typeface="Times New Roman" panose="02020603050405020304" pitchFamily="18" charset="0"/>
+                <a:cs typeface="Times New Roman" panose="02020603050405020304" pitchFamily="18" charset="0"/>
+              </a:rPr>
+              <a:t>effect size and </a:t>
+            </a:r>
+            <a:r>
+              <a:rPr lang="en-US" altLang="zh-CN" sz="800" dirty="0">
+                <a:latin typeface="Times New Roman" panose="02020603050405020304" pitchFamily="18" charset="0"/>
+                <a:cs typeface="Times New Roman" panose="02020603050405020304" pitchFamily="18" charset="0"/>
+              </a:rPr>
+              <a:t>high</a:t>
+            </a:r>
+            <a:r>
+              <a:rPr lang="zh-CN" altLang="en-US" sz="800" dirty="0">
+                <a:latin typeface="Times New Roman" panose="02020603050405020304" pitchFamily="18" charset="0"/>
+                <a:cs typeface="Times New Roman" panose="02020603050405020304" pitchFamily="18" charset="0"/>
+              </a:rPr>
+              <a:t> </a:t>
+            </a:r>
+            <a:r>
+              <a:rPr lang="en-US" sz="800" dirty="0">
+                <a:latin typeface="Times New Roman" panose="02020603050405020304" pitchFamily="18" charset="0"/>
+                <a:cs typeface="Times New Roman" panose="02020603050405020304" pitchFamily="18" charset="0"/>
+              </a:rPr>
+              <a:t>reliability across different studies, superior to the performance of local brain regions. </a:t>
             </a:r>
           </a:p>
           <a:p>
@@ -11081,7 +10732,21 @@
                 <a:latin typeface="Times New Roman" panose="02020603050405020304" pitchFamily="18" charset="0"/>
                 <a:cs typeface="Times New Roman" panose="02020603050405020304" pitchFamily="18" charset="0"/>
               </a:rPr>
-              <a:t>The performances of three types of pattern similarity representations of NPS are similar, with some minor differences in different statistics.</a:t>
+              <a:t>The performances of three types of pattern similarity representations of NPS are differen</a:t>
+            </a:r>
+            <a:r>
+              <a:rPr lang="en-US" altLang="zh-CN" sz="800" dirty="0">
+                <a:latin typeface="Times New Roman" panose="02020603050405020304" pitchFamily="18" charset="0"/>
+                <a:cs typeface="Times New Roman" panose="02020603050405020304" pitchFamily="18" charset="0"/>
+              </a:rPr>
+              <a:t>t</a:t>
+            </a:r>
+            <a:r>
+              <a:rPr lang="en-US" sz="800" dirty="0">
+                <a:latin typeface="Times New Roman" panose="02020603050405020304" pitchFamily="18" charset="0"/>
+                <a:cs typeface="Times New Roman" panose="02020603050405020304" pitchFamily="18" charset="0"/>
+              </a:rPr>
+              <a:t> in different statistics.</a:t>
             </a:r>
           </a:p>
           <a:p>
@@ -11136,7 +10801,7 @@
         </p:nvSpPr>
         <p:spPr>
           <a:xfrm>
-            <a:off x="3796054" y="13582917"/>
+            <a:off x="3796055" y="12699837"/>
             <a:ext cx="2859505" cy="1780906"/>
           </a:xfrm>
           <a:prstGeom prst="roundRect">
@@ -11190,7 +10855,7 @@
         </p:nvSpPr>
         <p:spPr>
           <a:xfrm>
-            <a:off x="3924319" y="13567946"/>
+            <a:off x="3924319" y="12684867"/>
             <a:ext cx="917270" cy="246221"/>
           </a:xfrm>
           <a:prstGeom prst="rect">
@@ -11226,7 +10891,7 @@
         </p:nvSpPr>
         <p:spPr>
           <a:xfrm>
-            <a:off x="3839300" y="13741631"/>
+            <a:off x="3839300" y="12858551"/>
             <a:ext cx="2859406" cy="1554272"/>
           </a:xfrm>
           <a:prstGeom prst="rect">
@@ -11869,7 +11534,7 @@
         </p:nvSpPr>
         <p:spPr>
           <a:xfrm>
-            <a:off x="5268391" y="31810"/>
+            <a:off x="5268392" y="100390"/>
             <a:ext cx="1572749" cy="200055"/>
           </a:xfrm>
           <a:prstGeom prst="rect">
@@ -11926,10 +11591,10 @@
           <p:nvPr/>
         </p:nvPicPr>
         <p:blipFill>
-          <a:blip r:embed="rId23">
+          <a:blip r:embed="rId20">
             <a:extLst>
               <a:ext uri="{96DAC541-7B7A-43D3-8B79-37D633B846F1}">
-                <asvg:svgBlip xmlns:asvg="http://schemas.microsoft.com/office/drawing/2016/SVG/main" r:embed="rId24"/>
+                <asvg:svgBlip xmlns:asvg="http://schemas.microsoft.com/office/drawing/2016/SVG/main" r:embed="rId21"/>
               </a:ext>
             </a:extLst>
           </a:blip>
@@ -11939,7 +11604,7 @@
         </p:blipFill>
         <p:spPr>
           <a:xfrm>
-            <a:off x="5151335" y="32308"/>
+            <a:off x="5151336" y="100888"/>
             <a:ext cx="212441" cy="212441"/>
           </a:xfrm>
           <a:prstGeom prst="rect">
@@ -11947,6 +11612,354 @@
           </a:prstGeom>
         </p:spPr>
       </p:pic>
+      <p:pic>
+        <p:nvPicPr>
+          <p:cNvPr id="13" name="Picture 12" descr="A screenshot of a social media post&#10;&#10;Description automatically generated">
+            <a:extLst>
+              <a:ext uri="{FF2B5EF4-FFF2-40B4-BE49-F238E27FC236}">
+                <a16:creationId xmlns:a16="http://schemas.microsoft.com/office/drawing/2014/main" id="{B10087A8-891A-3C4A-A0B5-21CB458152BA}"/>
+              </a:ext>
+            </a:extLst>
+          </p:cNvPr>
+          <p:cNvPicPr>
+            <a:picLocks noChangeAspect="1"/>
+          </p:cNvPicPr>
+          <p:nvPr/>
+        </p:nvPicPr>
+        <p:blipFill>
+          <a:blip r:embed="rId22"/>
+          <a:stretch>
+            <a:fillRect/>
+          </a:stretch>
+        </p:blipFill>
+        <p:spPr>
+          <a:xfrm>
+            <a:off x="1517700" y="11413664"/>
+            <a:ext cx="1320952" cy="990714"/>
+          </a:xfrm>
+          <a:prstGeom prst="rect">
+            <a:avLst/>
+          </a:prstGeom>
+        </p:spPr>
+      </p:pic>
+      <p:pic>
+        <p:nvPicPr>
+          <p:cNvPr id="15" name="Picture 14" descr="A screenshot of a social media post&#10;&#10;Description automatically generated">
+            <a:extLst>
+              <a:ext uri="{FF2B5EF4-FFF2-40B4-BE49-F238E27FC236}">
+                <a16:creationId xmlns:a16="http://schemas.microsoft.com/office/drawing/2014/main" id="{D7032501-BDDB-0041-AA8F-C848DE42A516}"/>
+              </a:ext>
+            </a:extLst>
+          </p:cNvPr>
+          <p:cNvPicPr>
+            <a:picLocks noChangeAspect="1"/>
+          </p:cNvPicPr>
+          <p:nvPr/>
+        </p:nvPicPr>
+        <p:blipFill>
+          <a:blip r:embed="rId23"/>
+          <a:stretch>
+            <a:fillRect/>
+          </a:stretch>
+        </p:blipFill>
+        <p:spPr>
+          <a:xfrm>
+            <a:off x="2785512" y="11421738"/>
+            <a:ext cx="1324853" cy="993640"/>
+          </a:xfrm>
+          <a:prstGeom prst="rect">
+            <a:avLst/>
+          </a:prstGeom>
+        </p:spPr>
+      </p:pic>
+      <p:pic>
+        <p:nvPicPr>
+          <p:cNvPr id="34" name="Picture 33" descr="A screenshot of a cell phone&#10;&#10;Description automatically generated">
+            <a:extLst>
+              <a:ext uri="{FF2B5EF4-FFF2-40B4-BE49-F238E27FC236}">
+                <a16:creationId xmlns:a16="http://schemas.microsoft.com/office/drawing/2014/main" id="{2916405D-1B58-B04A-886B-6CC606066F83}"/>
+              </a:ext>
+            </a:extLst>
+          </p:cNvPr>
+          <p:cNvPicPr>
+            <a:picLocks noChangeAspect="1"/>
+          </p:cNvPicPr>
+          <p:nvPr/>
+        </p:nvPicPr>
+        <p:blipFill>
+          <a:blip r:embed="rId24"/>
+          <a:stretch>
+            <a:fillRect/>
+          </a:stretch>
+        </p:blipFill>
+        <p:spPr>
+          <a:xfrm>
+            <a:off x="4057846" y="11424664"/>
+            <a:ext cx="1320952" cy="990714"/>
+          </a:xfrm>
+          <a:prstGeom prst="rect">
+            <a:avLst/>
+          </a:prstGeom>
+        </p:spPr>
+      </p:pic>
+      <p:sp>
+        <p:nvSpPr>
+          <p:cNvPr id="37" name="Rectangle 36">
+            <a:extLst>
+              <a:ext uri="{FF2B5EF4-FFF2-40B4-BE49-F238E27FC236}">
+                <a16:creationId xmlns:a16="http://schemas.microsoft.com/office/drawing/2014/main" id="{25B94F66-B695-754E-B90F-C94F903A28AE}"/>
+              </a:ext>
+            </a:extLst>
+          </p:cNvPr>
+          <p:cNvSpPr/>
+          <p:nvPr/>
+        </p:nvSpPr>
+        <p:spPr>
+          <a:xfrm>
+            <a:off x="371780" y="9245939"/>
+            <a:ext cx="3429000" cy="215444"/>
+          </a:xfrm>
+          <a:prstGeom prst="rect">
+            <a:avLst/>
+          </a:prstGeom>
+        </p:spPr>
+        <p:txBody>
+          <a:bodyPr>
+            <a:spAutoFit/>
+          </a:bodyPr>
+          <a:lstStyle/>
+          <a:p>
+            <a:pPr marL="171450" indent="-171450">
+              <a:buFont typeface="Arial" panose="020B0604020202020204" pitchFamily="34" charset="0"/>
+              <a:buChar char="•"/>
+            </a:pPr>
+            <a:r>
+              <a:rPr lang="en-US" altLang="zh-CN" sz="800" b="1" dirty="0">
+                <a:latin typeface="Times New Roman" panose="02020603050405020304" pitchFamily="18" charset="0"/>
+                <a:cs typeface="Times New Roman" panose="02020603050405020304" pitchFamily="18" charset="0"/>
+              </a:rPr>
+              <a:t>Reliability</a:t>
+            </a:r>
+            <a:r>
+              <a:rPr lang="zh-CN" altLang="en-US" sz="800" b="1" dirty="0">
+                <a:latin typeface="Times New Roman" panose="02020603050405020304" pitchFamily="18" charset="0"/>
+                <a:cs typeface="Times New Roman" panose="02020603050405020304" pitchFamily="18" charset="0"/>
+              </a:rPr>
+              <a:t> </a:t>
+            </a:r>
+            <a:r>
+              <a:rPr lang="en-US" altLang="zh-CN" sz="800" b="1" dirty="0">
+                <a:latin typeface="Times New Roman" panose="02020603050405020304" pitchFamily="18" charset="0"/>
+                <a:cs typeface="Times New Roman" panose="02020603050405020304" pitchFamily="18" charset="0"/>
+              </a:rPr>
+              <a:t>of</a:t>
+            </a:r>
+            <a:r>
+              <a:rPr lang="zh-CN" altLang="en-US" sz="800" b="1" dirty="0">
+                <a:latin typeface="Times New Roman" panose="02020603050405020304" pitchFamily="18" charset="0"/>
+                <a:cs typeface="Times New Roman" panose="02020603050405020304" pitchFamily="18" charset="0"/>
+              </a:rPr>
+              <a:t> </a:t>
+            </a:r>
+            <a:r>
+              <a:rPr lang="en-US" altLang="zh-CN" sz="800" b="1" dirty="0">
+                <a:latin typeface="Times New Roman" panose="02020603050405020304" pitchFamily="18" charset="0"/>
+                <a:cs typeface="Times New Roman" panose="02020603050405020304" pitchFamily="18" charset="0"/>
+              </a:rPr>
+              <a:t>NPS</a:t>
+            </a:r>
+            <a:r>
+              <a:rPr lang="zh-CN" altLang="en-US" sz="800" b="1" dirty="0">
+                <a:latin typeface="Times New Roman" panose="02020603050405020304" pitchFamily="18" charset="0"/>
+                <a:cs typeface="Times New Roman" panose="02020603050405020304" pitchFamily="18" charset="0"/>
+              </a:rPr>
+              <a:t> </a:t>
+            </a:r>
+            <a:r>
+              <a:rPr lang="en-US" altLang="zh-CN" sz="800" b="1" dirty="0">
+                <a:latin typeface="Times New Roman" panose="02020603050405020304" pitchFamily="18" charset="0"/>
+                <a:cs typeface="Times New Roman" panose="02020603050405020304" pitchFamily="18" charset="0"/>
+              </a:rPr>
+              <a:t>response</a:t>
+            </a:r>
+            <a:r>
+              <a:rPr lang="zh-CN" altLang="en-US" sz="800" b="1" dirty="0">
+                <a:latin typeface="Times New Roman" panose="02020603050405020304" pitchFamily="18" charset="0"/>
+                <a:cs typeface="Times New Roman" panose="02020603050405020304" pitchFamily="18" charset="0"/>
+              </a:rPr>
+              <a:t> </a:t>
+            </a:r>
+            <a:r>
+              <a:rPr lang="en-US" altLang="zh-CN" sz="800" b="1" dirty="0">
+                <a:latin typeface="Times New Roman" panose="02020603050405020304" pitchFamily="18" charset="0"/>
+                <a:cs typeface="Times New Roman" panose="02020603050405020304" pitchFamily="18" charset="0"/>
+              </a:rPr>
+              <a:t>and</a:t>
+            </a:r>
+            <a:r>
+              <a:rPr lang="zh-CN" altLang="en-US" sz="800" b="1" dirty="0">
+                <a:latin typeface="Times New Roman" panose="02020603050405020304" pitchFamily="18" charset="0"/>
+                <a:cs typeface="Times New Roman" panose="02020603050405020304" pitchFamily="18" charset="0"/>
+              </a:rPr>
+              <a:t> </a:t>
+            </a:r>
+            <a:r>
+              <a:rPr lang="en-US" altLang="zh-CN" sz="800" b="1" dirty="0">
+                <a:latin typeface="Times New Roman" panose="02020603050405020304" pitchFamily="18" charset="0"/>
+                <a:cs typeface="Times New Roman" panose="02020603050405020304" pitchFamily="18" charset="0"/>
+              </a:rPr>
+              <a:t>subjective</a:t>
+            </a:r>
+            <a:r>
+              <a:rPr lang="zh-CN" altLang="en-US" sz="800" b="1" dirty="0">
+                <a:latin typeface="Times New Roman" panose="02020603050405020304" pitchFamily="18" charset="0"/>
+                <a:cs typeface="Times New Roman" panose="02020603050405020304" pitchFamily="18" charset="0"/>
+              </a:rPr>
+              <a:t> </a:t>
+            </a:r>
+            <a:r>
+              <a:rPr lang="en-US" altLang="zh-CN" sz="800" b="1" dirty="0">
+                <a:latin typeface="Times New Roman" panose="02020603050405020304" pitchFamily="18" charset="0"/>
+                <a:cs typeface="Times New Roman" panose="02020603050405020304" pitchFamily="18" charset="0"/>
+              </a:rPr>
+              <a:t>pain</a:t>
+            </a:r>
+            <a:r>
+              <a:rPr lang="zh-CN" altLang="en-US" sz="800" b="1" dirty="0">
+                <a:latin typeface="Times New Roman" panose="02020603050405020304" pitchFamily="18" charset="0"/>
+                <a:cs typeface="Times New Roman" panose="02020603050405020304" pitchFamily="18" charset="0"/>
+              </a:rPr>
+              <a:t> </a:t>
+            </a:r>
+            <a:r>
+              <a:rPr lang="en-US" altLang="zh-CN" sz="800" b="1" dirty="0">
+                <a:latin typeface="Times New Roman" panose="02020603050405020304" pitchFamily="18" charset="0"/>
+                <a:cs typeface="Times New Roman" panose="02020603050405020304" pitchFamily="18" charset="0"/>
+              </a:rPr>
+              <a:t>ratings</a:t>
+            </a:r>
+            <a:endParaRPr lang="en-US" sz="800" b="1" dirty="0">
+              <a:latin typeface="Times New Roman" panose="02020603050405020304" pitchFamily="18" charset="0"/>
+              <a:cs typeface="Times New Roman" panose="02020603050405020304" pitchFamily="18" charset="0"/>
+            </a:endParaRPr>
+          </a:p>
+        </p:txBody>
+      </p:sp>
+      <p:sp>
+        <p:nvSpPr>
+          <p:cNvPr id="94" name="Rectangle 93">
+            <a:extLst>
+              <a:ext uri="{FF2B5EF4-FFF2-40B4-BE49-F238E27FC236}">
+                <a16:creationId xmlns:a16="http://schemas.microsoft.com/office/drawing/2014/main" id="{FC94B210-2056-7844-8300-35EE39158391}"/>
+              </a:ext>
+            </a:extLst>
+          </p:cNvPr>
+          <p:cNvSpPr/>
+          <p:nvPr/>
+        </p:nvSpPr>
+        <p:spPr>
+          <a:xfrm>
+            <a:off x="3436835" y="9944913"/>
+            <a:ext cx="3429000" cy="215444"/>
+          </a:xfrm>
+          <a:prstGeom prst="rect">
+            <a:avLst/>
+          </a:prstGeom>
+        </p:spPr>
+        <p:txBody>
+          <a:bodyPr>
+            <a:spAutoFit/>
+          </a:bodyPr>
+          <a:lstStyle/>
+          <a:p>
+            <a:pPr marL="171450" indent="-171450">
+              <a:buFont typeface="Arial" panose="020B0604020202020204" pitchFamily="34" charset="0"/>
+              <a:buChar char="•"/>
+            </a:pPr>
+            <a:r>
+              <a:rPr lang="en-US" altLang="zh-CN" sz="800" b="1" dirty="0">
+                <a:latin typeface="Times New Roman" panose="02020603050405020304" pitchFamily="18" charset="0"/>
+                <a:cs typeface="Times New Roman" panose="02020603050405020304" pitchFamily="18" charset="0"/>
+              </a:rPr>
+              <a:t>Performance</a:t>
+            </a:r>
+            <a:r>
+              <a:rPr lang="zh-CN" altLang="en-US" sz="800" b="1" dirty="0">
+                <a:latin typeface="Times New Roman" panose="02020603050405020304" pitchFamily="18" charset="0"/>
+                <a:cs typeface="Times New Roman" panose="02020603050405020304" pitchFamily="18" charset="0"/>
+              </a:rPr>
+              <a:t> </a:t>
+            </a:r>
+            <a:r>
+              <a:rPr lang="en-US" altLang="zh-CN" sz="800" b="1" dirty="0">
+                <a:latin typeface="Times New Roman" panose="02020603050405020304" pitchFamily="18" charset="0"/>
+                <a:cs typeface="Times New Roman" panose="02020603050405020304" pitchFamily="18" charset="0"/>
+              </a:rPr>
+              <a:t>of</a:t>
+            </a:r>
+            <a:r>
+              <a:rPr lang="zh-CN" altLang="en-US" sz="800" b="1" dirty="0">
+                <a:latin typeface="Times New Roman" panose="02020603050405020304" pitchFamily="18" charset="0"/>
+                <a:cs typeface="Times New Roman" panose="02020603050405020304" pitchFamily="18" charset="0"/>
+              </a:rPr>
+              <a:t> </a:t>
+            </a:r>
+            <a:r>
+              <a:rPr lang="en-US" altLang="zh-CN" sz="800" b="1" dirty="0">
+                <a:latin typeface="Times New Roman" panose="02020603050405020304" pitchFamily="18" charset="0"/>
+                <a:cs typeface="Times New Roman" panose="02020603050405020304" pitchFamily="18" charset="0"/>
+              </a:rPr>
+              <a:t>NPS</a:t>
+            </a:r>
+            <a:r>
+              <a:rPr lang="zh-CN" altLang="en-US" sz="800" b="1" dirty="0">
+                <a:latin typeface="Times New Roman" panose="02020603050405020304" pitchFamily="18" charset="0"/>
+                <a:cs typeface="Times New Roman" panose="02020603050405020304" pitchFamily="18" charset="0"/>
+              </a:rPr>
+              <a:t> </a:t>
+            </a:r>
+            <a:r>
+              <a:rPr lang="en-US" altLang="zh-CN" sz="800" b="1" dirty="0">
+                <a:latin typeface="Times New Roman" panose="02020603050405020304" pitchFamily="18" charset="0"/>
+                <a:cs typeface="Times New Roman" panose="02020603050405020304" pitchFamily="18" charset="0"/>
+              </a:rPr>
+              <a:t>local</a:t>
+            </a:r>
+            <a:r>
+              <a:rPr lang="zh-CN" altLang="en-US" sz="800" b="1" dirty="0">
+                <a:latin typeface="Times New Roman" panose="02020603050405020304" pitchFamily="18" charset="0"/>
+                <a:cs typeface="Times New Roman" panose="02020603050405020304" pitchFamily="18" charset="0"/>
+              </a:rPr>
+              <a:t> </a:t>
+            </a:r>
+            <a:r>
+              <a:rPr lang="en-US" altLang="zh-CN" sz="800" b="1" dirty="0">
+                <a:latin typeface="Times New Roman" panose="02020603050405020304" pitchFamily="18" charset="0"/>
+                <a:cs typeface="Times New Roman" panose="02020603050405020304" pitchFamily="18" charset="0"/>
+              </a:rPr>
+              <a:t>brain</a:t>
+            </a:r>
+            <a:r>
+              <a:rPr lang="zh-CN" altLang="en-US" sz="800" b="1" dirty="0">
+                <a:latin typeface="Times New Roman" panose="02020603050405020304" pitchFamily="18" charset="0"/>
+                <a:cs typeface="Times New Roman" panose="02020603050405020304" pitchFamily="18" charset="0"/>
+              </a:rPr>
+              <a:t> </a:t>
+            </a:r>
+            <a:r>
+              <a:rPr lang="en-US" altLang="zh-CN" sz="800" b="1" dirty="0">
+                <a:latin typeface="Times New Roman" panose="02020603050405020304" pitchFamily="18" charset="0"/>
+                <a:cs typeface="Times New Roman" panose="02020603050405020304" pitchFamily="18" charset="0"/>
+              </a:rPr>
+              <a:t>regions</a:t>
+            </a:r>
+            <a:endParaRPr lang="en-US" sz="800" b="1" dirty="0">
+              <a:latin typeface="Times New Roman" panose="02020603050405020304" pitchFamily="18" charset="0"/>
+              <a:cs typeface="Times New Roman" panose="02020603050405020304" pitchFamily="18" charset="0"/>
+            </a:endParaRPr>
+          </a:p>
+        </p:txBody>
+      </p:sp>
     </p:spTree>
     <p:extLst>
       <p:ext uri="{BB962C8B-B14F-4D97-AF65-F5344CB8AC3E}">
